--- a/PintOS - Gestione Memoria.pptx
+++ b/PintOS - Gestione Memoria.pptx
@@ -10,6 +10,13 @@
     <p:sldId id="258" r:id="rId4"/>
     <p:sldId id="260" r:id="rId5"/>
     <p:sldId id="261" r:id="rId6"/>
+    <p:sldId id="263" r:id="rId7"/>
+    <p:sldId id="262" r:id="rId8"/>
+    <p:sldId id="264" r:id="rId9"/>
+    <p:sldId id="265" r:id="rId10"/>
+    <p:sldId id="266" r:id="rId11"/>
+    <p:sldId id="267" r:id="rId12"/>
+    <p:sldId id="268" r:id="rId13"/>
   </p:sldIdLst>
   <p:sldSz cx="12192000" cy="6858000"/>
   <p:notesSz cx="6858000" cy="9144000"/>
@@ -375,7 +382,7 @@
             <a:fld id="{B61BEF0D-F0BB-DE4B-95CE-6DB70DBA9567}" type="datetimeFigureOut">
               <a:rPr lang="en-US" dirty="0"/>
               <a:pPr/>
-              <a:t>1/20/2024</a:t>
+              <a:t>1/21/2024</a:t>
             </a:fld>
             <a:endParaRPr lang="en-US" dirty="0"/>
           </a:p>
@@ -637,7 +644,7 @@
             <a:fld id="{B61BEF0D-F0BB-DE4B-95CE-6DB70DBA9567}" type="datetimeFigureOut">
               <a:rPr lang="en-US" dirty="0"/>
               <a:pPr/>
-              <a:t>1/20/2024</a:t>
+              <a:t>1/21/2024</a:t>
             </a:fld>
             <a:endParaRPr lang="en-US" dirty="0"/>
           </a:p>
@@ -872,7 +879,7 @@
             <a:fld id="{B61BEF0D-F0BB-DE4B-95CE-6DB70DBA9567}" type="datetimeFigureOut">
               <a:rPr lang="en-US" dirty="0"/>
               <a:pPr/>
-              <a:t>1/20/2024</a:t>
+              <a:t>1/21/2024</a:t>
             </a:fld>
             <a:endParaRPr lang="en-US" dirty="0"/>
           </a:p>
@@ -1112,7 +1119,7 @@
             <a:fld id="{B61BEF0D-F0BB-DE4B-95CE-6DB70DBA9567}" type="datetimeFigureOut">
               <a:rPr lang="en-US" dirty="0"/>
               <a:pPr/>
-              <a:t>1/20/2024</a:t>
+              <a:t>1/21/2024</a:t>
             </a:fld>
             <a:endParaRPr lang="en-US" dirty="0"/>
           </a:p>
@@ -1420,7 +1427,7 @@
             <a:fld id="{B61BEF0D-F0BB-DE4B-95CE-6DB70DBA9567}" type="datetimeFigureOut">
               <a:rPr lang="en-US" dirty="0"/>
               <a:pPr/>
-              <a:t>1/20/2024</a:t>
+              <a:t>1/21/2024</a:t>
             </a:fld>
             <a:endParaRPr lang="en-US" dirty="0"/>
           </a:p>
@@ -1721,7 +1728,7 @@
             <a:fld id="{B61BEF0D-F0BB-DE4B-95CE-6DB70DBA9567}" type="datetimeFigureOut">
               <a:rPr lang="en-US" dirty="0"/>
               <a:pPr/>
-              <a:t>1/20/2024</a:t>
+              <a:t>1/21/2024</a:t>
             </a:fld>
             <a:endParaRPr lang="en-US" dirty="0"/>
           </a:p>
@@ -2142,7 +2149,7 @@
             <a:fld id="{B61BEF0D-F0BB-DE4B-95CE-6DB70DBA9567}" type="datetimeFigureOut">
               <a:rPr lang="en-US" dirty="0"/>
               <a:pPr/>
-              <a:t>1/20/2024</a:t>
+              <a:t>1/21/2024</a:t>
             </a:fld>
             <a:endParaRPr lang="en-US" dirty="0"/>
           </a:p>
@@ -2239,7 +2246,7 @@
             <a:fld id="{B61BEF0D-F0BB-DE4B-95CE-6DB70DBA9567}" type="datetimeFigureOut">
               <a:rPr lang="en-US" dirty="0"/>
               <a:pPr/>
-              <a:t>1/20/2024</a:t>
+              <a:t>1/21/2024</a:t>
             </a:fld>
             <a:endParaRPr lang="en-US" dirty="0"/>
           </a:p>
@@ -2402,7 +2409,7 @@
             <a:fld id="{B61BEF0D-F0BB-DE4B-95CE-6DB70DBA9567}" type="datetimeFigureOut">
               <a:rPr lang="en-US" dirty="0"/>
               <a:pPr/>
-              <a:t>1/20/2024</a:t>
+              <a:t>1/21/2024</a:t>
             </a:fld>
             <a:endParaRPr lang="en-US" dirty="0"/>
           </a:p>
@@ -2780,7 +2787,7 @@
             <a:fld id="{B61BEF0D-F0BB-DE4B-95CE-6DB70DBA9567}" type="datetimeFigureOut">
               <a:rPr lang="en-US" dirty="0"/>
               <a:pPr/>
-              <a:t>1/20/2024</a:t>
+              <a:t>1/21/2024</a:t>
             </a:fld>
             <a:endParaRPr lang="en-US" dirty="0"/>
           </a:p>
@@ -3066,7 +3073,7 @@
             <a:fld id="{B61BEF0D-F0BB-DE4B-95CE-6DB70DBA9567}" type="datetimeFigureOut">
               <a:rPr lang="en-US" dirty="0"/>
               <a:pPr/>
-              <a:t>1/20/2024</a:t>
+              <a:t>1/21/2024</a:t>
             </a:fld>
             <a:endParaRPr lang="en-US" dirty="0"/>
           </a:p>
@@ -3305,7 +3312,7 @@
             <a:fld id="{B61BEF0D-F0BB-DE4B-95CE-6DB70DBA9567}" type="datetimeFigureOut">
               <a:rPr lang="en-US" dirty="0"/>
               <a:pPr/>
-              <a:t>1/20/2024</a:t>
+              <a:t>1/21/2024</a:t>
             </a:fld>
             <a:endParaRPr lang="en-US" dirty="0"/>
           </a:p>
@@ -4545,6 +4552,3617 @@
 </p:sld>
 </file>
 
+<file path=ppt/slides/slide10.xml><?xml version="1.0" encoding="utf-8"?>
+<p:sld xmlns:a="http://schemas.openxmlformats.org/drawingml/2006/main" xmlns:r="http://schemas.openxmlformats.org/officeDocument/2006/relationships" xmlns:p="http://schemas.openxmlformats.org/presentationml/2006/main">
+  <p:cSld>
+    <p:bg>
+      <p:bgPr>
+        <a:solidFill>
+          <a:schemeClr val="bg2"/>
+        </a:solidFill>
+        <a:effectLst/>
+      </p:bgPr>
+    </p:bg>
+    <p:spTree>
+      <p:nvGrpSpPr>
+        <p:cNvPr id="1" name=""/>
+        <p:cNvGrpSpPr/>
+        <p:nvPr/>
+      </p:nvGrpSpPr>
+      <p:grpSpPr>
+        <a:xfrm>
+          <a:off x="0" y="0"/>
+          <a:ext cx="0" cy="0"/>
+          <a:chOff x="0" y="0"/>
+          <a:chExt cx="0" cy="0"/>
+        </a:xfrm>
+      </p:grpSpPr>
+      <p:sp>
+        <p:nvSpPr>
+          <p:cNvPr id="8" name="Rectangle 7">
+            <a:extLst>
+              <a:ext uri="{FF2B5EF4-FFF2-40B4-BE49-F238E27FC236}">
+                <a16:creationId xmlns:a16="http://schemas.microsoft.com/office/drawing/2014/main" id="{D70130DC-F780-43D2-B26A-92EACD78951B}"/>
+              </a:ext>
+              <a:ext uri="{C183D7F6-B498-43B3-948B-1728B52AA6E4}">
+                <adec:decorative xmlns:adec="http://schemas.microsoft.com/office/drawing/2017/decorative" val="1"/>
+              </a:ext>
+            </a:extLst>
+          </p:cNvPr>
+          <p:cNvSpPr>
+            <a:spLocks noGrp="1" noRot="1" noChangeAspect="1" noMove="1" noResize="1" noEditPoints="1" noAdjustHandles="1" noChangeArrowheads="1" noChangeShapeType="1" noTextEdit="1"/>
+          </p:cNvSpPr>
+          <p:nvPr>
+            <p:extLst>
+              <p:ext uri="{386F3935-93C4-4BCD-93E2-E3B085C9AB24}">
+                <p16:designElem xmlns:p16="http://schemas.microsoft.com/office/powerpoint/2015/main" val="1"/>
+              </p:ext>
+            </p:extLst>
+          </p:nvPr>
+        </p:nvSpPr>
+        <p:spPr>
+          <a:xfrm>
+            <a:off x="0" y="0"/>
+            <a:ext cx="12192000" cy="6858000"/>
+          </a:xfrm>
+          <a:prstGeom prst="rect">
+            <a:avLst/>
+          </a:prstGeom>
+          <a:solidFill>
+            <a:srgbClr val="E4E4E4"/>
+          </a:solidFill>
+          <a:ln>
+            <a:noFill/>
+          </a:ln>
+        </p:spPr>
+        <p:style>
+          <a:lnRef idx="2">
+            <a:schemeClr val="accent1">
+              <a:shade val="50000"/>
+            </a:schemeClr>
+          </a:lnRef>
+          <a:fillRef idx="1">
+            <a:schemeClr val="accent1"/>
+          </a:fillRef>
+          <a:effectRef idx="0">
+            <a:schemeClr val="accent1"/>
+          </a:effectRef>
+          <a:fontRef idx="minor">
+            <a:schemeClr val="lt1"/>
+          </a:fontRef>
+        </p:style>
+        <p:txBody>
+          <a:bodyPr rtlCol="0" anchor="ctr"/>
+          <a:lstStyle/>
+          <a:p>
+            <a:pPr algn="ctr"/>
+            <a:endParaRPr lang="en-US"/>
+          </a:p>
+        </p:txBody>
+      </p:sp>
+      <p:sp>
+        <p:nvSpPr>
+          <p:cNvPr id="2" name="Titolo 1">
+            <a:extLst>
+              <a:ext uri="{FF2B5EF4-FFF2-40B4-BE49-F238E27FC236}">
+                <a16:creationId xmlns:a16="http://schemas.microsoft.com/office/drawing/2014/main" id="{D2D684BA-49BE-8A04-1C57-EDA155EDC4D0}"/>
+              </a:ext>
+            </a:extLst>
+          </p:cNvPr>
+          <p:cNvSpPr>
+            <a:spLocks noGrp="1"/>
+          </p:cNvSpPr>
+          <p:nvPr>
+            <p:ph type="title"/>
+          </p:nvPr>
+        </p:nvSpPr>
+        <p:spPr>
+          <a:xfrm>
+            <a:off x="581192" y="641653"/>
+            <a:ext cx="11029616" cy="1095560"/>
+          </a:xfrm>
+        </p:spPr>
+        <p:txBody>
+          <a:bodyPr anchor="t">
+            <a:normAutofit/>
+          </a:bodyPr>
+          <a:lstStyle/>
+          <a:p>
+            <a:r>
+              <a:rPr lang="it-IT" dirty="0" err="1">
+                <a:solidFill>
+                  <a:schemeClr val="accent2"/>
+                </a:solidFill>
+              </a:rPr>
+              <a:t>Pintos</a:t>
+            </a:r>
+            <a:r>
+              <a:rPr lang="it-IT" dirty="0">
+                <a:solidFill>
+                  <a:schemeClr val="accent2"/>
+                </a:solidFill>
+              </a:rPr>
+              <a:t> - BLOCK </a:t>
+            </a:r>
+            <a:r>
+              <a:rPr lang="it-IT" dirty="0" err="1">
+                <a:solidFill>
+                  <a:schemeClr val="accent2"/>
+                </a:solidFill>
+              </a:rPr>
+              <a:t>Allocator</a:t>
+            </a:r>
+            <a:r>
+              <a:rPr lang="it-IT" dirty="0">
+                <a:solidFill>
+                  <a:schemeClr val="accent2"/>
+                </a:solidFill>
+              </a:rPr>
+              <a:t> – METODI COINVOLTI</a:t>
+            </a:r>
+          </a:p>
+        </p:txBody>
+      </p:sp>
+      <p:sp>
+        <p:nvSpPr>
+          <p:cNvPr id="10" name="Rectangle 9">
+            <a:extLst>
+              <a:ext uri="{FF2B5EF4-FFF2-40B4-BE49-F238E27FC236}">
+                <a16:creationId xmlns:a16="http://schemas.microsoft.com/office/drawing/2014/main" id="{17676E0E-5B44-4166-8EDD-CFDBAC622C26}"/>
+              </a:ext>
+              <a:ext uri="{C183D7F6-B498-43B3-948B-1728B52AA6E4}">
+                <adec:decorative xmlns:adec="http://schemas.microsoft.com/office/drawing/2017/decorative" val="1"/>
+              </a:ext>
+            </a:extLst>
+          </p:cNvPr>
+          <p:cNvSpPr>
+            <a:spLocks noGrp="1" noRot="1" noChangeAspect="1" noMove="1" noResize="1" noEditPoints="1" noAdjustHandles="1" noChangeArrowheads="1" noChangeShapeType="1" noTextEdit="1"/>
+          </p:cNvSpPr>
+          <p:nvPr>
+            <p:extLst>
+              <p:ext uri="{386F3935-93C4-4BCD-93E2-E3B085C9AB24}">
+                <p16:designElem xmlns:p16="http://schemas.microsoft.com/office/powerpoint/2015/main" val="1"/>
+              </p:ext>
+            </p:extLst>
+          </p:nvPr>
+        </p:nvSpPr>
+        <p:spPr>
+          <a:xfrm>
+            <a:off x="446533" y="457201"/>
+            <a:ext cx="11298933" cy="91440"/>
+          </a:xfrm>
+          <a:prstGeom prst="rect">
+            <a:avLst/>
+          </a:prstGeom>
+          <a:solidFill>
+            <a:schemeClr val="accent1"/>
+          </a:solidFill>
+          <a:ln>
+            <a:noFill/>
+          </a:ln>
+          <a:effectLst/>
+        </p:spPr>
+        <p:style>
+          <a:lnRef idx="1">
+            <a:schemeClr val="accent1"/>
+          </a:lnRef>
+          <a:fillRef idx="3">
+            <a:schemeClr val="accent1"/>
+          </a:fillRef>
+          <a:effectRef idx="2">
+            <a:schemeClr val="accent1"/>
+          </a:effectRef>
+          <a:fontRef idx="minor">
+            <a:schemeClr val="lt1"/>
+          </a:fontRef>
+        </p:style>
+        <p:txBody>
+          <a:bodyPr/>
+          <a:lstStyle/>
+          <a:p>
+            <a:endParaRPr lang="it-IT"/>
+          </a:p>
+        </p:txBody>
+      </p:sp>
+      <p:sp>
+        <p:nvSpPr>
+          <p:cNvPr id="3" name="Segnaposto contenuto 2">
+            <a:extLst>
+              <a:ext uri="{FF2B5EF4-FFF2-40B4-BE49-F238E27FC236}">
+                <a16:creationId xmlns:a16="http://schemas.microsoft.com/office/drawing/2014/main" id="{ADB966D1-6934-2445-AEE9-C05CFEB1C416}"/>
+              </a:ext>
+            </a:extLst>
+          </p:cNvPr>
+          <p:cNvSpPr>
+            <a:spLocks noGrp="1"/>
+          </p:cNvSpPr>
+          <p:nvPr>
+            <p:ph idx="1"/>
+          </p:nvPr>
+        </p:nvSpPr>
+        <p:spPr>
+          <a:xfrm>
+            <a:off x="404031" y="1450426"/>
+            <a:ext cx="11029615" cy="1784657"/>
+          </a:xfrm>
+        </p:spPr>
+        <p:txBody>
+          <a:bodyPr>
+            <a:normAutofit/>
+          </a:bodyPr>
+          <a:lstStyle/>
+          <a:p>
+            <a:r>
+              <a:rPr lang="en-US" sz="2400" b="0" i="0" dirty="0">
+                <a:solidFill>
+                  <a:schemeClr val="accent6"/>
+                </a:solidFill>
+                <a:effectLst/>
+                <a:latin typeface="Söhne Mono"/>
+              </a:rPr>
+              <a:t>void *malloc(</a:t>
+            </a:r>
+            <a:r>
+              <a:rPr lang="en-US" sz="2400" b="0" i="0" dirty="0" err="1">
+                <a:solidFill>
+                  <a:schemeClr val="accent6"/>
+                </a:solidFill>
+                <a:effectLst/>
+                <a:latin typeface="Söhne Mono"/>
+              </a:rPr>
+              <a:t>size_t</a:t>
+            </a:r>
+            <a:r>
+              <a:rPr lang="en-US" sz="2400" b="0" i="0" dirty="0">
+                <a:solidFill>
+                  <a:schemeClr val="accent6"/>
+                </a:solidFill>
+                <a:effectLst/>
+                <a:latin typeface="Söhne Mono"/>
+              </a:rPr>
+              <a:t> size)</a:t>
+            </a:r>
+          </a:p>
+          <a:p>
+            <a:r>
+              <a:rPr lang="en-US" sz="2400" b="0" i="0" dirty="0">
+                <a:solidFill>
+                  <a:schemeClr val="accent6"/>
+                </a:solidFill>
+                <a:effectLst/>
+                <a:latin typeface="Söhne Mono"/>
+              </a:rPr>
+              <a:t>void *</a:t>
+            </a:r>
+            <a:r>
+              <a:rPr lang="en-US" sz="2400" b="0" i="0" dirty="0" err="1">
+                <a:solidFill>
+                  <a:schemeClr val="accent6"/>
+                </a:solidFill>
+                <a:effectLst/>
+                <a:latin typeface="Söhne Mono"/>
+              </a:rPr>
+              <a:t>calloc</a:t>
+            </a:r>
+            <a:r>
+              <a:rPr lang="en-US" sz="2400" b="0" i="0" dirty="0">
+                <a:solidFill>
+                  <a:schemeClr val="accent6"/>
+                </a:solidFill>
+                <a:effectLst/>
+                <a:latin typeface="Söhne Mono"/>
+              </a:rPr>
+              <a:t>(</a:t>
+            </a:r>
+            <a:r>
+              <a:rPr lang="en-US" sz="2400" b="0" i="0" dirty="0" err="1">
+                <a:solidFill>
+                  <a:schemeClr val="accent6"/>
+                </a:solidFill>
+                <a:effectLst/>
+                <a:latin typeface="Söhne Mono"/>
+              </a:rPr>
+              <a:t>size_t</a:t>
+            </a:r>
+            <a:r>
+              <a:rPr lang="en-US" sz="2400" b="0" i="0" dirty="0">
+                <a:solidFill>
+                  <a:schemeClr val="accent6"/>
+                </a:solidFill>
+                <a:effectLst/>
+                <a:latin typeface="Söhne Mono"/>
+              </a:rPr>
+              <a:t> a, </a:t>
+            </a:r>
+            <a:r>
+              <a:rPr lang="en-US" sz="2400" b="0" i="0" dirty="0" err="1">
+                <a:solidFill>
+                  <a:schemeClr val="accent6"/>
+                </a:solidFill>
+                <a:effectLst/>
+                <a:latin typeface="Söhne Mono"/>
+              </a:rPr>
+              <a:t>size_t</a:t>
+            </a:r>
+            <a:r>
+              <a:rPr lang="en-US" sz="2400" b="0" i="0" dirty="0">
+                <a:solidFill>
+                  <a:schemeClr val="accent6"/>
+                </a:solidFill>
+                <a:effectLst/>
+                <a:latin typeface="Söhne Mono"/>
+              </a:rPr>
+              <a:t> b)</a:t>
+            </a:r>
+            <a:endParaRPr lang="it-IT" sz="2400" dirty="0">
+              <a:solidFill>
+                <a:schemeClr val="accent6"/>
+              </a:solidFill>
+            </a:endParaRPr>
+          </a:p>
+        </p:txBody>
+      </p:sp>
+      <p:sp>
+        <p:nvSpPr>
+          <p:cNvPr id="7" name="Segnaposto contenuto 2">
+            <a:extLst>
+              <a:ext uri="{FF2B5EF4-FFF2-40B4-BE49-F238E27FC236}">
+                <a16:creationId xmlns:a16="http://schemas.microsoft.com/office/drawing/2014/main" id="{42DDA212-1C60-EC00-41EE-DB555472B2F3}"/>
+              </a:ext>
+            </a:extLst>
+          </p:cNvPr>
+          <p:cNvSpPr txBox="1">
+            <a:spLocks/>
+          </p:cNvSpPr>
+          <p:nvPr/>
+        </p:nvSpPr>
+        <p:spPr>
+          <a:xfrm>
+            <a:off x="404025" y="2718122"/>
+            <a:ext cx="8046244" cy="1784657"/>
+          </a:xfrm>
+          <a:prstGeom prst="rect">
+            <a:avLst/>
+          </a:prstGeom>
+        </p:spPr>
+        <p:txBody>
+          <a:bodyPr vert="horz" lIns="91440" tIns="45720" rIns="91440" bIns="45720" rtlCol="0" anchor="ctr">
+            <a:normAutofit/>
+          </a:bodyPr>
+          <a:lstStyle>
+            <a:lvl1pPr marL="306000" indent="-306000" algn="l" defTabSz="457200" rtl="0" eaLnBrk="1" latinLnBrk="0" hangingPunct="1">
+              <a:spcBef>
+                <a:spcPct val="20000"/>
+              </a:spcBef>
+              <a:spcAft>
+                <a:spcPts val="600"/>
+              </a:spcAft>
+              <a:buClr>
+                <a:schemeClr val="accent2"/>
+              </a:buClr>
+              <a:buSzPct val="92000"/>
+              <a:buFont typeface="Wingdings 2" panose="05020102010507070707" pitchFamily="18" charset="2"/>
+              <a:buChar char=""/>
+              <a:defRPr sz="1800" kern="1200">
+                <a:solidFill>
+                  <a:schemeClr val="tx2"/>
+                </a:solidFill>
+                <a:latin typeface="+mn-lt"/>
+                <a:ea typeface="+mn-ea"/>
+                <a:cs typeface="+mn-cs"/>
+              </a:defRPr>
+            </a:lvl1pPr>
+            <a:lvl2pPr marL="630000" indent="-306000" algn="l" defTabSz="457200" rtl="0" eaLnBrk="1" latinLnBrk="0" hangingPunct="1">
+              <a:spcBef>
+                <a:spcPct val="20000"/>
+              </a:spcBef>
+              <a:spcAft>
+                <a:spcPts val="600"/>
+              </a:spcAft>
+              <a:buClr>
+                <a:schemeClr val="accent2"/>
+              </a:buClr>
+              <a:buSzPct val="92000"/>
+              <a:buFont typeface="Wingdings 2" panose="05020102010507070707" pitchFamily="18" charset="2"/>
+              <a:buChar char=""/>
+              <a:defRPr sz="1600" kern="1200">
+                <a:solidFill>
+                  <a:schemeClr val="tx2"/>
+                </a:solidFill>
+                <a:latin typeface="+mn-lt"/>
+                <a:ea typeface="+mn-ea"/>
+                <a:cs typeface="+mn-cs"/>
+              </a:defRPr>
+            </a:lvl2pPr>
+            <a:lvl3pPr marL="900000" indent="-270000" algn="l" defTabSz="457200" rtl="0" eaLnBrk="1" latinLnBrk="0" hangingPunct="1">
+              <a:spcBef>
+                <a:spcPct val="20000"/>
+              </a:spcBef>
+              <a:spcAft>
+                <a:spcPts val="600"/>
+              </a:spcAft>
+              <a:buClr>
+                <a:schemeClr val="accent2"/>
+              </a:buClr>
+              <a:buSzPct val="92000"/>
+              <a:buFont typeface="Wingdings 2" panose="05020102010507070707" pitchFamily="18" charset="2"/>
+              <a:buChar char=""/>
+              <a:defRPr sz="1400" kern="1200">
+                <a:solidFill>
+                  <a:schemeClr val="tx2"/>
+                </a:solidFill>
+                <a:latin typeface="+mn-lt"/>
+                <a:ea typeface="+mn-ea"/>
+                <a:cs typeface="+mn-cs"/>
+              </a:defRPr>
+            </a:lvl3pPr>
+            <a:lvl4pPr marL="1242000" indent="-234000" algn="l" defTabSz="457200" rtl="0" eaLnBrk="1" latinLnBrk="0" hangingPunct="1">
+              <a:spcBef>
+                <a:spcPct val="20000"/>
+              </a:spcBef>
+              <a:spcAft>
+                <a:spcPts val="600"/>
+              </a:spcAft>
+              <a:buClr>
+                <a:schemeClr val="accent2"/>
+              </a:buClr>
+              <a:buSzPct val="92000"/>
+              <a:buFont typeface="Wingdings 2" panose="05020102010507070707" pitchFamily="18" charset="2"/>
+              <a:buChar char=""/>
+              <a:defRPr sz="1200" kern="1200">
+                <a:solidFill>
+                  <a:schemeClr val="tx2"/>
+                </a:solidFill>
+                <a:latin typeface="+mn-lt"/>
+                <a:ea typeface="+mn-ea"/>
+                <a:cs typeface="+mn-cs"/>
+              </a:defRPr>
+            </a:lvl4pPr>
+            <a:lvl5pPr marL="1602000" indent="-234000" algn="l" defTabSz="457200" rtl="0" eaLnBrk="1" latinLnBrk="0" hangingPunct="1">
+              <a:spcBef>
+                <a:spcPct val="20000"/>
+              </a:spcBef>
+              <a:spcAft>
+                <a:spcPts val="600"/>
+              </a:spcAft>
+              <a:buClr>
+                <a:schemeClr val="accent2"/>
+              </a:buClr>
+              <a:buSzPct val="92000"/>
+              <a:buFont typeface="Wingdings 2" panose="05020102010507070707" pitchFamily="18" charset="2"/>
+              <a:buChar char=""/>
+              <a:defRPr sz="1200" kern="1200">
+                <a:solidFill>
+                  <a:schemeClr val="tx2"/>
+                </a:solidFill>
+                <a:latin typeface="+mn-lt"/>
+                <a:ea typeface="+mn-ea"/>
+                <a:cs typeface="+mn-cs"/>
+              </a:defRPr>
+            </a:lvl5pPr>
+            <a:lvl6pPr marL="1900000" indent="-228600" algn="l" defTabSz="457200" rtl="0" eaLnBrk="1" latinLnBrk="0" hangingPunct="1">
+              <a:spcBef>
+                <a:spcPct val="20000"/>
+              </a:spcBef>
+              <a:spcAft>
+                <a:spcPts val="600"/>
+              </a:spcAft>
+              <a:buClr>
+                <a:schemeClr val="accent2"/>
+              </a:buClr>
+              <a:buSzPct val="92000"/>
+              <a:buFont typeface="Wingdings 2" panose="05020102010507070707" pitchFamily="18" charset="2"/>
+              <a:buChar char=""/>
+              <a:defRPr sz="1200" kern="1200">
+                <a:solidFill>
+                  <a:schemeClr val="tx2"/>
+                </a:solidFill>
+                <a:latin typeface="+mn-lt"/>
+                <a:ea typeface="+mn-ea"/>
+                <a:cs typeface="+mn-cs"/>
+              </a:defRPr>
+            </a:lvl6pPr>
+            <a:lvl7pPr marL="2200000" indent="-228600" algn="l" defTabSz="457200" rtl="0" eaLnBrk="1" latinLnBrk="0" hangingPunct="1">
+              <a:spcBef>
+                <a:spcPct val="20000"/>
+              </a:spcBef>
+              <a:spcAft>
+                <a:spcPts val="600"/>
+              </a:spcAft>
+              <a:buClr>
+                <a:schemeClr val="accent2"/>
+              </a:buClr>
+              <a:buSzPct val="92000"/>
+              <a:buFont typeface="Wingdings 2" panose="05020102010507070707" pitchFamily="18" charset="2"/>
+              <a:buChar char=""/>
+              <a:defRPr sz="1200" kern="1200">
+                <a:solidFill>
+                  <a:schemeClr val="tx2"/>
+                </a:solidFill>
+                <a:latin typeface="+mn-lt"/>
+                <a:ea typeface="+mn-ea"/>
+                <a:cs typeface="+mn-cs"/>
+              </a:defRPr>
+            </a:lvl7pPr>
+            <a:lvl8pPr marL="2500000" indent="-228600" algn="l" defTabSz="457200" rtl="0" eaLnBrk="1" latinLnBrk="0" hangingPunct="1">
+              <a:spcBef>
+                <a:spcPct val="20000"/>
+              </a:spcBef>
+              <a:spcAft>
+                <a:spcPts val="600"/>
+              </a:spcAft>
+              <a:buClr>
+                <a:schemeClr val="accent2"/>
+              </a:buClr>
+              <a:buSzPct val="92000"/>
+              <a:buFont typeface="Wingdings 2" panose="05020102010507070707" pitchFamily="18" charset="2"/>
+              <a:buChar char=""/>
+              <a:defRPr sz="1200" kern="1200">
+                <a:solidFill>
+                  <a:schemeClr val="tx2"/>
+                </a:solidFill>
+                <a:latin typeface="+mn-lt"/>
+                <a:ea typeface="+mn-ea"/>
+                <a:cs typeface="+mn-cs"/>
+              </a:defRPr>
+            </a:lvl8pPr>
+            <a:lvl9pPr marL="2800000" indent="-228600" algn="l" defTabSz="457200" rtl="0" eaLnBrk="1" latinLnBrk="0" hangingPunct="1">
+              <a:spcBef>
+                <a:spcPct val="20000"/>
+              </a:spcBef>
+              <a:spcAft>
+                <a:spcPts val="600"/>
+              </a:spcAft>
+              <a:buClr>
+                <a:schemeClr val="accent2"/>
+              </a:buClr>
+              <a:buSzPct val="92000"/>
+              <a:buFont typeface="Wingdings 2" panose="05020102010507070707" pitchFamily="18" charset="2"/>
+              <a:buChar char=""/>
+              <a:defRPr sz="1200" kern="1200">
+                <a:solidFill>
+                  <a:schemeClr val="tx2"/>
+                </a:solidFill>
+                <a:latin typeface="+mn-lt"/>
+                <a:ea typeface="+mn-ea"/>
+                <a:cs typeface="+mn-cs"/>
+              </a:defRPr>
+            </a:lvl9pPr>
+          </a:lstStyle>
+          <a:p>
+            <a:endParaRPr lang="it-IT" sz="2400" dirty="0">
+              <a:solidFill>
+                <a:schemeClr val="accent2">
+                  <a:lumMod val="50000"/>
+                </a:schemeClr>
+              </a:solidFill>
+            </a:endParaRPr>
+          </a:p>
+        </p:txBody>
+      </p:sp>
+      <p:sp>
+        <p:nvSpPr>
+          <p:cNvPr id="4" name="Segnaposto contenuto 2">
+            <a:extLst>
+              <a:ext uri="{FF2B5EF4-FFF2-40B4-BE49-F238E27FC236}">
+                <a16:creationId xmlns:a16="http://schemas.microsoft.com/office/drawing/2014/main" id="{483397FA-B9A8-A706-C949-AD730183F1F8}"/>
+              </a:ext>
+            </a:extLst>
+          </p:cNvPr>
+          <p:cNvSpPr txBox="1">
+            <a:spLocks/>
+          </p:cNvSpPr>
+          <p:nvPr/>
+        </p:nvSpPr>
+        <p:spPr>
+          <a:xfrm>
+            <a:off x="404027" y="3563006"/>
+            <a:ext cx="11489611" cy="2494256"/>
+          </a:xfrm>
+          <a:prstGeom prst="rect">
+            <a:avLst/>
+          </a:prstGeom>
+        </p:spPr>
+        <p:txBody>
+          <a:bodyPr vert="horz" lIns="91440" tIns="45720" rIns="91440" bIns="45720" rtlCol="0" anchor="ctr">
+            <a:normAutofit fontScale="77500" lnSpcReduction="20000"/>
+          </a:bodyPr>
+          <a:lstStyle>
+            <a:lvl1pPr marL="306000" indent="-306000" algn="l" defTabSz="457200" rtl="0" eaLnBrk="1" latinLnBrk="0" hangingPunct="1">
+              <a:spcBef>
+                <a:spcPct val="20000"/>
+              </a:spcBef>
+              <a:spcAft>
+                <a:spcPts val="600"/>
+              </a:spcAft>
+              <a:buClr>
+                <a:schemeClr val="accent2"/>
+              </a:buClr>
+              <a:buSzPct val="92000"/>
+              <a:buFont typeface="Wingdings 2" panose="05020102010507070707" pitchFamily="18" charset="2"/>
+              <a:buChar char=""/>
+              <a:defRPr sz="1800" kern="1200">
+                <a:solidFill>
+                  <a:schemeClr val="tx2"/>
+                </a:solidFill>
+                <a:latin typeface="+mn-lt"/>
+                <a:ea typeface="+mn-ea"/>
+                <a:cs typeface="+mn-cs"/>
+              </a:defRPr>
+            </a:lvl1pPr>
+            <a:lvl2pPr marL="630000" indent="-306000" algn="l" defTabSz="457200" rtl="0" eaLnBrk="1" latinLnBrk="0" hangingPunct="1">
+              <a:spcBef>
+                <a:spcPct val="20000"/>
+              </a:spcBef>
+              <a:spcAft>
+                <a:spcPts val="600"/>
+              </a:spcAft>
+              <a:buClr>
+                <a:schemeClr val="accent2"/>
+              </a:buClr>
+              <a:buSzPct val="92000"/>
+              <a:buFont typeface="Wingdings 2" panose="05020102010507070707" pitchFamily="18" charset="2"/>
+              <a:buChar char=""/>
+              <a:defRPr sz="1600" kern="1200">
+                <a:solidFill>
+                  <a:schemeClr val="tx2"/>
+                </a:solidFill>
+                <a:latin typeface="+mn-lt"/>
+                <a:ea typeface="+mn-ea"/>
+                <a:cs typeface="+mn-cs"/>
+              </a:defRPr>
+            </a:lvl2pPr>
+            <a:lvl3pPr marL="900000" indent="-270000" algn="l" defTabSz="457200" rtl="0" eaLnBrk="1" latinLnBrk="0" hangingPunct="1">
+              <a:spcBef>
+                <a:spcPct val="20000"/>
+              </a:spcBef>
+              <a:spcAft>
+                <a:spcPts val="600"/>
+              </a:spcAft>
+              <a:buClr>
+                <a:schemeClr val="accent2"/>
+              </a:buClr>
+              <a:buSzPct val="92000"/>
+              <a:buFont typeface="Wingdings 2" panose="05020102010507070707" pitchFamily="18" charset="2"/>
+              <a:buChar char=""/>
+              <a:defRPr sz="1400" kern="1200">
+                <a:solidFill>
+                  <a:schemeClr val="tx2"/>
+                </a:solidFill>
+                <a:latin typeface="+mn-lt"/>
+                <a:ea typeface="+mn-ea"/>
+                <a:cs typeface="+mn-cs"/>
+              </a:defRPr>
+            </a:lvl3pPr>
+            <a:lvl4pPr marL="1242000" indent="-234000" algn="l" defTabSz="457200" rtl="0" eaLnBrk="1" latinLnBrk="0" hangingPunct="1">
+              <a:spcBef>
+                <a:spcPct val="20000"/>
+              </a:spcBef>
+              <a:spcAft>
+                <a:spcPts val="600"/>
+              </a:spcAft>
+              <a:buClr>
+                <a:schemeClr val="accent2"/>
+              </a:buClr>
+              <a:buSzPct val="92000"/>
+              <a:buFont typeface="Wingdings 2" panose="05020102010507070707" pitchFamily="18" charset="2"/>
+              <a:buChar char=""/>
+              <a:defRPr sz="1200" kern="1200">
+                <a:solidFill>
+                  <a:schemeClr val="tx2"/>
+                </a:solidFill>
+                <a:latin typeface="+mn-lt"/>
+                <a:ea typeface="+mn-ea"/>
+                <a:cs typeface="+mn-cs"/>
+              </a:defRPr>
+            </a:lvl4pPr>
+            <a:lvl5pPr marL="1602000" indent="-234000" algn="l" defTabSz="457200" rtl="0" eaLnBrk="1" latinLnBrk="0" hangingPunct="1">
+              <a:spcBef>
+                <a:spcPct val="20000"/>
+              </a:spcBef>
+              <a:spcAft>
+                <a:spcPts val="600"/>
+              </a:spcAft>
+              <a:buClr>
+                <a:schemeClr val="accent2"/>
+              </a:buClr>
+              <a:buSzPct val="92000"/>
+              <a:buFont typeface="Wingdings 2" panose="05020102010507070707" pitchFamily="18" charset="2"/>
+              <a:buChar char=""/>
+              <a:defRPr sz="1200" kern="1200">
+                <a:solidFill>
+                  <a:schemeClr val="tx2"/>
+                </a:solidFill>
+                <a:latin typeface="+mn-lt"/>
+                <a:ea typeface="+mn-ea"/>
+                <a:cs typeface="+mn-cs"/>
+              </a:defRPr>
+            </a:lvl5pPr>
+            <a:lvl6pPr marL="1900000" indent="-228600" algn="l" defTabSz="457200" rtl="0" eaLnBrk="1" latinLnBrk="0" hangingPunct="1">
+              <a:spcBef>
+                <a:spcPct val="20000"/>
+              </a:spcBef>
+              <a:spcAft>
+                <a:spcPts val="600"/>
+              </a:spcAft>
+              <a:buClr>
+                <a:schemeClr val="accent2"/>
+              </a:buClr>
+              <a:buSzPct val="92000"/>
+              <a:buFont typeface="Wingdings 2" panose="05020102010507070707" pitchFamily="18" charset="2"/>
+              <a:buChar char=""/>
+              <a:defRPr sz="1200" kern="1200">
+                <a:solidFill>
+                  <a:schemeClr val="tx2"/>
+                </a:solidFill>
+                <a:latin typeface="+mn-lt"/>
+                <a:ea typeface="+mn-ea"/>
+                <a:cs typeface="+mn-cs"/>
+              </a:defRPr>
+            </a:lvl6pPr>
+            <a:lvl7pPr marL="2200000" indent="-228600" algn="l" defTabSz="457200" rtl="0" eaLnBrk="1" latinLnBrk="0" hangingPunct="1">
+              <a:spcBef>
+                <a:spcPct val="20000"/>
+              </a:spcBef>
+              <a:spcAft>
+                <a:spcPts val="600"/>
+              </a:spcAft>
+              <a:buClr>
+                <a:schemeClr val="accent2"/>
+              </a:buClr>
+              <a:buSzPct val="92000"/>
+              <a:buFont typeface="Wingdings 2" panose="05020102010507070707" pitchFamily="18" charset="2"/>
+              <a:buChar char=""/>
+              <a:defRPr sz="1200" kern="1200">
+                <a:solidFill>
+                  <a:schemeClr val="tx2"/>
+                </a:solidFill>
+                <a:latin typeface="+mn-lt"/>
+                <a:ea typeface="+mn-ea"/>
+                <a:cs typeface="+mn-cs"/>
+              </a:defRPr>
+            </a:lvl7pPr>
+            <a:lvl8pPr marL="2500000" indent="-228600" algn="l" defTabSz="457200" rtl="0" eaLnBrk="1" latinLnBrk="0" hangingPunct="1">
+              <a:spcBef>
+                <a:spcPct val="20000"/>
+              </a:spcBef>
+              <a:spcAft>
+                <a:spcPts val="600"/>
+              </a:spcAft>
+              <a:buClr>
+                <a:schemeClr val="accent2"/>
+              </a:buClr>
+              <a:buSzPct val="92000"/>
+              <a:buFont typeface="Wingdings 2" panose="05020102010507070707" pitchFamily="18" charset="2"/>
+              <a:buChar char=""/>
+              <a:defRPr sz="1200" kern="1200">
+                <a:solidFill>
+                  <a:schemeClr val="tx2"/>
+                </a:solidFill>
+                <a:latin typeface="+mn-lt"/>
+                <a:ea typeface="+mn-ea"/>
+                <a:cs typeface="+mn-cs"/>
+              </a:defRPr>
+            </a:lvl8pPr>
+            <a:lvl9pPr marL="2800000" indent="-228600" algn="l" defTabSz="457200" rtl="0" eaLnBrk="1" latinLnBrk="0" hangingPunct="1">
+              <a:spcBef>
+                <a:spcPct val="20000"/>
+              </a:spcBef>
+              <a:spcAft>
+                <a:spcPts val="600"/>
+              </a:spcAft>
+              <a:buClr>
+                <a:schemeClr val="accent2"/>
+              </a:buClr>
+              <a:buSzPct val="92000"/>
+              <a:buFont typeface="Wingdings 2" panose="05020102010507070707" pitchFamily="18" charset="2"/>
+              <a:buChar char=""/>
+              <a:defRPr sz="1200" kern="1200">
+                <a:solidFill>
+                  <a:schemeClr val="tx2"/>
+                </a:solidFill>
+                <a:latin typeface="+mn-lt"/>
+                <a:ea typeface="+mn-ea"/>
+                <a:cs typeface="+mn-cs"/>
+              </a:defRPr>
+            </a:lvl9pPr>
+          </a:lstStyle>
+          <a:p>
+            <a:pPr marL="457200" indent="-457200">
+              <a:buFont typeface="+mj-lt"/>
+              <a:buAutoNum type="arabicPeriod"/>
+            </a:pPr>
+            <a:r>
+              <a:rPr lang="it-IT" sz="2400" dirty="0">
+                <a:solidFill>
+                  <a:schemeClr val="accent2">
+                    <a:lumMod val="50000"/>
+                  </a:schemeClr>
+                </a:solidFill>
+              </a:rPr>
+              <a:t>Trovare il descrittore più piccolo che soddisfa la richiesta di dimensione.</a:t>
+            </a:r>
+          </a:p>
+          <a:p>
+            <a:pPr marL="457200" indent="-457200">
+              <a:buFont typeface="+mj-lt"/>
+              <a:buAutoNum type="arabicPeriod"/>
+            </a:pPr>
+            <a:r>
+              <a:rPr lang="it-IT" sz="2400" dirty="0">
+                <a:solidFill>
+                  <a:schemeClr val="accent2">
+                    <a:lumMod val="50000"/>
+                  </a:schemeClr>
+                </a:solidFill>
+              </a:rPr>
+              <a:t>Acquisire il blocco associato al descrittore.</a:t>
+            </a:r>
+          </a:p>
+          <a:p>
+            <a:pPr marL="457200" indent="-457200">
+              <a:buFont typeface="+mj-lt"/>
+              <a:buAutoNum type="arabicPeriod"/>
+            </a:pPr>
+            <a:r>
+              <a:rPr lang="it-IT" sz="2400" dirty="0">
+                <a:solidFill>
+                  <a:schemeClr val="accent2">
+                    <a:lumMod val="50000"/>
+                  </a:schemeClr>
+                </a:solidFill>
+              </a:rPr>
+              <a:t>Se l'elenco libero è vuoto, creare una nuova arena, inizializzarla e aggiungere i suoi blocchi all'elenco libero.</a:t>
+            </a:r>
+          </a:p>
+          <a:p>
+            <a:pPr marL="457200" indent="-457200">
+              <a:buFont typeface="+mj-lt"/>
+              <a:buAutoNum type="arabicPeriod"/>
+            </a:pPr>
+            <a:r>
+              <a:rPr lang="it-IT" sz="2400" dirty="0">
+                <a:solidFill>
+                  <a:schemeClr val="accent2">
+                    <a:lumMod val="50000"/>
+                  </a:schemeClr>
+                </a:solidFill>
+              </a:rPr>
+              <a:t>Restituzione di un blocco dall'elenco libero.</a:t>
+            </a:r>
+          </a:p>
+          <a:p>
+            <a:pPr marL="0" indent="0">
+              <a:buNone/>
+            </a:pPr>
+            <a:endParaRPr lang="it-IT" sz="2400" dirty="0">
+              <a:solidFill>
+                <a:schemeClr val="accent2">
+                  <a:lumMod val="50000"/>
+                </a:schemeClr>
+              </a:solidFill>
+            </a:endParaRPr>
+          </a:p>
+          <a:p>
+            <a:pPr marL="0" indent="0">
+              <a:buNone/>
+            </a:pPr>
+            <a:r>
+              <a:rPr lang="it-IT" sz="2400" dirty="0">
+                <a:solidFill>
+                  <a:schemeClr val="accent2">
+                    <a:lumMod val="50000"/>
+                  </a:schemeClr>
+                </a:solidFill>
+              </a:rPr>
+              <a:t>I due metodi sono analoghi, con l’unica differenza che </a:t>
+            </a:r>
+            <a:r>
+              <a:rPr lang="it-IT" sz="2400" i="1" dirty="0" err="1">
+                <a:solidFill>
+                  <a:schemeClr val="accent2">
+                    <a:lumMod val="50000"/>
+                  </a:schemeClr>
+                </a:solidFill>
+              </a:rPr>
+              <a:t>calloc</a:t>
+            </a:r>
+            <a:r>
+              <a:rPr lang="it-IT" sz="2400" i="1" dirty="0">
+                <a:solidFill>
+                  <a:schemeClr val="accent2">
+                    <a:lumMod val="50000"/>
+                  </a:schemeClr>
+                </a:solidFill>
+              </a:rPr>
+              <a:t>() </a:t>
+            </a:r>
+            <a:r>
+              <a:rPr lang="it-IT" sz="2400" dirty="0">
+                <a:solidFill>
+                  <a:schemeClr val="accent2">
+                    <a:lumMod val="50000"/>
+                  </a:schemeClr>
+                </a:solidFill>
+              </a:rPr>
+              <a:t>ricerca la dimensione minima pari a </a:t>
+            </a:r>
+            <a:r>
+              <a:rPr lang="it-IT" sz="2400" i="1" dirty="0">
+                <a:solidFill>
+                  <a:schemeClr val="accent2">
+                    <a:lumMod val="50000"/>
+                  </a:schemeClr>
+                </a:solidFill>
+              </a:rPr>
+              <a:t>a*b </a:t>
+            </a:r>
+            <a:r>
+              <a:rPr lang="it-IT" sz="2400" dirty="0">
+                <a:solidFill>
+                  <a:schemeClr val="accent2">
+                    <a:lumMod val="50000"/>
+                  </a:schemeClr>
+                </a:solidFill>
+              </a:rPr>
+              <a:t>e utilizza </a:t>
+            </a:r>
+            <a:r>
+              <a:rPr lang="it-IT" sz="2400" dirty="0" err="1">
+                <a:solidFill>
+                  <a:schemeClr val="accent2">
+                    <a:lumMod val="50000"/>
+                  </a:schemeClr>
+                </a:solidFill>
+              </a:rPr>
+              <a:t>memset</a:t>
+            </a:r>
+            <a:r>
+              <a:rPr lang="it-IT" sz="2400" dirty="0">
+                <a:solidFill>
+                  <a:schemeClr val="accent2">
+                    <a:lumMod val="50000"/>
+                  </a:schemeClr>
+                </a:solidFill>
+              </a:rPr>
+              <a:t>() per inizializzare il contenuto del blocco a zero prima di restituirlo.</a:t>
+            </a:r>
+            <a:endParaRPr lang="it-IT" sz="2400" i="1" dirty="0">
+              <a:solidFill>
+                <a:schemeClr val="accent2">
+                  <a:lumMod val="50000"/>
+                </a:schemeClr>
+              </a:solidFill>
+            </a:endParaRPr>
+          </a:p>
+        </p:txBody>
+      </p:sp>
+      <p:sp>
+        <p:nvSpPr>
+          <p:cNvPr id="5" name="Segnaposto contenuto 2">
+            <a:extLst>
+              <a:ext uri="{FF2B5EF4-FFF2-40B4-BE49-F238E27FC236}">
+                <a16:creationId xmlns:a16="http://schemas.microsoft.com/office/drawing/2014/main" id="{6C18DDF8-D23C-B03C-1187-2167892791D1}"/>
+              </a:ext>
+            </a:extLst>
+          </p:cNvPr>
+          <p:cNvSpPr txBox="1">
+            <a:spLocks/>
+          </p:cNvSpPr>
+          <p:nvPr/>
+        </p:nvSpPr>
+        <p:spPr>
+          <a:xfrm>
+            <a:off x="404028" y="3004909"/>
+            <a:ext cx="11029615" cy="1784657"/>
+          </a:xfrm>
+          <a:prstGeom prst="rect">
+            <a:avLst/>
+          </a:prstGeom>
+        </p:spPr>
+        <p:txBody>
+          <a:bodyPr vert="horz" lIns="91440" tIns="45720" rIns="91440" bIns="45720" rtlCol="0" anchor="ctr">
+            <a:normAutofit/>
+          </a:bodyPr>
+          <a:lstStyle>
+            <a:lvl1pPr marL="306000" indent="-306000" algn="l" defTabSz="457200" rtl="0" eaLnBrk="1" latinLnBrk="0" hangingPunct="1">
+              <a:spcBef>
+                <a:spcPct val="20000"/>
+              </a:spcBef>
+              <a:spcAft>
+                <a:spcPts val="600"/>
+              </a:spcAft>
+              <a:buClr>
+                <a:schemeClr val="accent2"/>
+              </a:buClr>
+              <a:buSzPct val="92000"/>
+              <a:buFont typeface="Wingdings 2" panose="05020102010507070707" pitchFamily="18" charset="2"/>
+              <a:buChar char=""/>
+              <a:defRPr sz="1800" kern="1200">
+                <a:solidFill>
+                  <a:schemeClr val="tx2"/>
+                </a:solidFill>
+                <a:latin typeface="+mn-lt"/>
+                <a:ea typeface="+mn-ea"/>
+                <a:cs typeface="+mn-cs"/>
+              </a:defRPr>
+            </a:lvl1pPr>
+            <a:lvl2pPr marL="630000" indent="-306000" algn="l" defTabSz="457200" rtl="0" eaLnBrk="1" latinLnBrk="0" hangingPunct="1">
+              <a:spcBef>
+                <a:spcPct val="20000"/>
+              </a:spcBef>
+              <a:spcAft>
+                <a:spcPts val="600"/>
+              </a:spcAft>
+              <a:buClr>
+                <a:schemeClr val="accent2"/>
+              </a:buClr>
+              <a:buSzPct val="92000"/>
+              <a:buFont typeface="Wingdings 2" panose="05020102010507070707" pitchFamily="18" charset="2"/>
+              <a:buChar char=""/>
+              <a:defRPr sz="1600" kern="1200">
+                <a:solidFill>
+                  <a:schemeClr val="tx2"/>
+                </a:solidFill>
+                <a:latin typeface="+mn-lt"/>
+                <a:ea typeface="+mn-ea"/>
+                <a:cs typeface="+mn-cs"/>
+              </a:defRPr>
+            </a:lvl2pPr>
+            <a:lvl3pPr marL="900000" indent="-270000" algn="l" defTabSz="457200" rtl="0" eaLnBrk="1" latinLnBrk="0" hangingPunct="1">
+              <a:spcBef>
+                <a:spcPct val="20000"/>
+              </a:spcBef>
+              <a:spcAft>
+                <a:spcPts val="600"/>
+              </a:spcAft>
+              <a:buClr>
+                <a:schemeClr val="accent2"/>
+              </a:buClr>
+              <a:buSzPct val="92000"/>
+              <a:buFont typeface="Wingdings 2" panose="05020102010507070707" pitchFamily="18" charset="2"/>
+              <a:buChar char=""/>
+              <a:defRPr sz="1400" kern="1200">
+                <a:solidFill>
+                  <a:schemeClr val="tx2"/>
+                </a:solidFill>
+                <a:latin typeface="+mn-lt"/>
+                <a:ea typeface="+mn-ea"/>
+                <a:cs typeface="+mn-cs"/>
+              </a:defRPr>
+            </a:lvl3pPr>
+            <a:lvl4pPr marL="1242000" indent="-234000" algn="l" defTabSz="457200" rtl="0" eaLnBrk="1" latinLnBrk="0" hangingPunct="1">
+              <a:spcBef>
+                <a:spcPct val="20000"/>
+              </a:spcBef>
+              <a:spcAft>
+                <a:spcPts val="600"/>
+              </a:spcAft>
+              <a:buClr>
+                <a:schemeClr val="accent2"/>
+              </a:buClr>
+              <a:buSzPct val="92000"/>
+              <a:buFont typeface="Wingdings 2" panose="05020102010507070707" pitchFamily="18" charset="2"/>
+              <a:buChar char=""/>
+              <a:defRPr sz="1200" kern="1200">
+                <a:solidFill>
+                  <a:schemeClr val="tx2"/>
+                </a:solidFill>
+                <a:latin typeface="+mn-lt"/>
+                <a:ea typeface="+mn-ea"/>
+                <a:cs typeface="+mn-cs"/>
+              </a:defRPr>
+            </a:lvl4pPr>
+            <a:lvl5pPr marL="1602000" indent="-234000" algn="l" defTabSz="457200" rtl="0" eaLnBrk="1" latinLnBrk="0" hangingPunct="1">
+              <a:spcBef>
+                <a:spcPct val="20000"/>
+              </a:spcBef>
+              <a:spcAft>
+                <a:spcPts val="600"/>
+              </a:spcAft>
+              <a:buClr>
+                <a:schemeClr val="accent2"/>
+              </a:buClr>
+              <a:buSzPct val="92000"/>
+              <a:buFont typeface="Wingdings 2" panose="05020102010507070707" pitchFamily="18" charset="2"/>
+              <a:buChar char=""/>
+              <a:defRPr sz="1200" kern="1200">
+                <a:solidFill>
+                  <a:schemeClr val="tx2"/>
+                </a:solidFill>
+                <a:latin typeface="+mn-lt"/>
+                <a:ea typeface="+mn-ea"/>
+                <a:cs typeface="+mn-cs"/>
+              </a:defRPr>
+            </a:lvl5pPr>
+            <a:lvl6pPr marL="1900000" indent="-228600" algn="l" defTabSz="457200" rtl="0" eaLnBrk="1" latinLnBrk="0" hangingPunct="1">
+              <a:spcBef>
+                <a:spcPct val="20000"/>
+              </a:spcBef>
+              <a:spcAft>
+                <a:spcPts val="600"/>
+              </a:spcAft>
+              <a:buClr>
+                <a:schemeClr val="accent2"/>
+              </a:buClr>
+              <a:buSzPct val="92000"/>
+              <a:buFont typeface="Wingdings 2" panose="05020102010507070707" pitchFamily="18" charset="2"/>
+              <a:buChar char=""/>
+              <a:defRPr sz="1200" kern="1200">
+                <a:solidFill>
+                  <a:schemeClr val="tx2"/>
+                </a:solidFill>
+                <a:latin typeface="+mn-lt"/>
+                <a:ea typeface="+mn-ea"/>
+                <a:cs typeface="+mn-cs"/>
+              </a:defRPr>
+            </a:lvl6pPr>
+            <a:lvl7pPr marL="2200000" indent="-228600" algn="l" defTabSz="457200" rtl="0" eaLnBrk="1" latinLnBrk="0" hangingPunct="1">
+              <a:spcBef>
+                <a:spcPct val="20000"/>
+              </a:spcBef>
+              <a:spcAft>
+                <a:spcPts val="600"/>
+              </a:spcAft>
+              <a:buClr>
+                <a:schemeClr val="accent2"/>
+              </a:buClr>
+              <a:buSzPct val="92000"/>
+              <a:buFont typeface="Wingdings 2" panose="05020102010507070707" pitchFamily="18" charset="2"/>
+              <a:buChar char=""/>
+              <a:defRPr sz="1200" kern="1200">
+                <a:solidFill>
+                  <a:schemeClr val="tx2"/>
+                </a:solidFill>
+                <a:latin typeface="+mn-lt"/>
+                <a:ea typeface="+mn-ea"/>
+                <a:cs typeface="+mn-cs"/>
+              </a:defRPr>
+            </a:lvl7pPr>
+            <a:lvl8pPr marL="2500000" indent="-228600" algn="l" defTabSz="457200" rtl="0" eaLnBrk="1" latinLnBrk="0" hangingPunct="1">
+              <a:spcBef>
+                <a:spcPct val="20000"/>
+              </a:spcBef>
+              <a:spcAft>
+                <a:spcPts val="600"/>
+              </a:spcAft>
+              <a:buClr>
+                <a:schemeClr val="accent2"/>
+              </a:buClr>
+              <a:buSzPct val="92000"/>
+              <a:buFont typeface="Wingdings 2" panose="05020102010507070707" pitchFamily="18" charset="2"/>
+              <a:buChar char=""/>
+              <a:defRPr sz="1200" kern="1200">
+                <a:solidFill>
+                  <a:schemeClr val="tx2"/>
+                </a:solidFill>
+                <a:latin typeface="+mn-lt"/>
+                <a:ea typeface="+mn-ea"/>
+                <a:cs typeface="+mn-cs"/>
+              </a:defRPr>
+            </a:lvl8pPr>
+            <a:lvl9pPr marL="2800000" indent="-228600" algn="l" defTabSz="457200" rtl="0" eaLnBrk="1" latinLnBrk="0" hangingPunct="1">
+              <a:spcBef>
+                <a:spcPct val="20000"/>
+              </a:spcBef>
+              <a:spcAft>
+                <a:spcPts val="600"/>
+              </a:spcAft>
+              <a:buClr>
+                <a:schemeClr val="accent2"/>
+              </a:buClr>
+              <a:buSzPct val="92000"/>
+              <a:buFont typeface="Wingdings 2" panose="05020102010507070707" pitchFamily="18" charset="2"/>
+              <a:buChar char=""/>
+              <a:defRPr sz="1200" kern="1200">
+                <a:solidFill>
+                  <a:schemeClr val="tx2"/>
+                </a:solidFill>
+                <a:latin typeface="+mn-lt"/>
+                <a:ea typeface="+mn-ea"/>
+                <a:cs typeface="+mn-cs"/>
+              </a:defRPr>
+            </a:lvl9pPr>
+          </a:lstStyle>
+          <a:p>
+            <a:endParaRPr lang="it-IT" sz="2400" dirty="0">
+              <a:solidFill>
+                <a:schemeClr val="accent6"/>
+              </a:solidFill>
+            </a:endParaRPr>
+          </a:p>
+        </p:txBody>
+      </p:sp>
+    </p:spTree>
+    <p:extLst>
+      <p:ext uri="{BB962C8B-B14F-4D97-AF65-F5344CB8AC3E}">
+        <p14:creationId xmlns:p14="http://schemas.microsoft.com/office/powerpoint/2010/main" val="1435601152"/>
+      </p:ext>
+    </p:extLst>
+  </p:cSld>
+  <p:clrMapOvr>
+    <a:masterClrMapping/>
+  </p:clrMapOvr>
+</p:sld>
+</file>
+
+<file path=ppt/slides/slide11.xml><?xml version="1.0" encoding="utf-8"?>
+<p:sld xmlns:a="http://schemas.openxmlformats.org/drawingml/2006/main" xmlns:r="http://schemas.openxmlformats.org/officeDocument/2006/relationships" xmlns:p="http://schemas.openxmlformats.org/presentationml/2006/main">
+  <p:cSld>
+    <p:bg>
+      <p:bgPr>
+        <a:solidFill>
+          <a:schemeClr val="bg2"/>
+        </a:solidFill>
+        <a:effectLst/>
+      </p:bgPr>
+    </p:bg>
+    <p:spTree>
+      <p:nvGrpSpPr>
+        <p:cNvPr id="1" name=""/>
+        <p:cNvGrpSpPr/>
+        <p:nvPr/>
+      </p:nvGrpSpPr>
+      <p:grpSpPr>
+        <a:xfrm>
+          <a:off x="0" y="0"/>
+          <a:ext cx="0" cy="0"/>
+          <a:chOff x="0" y="0"/>
+          <a:chExt cx="0" cy="0"/>
+        </a:xfrm>
+      </p:grpSpPr>
+      <p:sp>
+        <p:nvSpPr>
+          <p:cNvPr id="8" name="Rectangle 7">
+            <a:extLst>
+              <a:ext uri="{FF2B5EF4-FFF2-40B4-BE49-F238E27FC236}">
+                <a16:creationId xmlns:a16="http://schemas.microsoft.com/office/drawing/2014/main" id="{D70130DC-F780-43D2-B26A-92EACD78951B}"/>
+              </a:ext>
+              <a:ext uri="{C183D7F6-B498-43B3-948B-1728B52AA6E4}">
+                <adec:decorative xmlns:adec="http://schemas.microsoft.com/office/drawing/2017/decorative" val="1"/>
+              </a:ext>
+            </a:extLst>
+          </p:cNvPr>
+          <p:cNvSpPr>
+            <a:spLocks noGrp="1" noRot="1" noChangeAspect="1" noMove="1" noResize="1" noEditPoints="1" noAdjustHandles="1" noChangeArrowheads="1" noChangeShapeType="1" noTextEdit="1"/>
+          </p:cNvSpPr>
+          <p:nvPr>
+            <p:extLst>
+              <p:ext uri="{386F3935-93C4-4BCD-93E2-E3B085C9AB24}">
+                <p16:designElem xmlns:p16="http://schemas.microsoft.com/office/powerpoint/2015/main" val="1"/>
+              </p:ext>
+            </p:extLst>
+          </p:nvPr>
+        </p:nvSpPr>
+        <p:spPr>
+          <a:xfrm>
+            <a:off x="0" y="0"/>
+            <a:ext cx="12192000" cy="6858000"/>
+          </a:xfrm>
+          <a:prstGeom prst="rect">
+            <a:avLst/>
+          </a:prstGeom>
+          <a:solidFill>
+            <a:srgbClr val="E4E4E4"/>
+          </a:solidFill>
+          <a:ln>
+            <a:noFill/>
+          </a:ln>
+        </p:spPr>
+        <p:style>
+          <a:lnRef idx="2">
+            <a:schemeClr val="accent1">
+              <a:shade val="50000"/>
+            </a:schemeClr>
+          </a:lnRef>
+          <a:fillRef idx="1">
+            <a:schemeClr val="accent1"/>
+          </a:fillRef>
+          <a:effectRef idx="0">
+            <a:schemeClr val="accent1"/>
+          </a:effectRef>
+          <a:fontRef idx="minor">
+            <a:schemeClr val="lt1"/>
+          </a:fontRef>
+        </p:style>
+        <p:txBody>
+          <a:bodyPr rtlCol="0" anchor="ctr"/>
+          <a:lstStyle/>
+          <a:p>
+            <a:pPr algn="ctr"/>
+            <a:endParaRPr lang="en-US"/>
+          </a:p>
+        </p:txBody>
+      </p:sp>
+      <p:sp>
+        <p:nvSpPr>
+          <p:cNvPr id="2" name="Titolo 1">
+            <a:extLst>
+              <a:ext uri="{FF2B5EF4-FFF2-40B4-BE49-F238E27FC236}">
+                <a16:creationId xmlns:a16="http://schemas.microsoft.com/office/drawing/2014/main" id="{D2D684BA-49BE-8A04-1C57-EDA155EDC4D0}"/>
+              </a:ext>
+            </a:extLst>
+          </p:cNvPr>
+          <p:cNvSpPr>
+            <a:spLocks noGrp="1"/>
+          </p:cNvSpPr>
+          <p:nvPr>
+            <p:ph type="title"/>
+          </p:nvPr>
+        </p:nvSpPr>
+        <p:spPr>
+          <a:xfrm>
+            <a:off x="581192" y="641653"/>
+            <a:ext cx="11029616" cy="1095560"/>
+          </a:xfrm>
+        </p:spPr>
+        <p:txBody>
+          <a:bodyPr anchor="t">
+            <a:normAutofit/>
+          </a:bodyPr>
+          <a:lstStyle/>
+          <a:p>
+            <a:r>
+              <a:rPr lang="it-IT" dirty="0" err="1">
+                <a:solidFill>
+                  <a:schemeClr val="accent2"/>
+                </a:solidFill>
+              </a:rPr>
+              <a:t>Pintos</a:t>
+            </a:r>
+            <a:r>
+              <a:rPr lang="it-IT" dirty="0">
+                <a:solidFill>
+                  <a:schemeClr val="accent2"/>
+                </a:solidFill>
+              </a:rPr>
+              <a:t> - BLOCK </a:t>
+            </a:r>
+            <a:r>
+              <a:rPr lang="it-IT" dirty="0" err="1">
+                <a:solidFill>
+                  <a:schemeClr val="accent2"/>
+                </a:solidFill>
+              </a:rPr>
+              <a:t>Allocator</a:t>
+            </a:r>
+            <a:r>
+              <a:rPr lang="it-IT" dirty="0">
+                <a:solidFill>
+                  <a:schemeClr val="accent2"/>
+                </a:solidFill>
+              </a:rPr>
+              <a:t> – METODI COINVOLTI</a:t>
+            </a:r>
+          </a:p>
+        </p:txBody>
+      </p:sp>
+      <p:sp>
+        <p:nvSpPr>
+          <p:cNvPr id="10" name="Rectangle 9">
+            <a:extLst>
+              <a:ext uri="{FF2B5EF4-FFF2-40B4-BE49-F238E27FC236}">
+                <a16:creationId xmlns:a16="http://schemas.microsoft.com/office/drawing/2014/main" id="{17676E0E-5B44-4166-8EDD-CFDBAC622C26}"/>
+              </a:ext>
+              <a:ext uri="{C183D7F6-B498-43B3-948B-1728B52AA6E4}">
+                <adec:decorative xmlns:adec="http://schemas.microsoft.com/office/drawing/2017/decorative" val="1"/>
+              </a:ext>
+            </a:extLst>
+          </p:cNvPr>
+          <p:cNvSpPr>
+            <a:spLocks noGrp="1" noRot="1" noChangeAspect="1" noMove="1" noResize="1" noEditPoints="1" noAdjustHandles="1" noChangeArrowheads="1" noChangeShapeType="1" noTextEdit="1"/>
+          </p:cNvSpPr>
+          <p:nvPr>
+            <p:extLst>
+              <p:ext uri="{386F3935-93C4-4BCD-93E2-E3B085C9AB24}">
+                <p16:designElem xmlns:p16="http://schemas.microsoft.com/office/powerpoint/2015/main" val="1"/>
+              </p:ext>
+            </p:extLst>
+          </p:nvPr>
+        </p:nvSpPr>
+        <p:spPr>
+          <a:xfrm>
+            <a:off x="446533" y="457201"/>
+            <a:ext cx="11298933" cy="91440"/>
+          </a:xfrm>
+          <a:prstGeom prst="rect">
+            <a:avLst/>
+          </a:prstGeom>
+          <a:solidFill>
+            <a:schemeClr val="accent1"/>
+          </a:solidFill>
+          <a:ln>
+            <a:noFill/>
+          </a:ln>
+          <a:effectLst/>
+        </p:spPr>
+        <p:style>
+          <a:lnRef idx="1">
+            <a:schemeClr val="accent1"/>
+          </a:lnRef>
+          <a:fillRef idx="3">
+            <a:schemeClr val="accent1"/>
+          </a:fillRef>
+          <a:effectRef idx="2">
+            <a:schemeClr val="accent1"/>
+          </a:effectRef>
+          <a:fontRef idx="minor">
+            <a:schemeClr val="lt1"/>
+          </a:fontRef>
+        </p:style>
+        <p:txBody>
+          <a:bodyPr/>
+          <a:lstStyle/>
+          <a:p>
+            <a:endParaRPr lang="it-IT"/>
+          </a:p>
+        </p:txBody>
+      </p:sp>
+      <p:sp>
+        <p:nvSpPr>
+          <p:cNvPr id="3" name="Segnaposto contenuto 2">
+            <a:extLst>
+              <a:ext uri="{FF2B5EF4-FFF2-40B4-BE49-F238E27FC236}">
+                <a16:creationId xmlns:a16="http://schemas.microsoft.com/office/drawing/2014/main" id="{ADB966D1-6934-2445-AEE9-C05CFEB1C416}"/>
+              </a:ext>
+            </a:extLst>
+          </p:cNvPr>
+          <p:cNvSpPr>
+            <a:spLocks noGrp="1"/>
+          </p:cNvSpPr>
+          <p:nvPr>
+            <p:ph idx="1"/>
+          </p:nvPr>
+        </p:nvSpPr>
+        <p:spPr>
+          <a:xfrm>
+            <a:off x="404031" y="1450426"/>
+            <a:ext cx="11029615" cy="1784657"/>
+          </a:xfrm>
+        </p:spPr>
+        <p:txBody>
+          <a:bodyPr>
+            <a:normAutofit/>
+          </a:bodyPr>
+          <a:lstStyle/>
+          <a:p>
+            <a:r>
+              <a:rPr lang="en-US" sz="2400" b="0" i="0" dirty="0">
+                <a:solidFill>
+                  <a:schemeClr val="accent6"/>
+                </a:solidFill>
+                <a:effectLst/>
+                <a:latin typeface="Söhne Mono"/>
+              </a:rPr>
+              <a:t>void *</a:t>
+            </a:r>
+            <a:r>
+              <a:rPr lang="en-US" sz="2400" b="0" i="0" dirty="0" err="1">
+                <a:solidFill>
+                  <a:schemeClr val="accent6"/>
+                </a:solidFill>
+                <a:effectLst/>
+                <a:latin typeface="Söhne Mono"/>
+              </a:rPr>
+              <a:t>realloc</a:t>
+            </a:r>
+            <a:r>
+              <a:rPr lang="en-US" sz="2400" b="0" i="0" dirty="0">
+                <a:solidFill>
+                  <a:schemeClr val="accent6"/>
+                </a:solidFill>
+                <a:effectLst/>
+                <a:latin typeface="Söhne Mono"/>
+              </a:rPr>
+              <a:t>(void *</a:t>
+            </a:r>
+            <a:r>
+              <a:rPr lang="en-US" sz="2400" b="0" i="0" dirty="0" err="1">
+                <a:solidFill>
+                  <a:schemeClr val="accent6"/>
+                </a:solidFill>
+                <a:effectLst/>
+                <a:latin typeface="Söhne Mono"/>
+              </a:rPr>
+              <a:t>old_block</a:t>
+            </a:r>
+            <a:r>
+              <a:rPr lang="en-US" sz="2400" b="0" i="0" dirty="0">
+                <a:solidFill>
+                  <a:schemeClr val="accent6"/>
+                </a:solidFill>
+                <a:effectLst/>
+                <a:latin typeface="Söhne Mono"/>
+              </a:rPr>
+              <a:t>, </a:t>
+            </a:r>
+            <a:r>
+              <a:rPr lang="en-US" sz="2400" b="0" i="0" dirty="0" err="1">
+                <a:solidFill>
+                  <a:schemeClr val="accent6"/>
+                </a:solidFill>
+                <a:effectLst/>
+                <a:latin typeface="Söhne Mono"/>
+              </a:rPr>
+              <a:t>size_t</a:t>
+            </a:r>
+            <a:r>
+              <a:rPr lang="en-US" sz="2400" b="0" i="0" dirty="0">
+                <a:solidFill>
+                  <a:schemeClr val="accent6"/>
+                </a:solidFill>
+                <a:effectLst/>
+                <a:latin typeface="Söhne Mono"/>
+              </a:rPr>
+              <a:t> </a:t>
+            </a:r>
+            <a:r>
+              <a:rPr lang="en-US" sz="2400" b="0" i="0" dirty="0" err="1">
+                <a:solidFill>
+                  <a:schemeClr val="accent6"/>
+                </a:solidFill>
+                <a:effectLst/>
+                <a:latin typeface="Söhne Mono"/>
+              </a:rPr>
+              <a:t>new_size</a:t>
+            </a:r>
+            <a:r>
+              <a:rPr lang="en-US" sz="2400" b="0" i="0" dirty="0">
+                <a:solidFill>
+                  <a:schemeClr val="accent6"/>
+                </a:solidFill>
+                <a:effectLst/>
+                <a:latin typeface="Söhne Mono"/>
+              </a:rPr>
+              <a:t>)</a:t>
+            </a:r>
+          </a:p>
+        </p:txBody>
+      </p:sp>
+      <p:sp>
+        <p:nvSpPr>
+          <p:cNvPr id="7" name="Segnaposto contenuto 2">
+            <a:extLst>
+              <a:ext uri="{FF2B5EF4-FFF2-40B4-BE49-F238E27FC236}">
+                <a16:creationId xmlns:a16="http://schemas.microsoft.com/office/drawing/2014/main" id="{42DDA212-1C60-EC00-41EE-DB555472B2F3}"/>
+              </a:ext>
+            </a:extLst>
+          </p:cNvPr>
+          <p:cNvSpPr txBox="1">
+            <a:spLocks/>
+          </p:cNvSpPr>
+          <p:nvPr/>
+        </p:nvSpPr>
+        <p:spPr>
+          <a:xfrm>
+            <a:off x="404025" y="2718122"/>
+            <a:ext cx="8046244" cy="1784657"/>
+          </a:xfrm>
+          <a:prstGeom prst="rect">
+            <a:avLst/>
+          </a:prstGeom>
+        </p:spPr>
+        <p:txBody>
+          <a:bodyPr vert="horz" lIns="91440" tIns="45720" rIns="91440" bIns="45720" rtlCol="0" anchor="ctr">
+            <a:normAutofit/>
+          </a:bodyPr>
+          <a:lstStyle>
+            <a:lvl1pPr marL="306000" indent="-306000" algn="l" defTabSz="457200" rtl="0" eaLnBrk="1" latinLnBrk="0" hangingPunct="1">
+              <a:spcBef>
+                <a:spcPct val="20000"/>
+              </a:spcBef>
+              <a:spcAft>
+                <a:spcPts val="600"/>
+              </a:spcAft>
+              <a:buClr>
+                <a:schemeClr val="accent2"/>
+              </a:buClr>
+              <a:buSzPct val="92000"/>
+              <a:buFont typeface="Wingdings 2" panose="05020102010507070707" pitchFamily="18" charset="2"/>
+              <a:buChar char=""/>
+              <a:defRPr sz="1800" kern="1200">
+                <a:solidFill>
+                  <a:schemeClr val="tx2"/>
+                </a:solidFill>
+                <a:latin typeface="+mn-lt"/>
+                <a:ea typeface="+mn-ea"/>
+                <a:cs typeface="+mn-cs"/>
+              </a:defRPr>
+            </a:lvl1pPr>
+            <a:lvl2pPr marL="630000" indent="-306000" algn="l" defTabSz="457200" rtl="0" eaLnBrk="1" latinLnBrk="0" hangingPunct="1">
+              <a:spcBef>
+                <a:spcPct val="20000"/>
+              </a:spcBef>
+              <a:spcAft>
+                <a:spcPts val="600"/>
+              </a:spcAft>
+              <a:buClr>
+                <a:schemeClr val="accent2"/>
+              </a:buClr>
+              <a:buSzPct val="92000"/>
+              <a:buFont typeface="Wingdings 2" panose="05020102010507070707" pitchFamily="18" charset="2"/>
+              <a:buChar char=""/>
+              <a:defRPr sz="1600" kern="1200">
+                <a:solidFill>
+                  <a:schemeClr val="tx2"/>
+                </a:solidFill>
+                <a:latin typeface="+mn-lt"/>
+                <a:ea typeface="+mn-ea"/>
+                <a:cs typeface="+mn-cs"/>
+              </a:defRPr>
+            </a:lvl2pPr>
+            <a:lvl3pPr marL="900000" indent="-270000" algn="l" defTabSz="457200" rtl="0" eaLnBrk="1" latinLnBrk="0" hangingPunct="1">
+              <a:spcBef>
+                <a:spcPct val="20000"/>
+              </a:spcBef>
+              <a:spcAft>
+                <a:spcPts val="600"/>
+              </a:spcAft>
+              <a:buClr>
+                <a:schemeClr val="accent2"/>
+              </a:buClr>
+              <a:buSzPct val="92000"/>
+              <a:buFont typeface="Wingdings 2" panose="05020102010507070707" pitchFamily="18" charset="2"/>
+              <a:buChar char=""/>
+              <a:defRPr sz="1400" kern="1200">
+                <a:solidFill>
+                  <a:schemeClr val="tx2"/>
+                </a:solidFill>
+                <a:latin typeface="+mn-lt"/>
+                <a:ea typeface="+mn-ea"/>
+                <a:cs typeface="+mn-cs"/>
+              </a:defRPr>
+            </a:lvl3pPr>
+            <a:lvl4pPr marL="1242000" indent="-234000" algn="l" defTabSz="457200" rtl="0" eaLnBrk="1" latinLnBrk="0" hangingPunct="1">
+              <a:spcBef>
+                <a:spcPct val="20000"/>
+              </a:spcBef>
+              <a:spcAft>
+                <a:spcPts val="600"/>
+              </a:spcAft>
+              <a:buClr>
+                <a:schemeClr val="accent2"/>
+              </a:buClr>
+              <a:buSzPct val="92000"/>
+              <a:buFont typeface="Wingdings 2" panose="05020102010507070707" pitchFamily="18" charset="2"/>
+              <a:buChar char=""/>
+              <a:defRPr sz="1200" kern="1200">
+                <a:solidFill>
+                  <a:schemeClr val="tx2"/>
+                </a:solidFill>
+                <a:latin typeface="+mn-lt"/>
+                <a:ea typeface="+mn-ea"/>
+                <a:cs typeface="+mn-cs"/>
+              </a:defRPr>
+            </a:lvl4pPr>
+            <a:lvl5pPr marL="1602000" indent="-234000" algn="l" defTabSz="457200" rtl="0" eaLnBrk="1" latinLnBrk="0" hangingPunct="1">
+              <a:spcBef>
+                <a:spcPct val="20000"/>
+              </a:spcBef>
+              <a:spcAft>
+                <a:spcPts val="600"/>
+              </a:spcAft>
+              <a:buClr>
+                <a:schemeClr val="accent2"/>
+              </a:buClr>
+              <a:buSzPct val="92000"/>
+              <a:buFont typeface="Wingdings 2" panose="05020102010507070707" pitchFamily="18" charset="2"/>
+              <a:buChar char=""/>
+              <a:defRPr sz="1200" kern="1200">
+                <a:solidFill>
+                  <a:schemeClr val="tx2"/>
+                </a:solidFill>
+                <a:latin typeface="+mn-lt"/>
+                <a:ea typeface="+mn-ea"/>
+                <a:cs typeface="+mn-cs"/>
+              </a:defRPr>
+            </a:lvl5pPr>
+            <a:lvl6pPr marL="1900000" indent="-228600" algn="l" defTabSz="457200" rtl="0" eaLnBrk="1" latinLnBrk="0" hangingPunct="1">
+              <a:spcBef>
+                <a:spcPct val="20000"/>
+              </a:spcBef>
+              <a:spcAft>
+                <a:spcPts val="600"/>
+              </a:spcAft>
+              <a:buClr>
+                <a:schemeClr val="accent2"/>
+              </a:buClr>
+              <a:buSzPct val="92000"/>
+              <a:buFont typeface="Wingdings 2" panose="05020102010507070707" pitchFamily="18" charset="2"/>
+              <a:buChar char=""/>
+              <a:defRPr sz="1200" kern="1200">
+                <a:solidFill>
+                  <a:schemeClr val="tx2"/>
+                </a:solidFill>
+                <a:latin typeface="+mn-lt"/>
+                <a:ea typeface="+mn-ea"/>
+                <a:cs typeface="+mn-cs"/>
+              </a:defRPr>
+            </a:lvl6pPr>
+            <a:lvl7pPr marL="2200000" indent="-228600" algn="l" defTabSz="457200" rtl="0" eaLnBrk="1" latinLnBrk="0" hangingPunct="1">
+              <a:spcBef>
+                <a:spcPct val="20000"/>
+              </a:spcBef>
+              <a:spcAft>
+                <a:spcPts val="600"/>
+              </a:spcAft>
+              <a:buClr>
+                <a:schemeClr val="accent2"/>
+              </a:buClr>
+              <a:buSzPct val="92000"/>
+              <a:buFont typeface="Wingdings 2" panose="05020102010507070707" pitchFamily="18" charset="2"/>
+              <a:buChar char=""/>
+              <a:defRPr sz="1200" kern="1200">
+                <a:solidFill>
+                  <a:schemeClr val="tx2"/>
+                </a:solidFill>
+                <a:latin typeface="+mn-lt"/>
+                <a:ea typeface="+mn-ea"/>
+                <a:cs typeface="+mn-cs"/>
+              </a:defRPr>
+            </a:lvl7pPr>
+            <a:lvl8pPr marL="2500000" indent="-228600" algn="l" defTabSz="457200" rtl="0" eaLnBrk="1" latinLnBrk="0" hangingPunct="1">
+              <a:spcBef>
+                <a:spcPct val="20000"/>
+              </a:spcBef>
+              <a:spcAft>
+                <a:spcPts val="600"/>
+              </a:spcAft>
+              <a:buClr>
+                <a:schemeClr val="accent2"/>
+              </a:buClr>
+              <a:buSzPct val="92000"/>
+              <a:buFont typeface="Wingdings 2" panose="05020102010507070707" pitchFamily="18" charset="2"/>
+              <a:buChar char=""/>
+              <a:defRPr sz="1200" kern="1200">
+                <a:solidFill>
+                  <a:schemeClr val="tx2"/>
+                </a:solidFill>
+                <a:latin typeface="+mn-lt"/>
+                <a:ea typeface="+mn-ea"/>
+                <a:cs typeface="+mn-cs"/>
+              </a:defRPr>
+            </a:lvl8pPr>
+            <a:lvl9pPr marL="2800000" indent="-228600" algn="l" defTabSz="457200" rtl="0" eaLnBrk="1" latinLnBrk="0" hangingPunct="1">
+              <a:spcBef>
+                <a:spcPct val="20000"/>
+              </a:spcBef>
+              <a:spcAft>
+                <a:spcPts val="600"/>
+              </a:spcAft>
+              <a:buClr>
+                <a:schemeClr val="accent2"/>
+              </a:buClr>
+              <a:buSzPct val="92000"/>
+              <a:buFont typeface="Wingdings 2" panose="05020102010507070707" pitchFamily="18" charset="2"/>
+              <a:buChar char=""/>
+              <a:defRPr sz="1200" kern="1200">
+                <a:solidFill>
+                  <a:schemeClr val="tx2"/>
+                </a:solidFill>
+                <a:latin typeface="+mn-lt"/>
+                <a:ea typeface="+mn-ea"/>
+                <a:cs typeface="+mn-cs"/>
+              </a:defRPr>
+            </a:lvl9pPr>
+          </a:lstStyle>
+          <a:p>
+            <a:endParaRPr lang="it-IT" sz="2400" dirty="0">
+              <a:solidFill>
+                <a:schemeClr val="accent2">
+                  <a:lumMod val="50000"/>
+                </a:schemeClr>
+              </a:solidFill>
+            </a:endParaRPr>
+          </a:p>
+        </p:txBody>
+      </p:sp>
+      <p:sp>
+        <p:nvSpPr>
+          <p:cNvPr id="4" name="Segnaposto contenuto 2">
+            <a:extLst>
+              <a:ext uri="{FF2B5EF4-FFF2-40B4-BE49-F238E27FC236}">
+                <a16:creationId xmlns:a16="http://schemas.microsoft.com/office/drawing/2014/main" id="{483397FA-B9A8-A706-C949-AD730183F1F8}"/>
+              </a:ext>
+            </a:extLst>
+          </p:cNvPr>
+          <p:cNvSpPr txBox="1">
+            <a:spLocks/>
+          </p:cNvSpPr>
+          <p:nvPr/>
+        </p:nvSpPr>
+        <p:spPr>
+          <a:xfrm>
+            <a:off x="404027" y="3563006"/>
+            <a:ext cx="11489611" cy="2494256"/>
+          </a:xfrm>
+          <a:prstGeom prst="rect">
+            <a:avLst/>
+          </a:prstGeom>
+        </p:spPr>
+        <p:txBody>
+          <a:bodyPr vert="horz" lIns="91440" tIns="45720" rIns="91440" bIns="45720" rtlCol="0" anchor="ctr">
+            <a:normAutofit/>
+          </a:bodyPr>
+          <a:lstStyle>
+            <a:lvl1pPr marL="306000" indent="-306000" algn="l" defTabSz="457200" rtl="0" eaLnBrk="1" latinLnBrk="0" hangingPunct="1">
+              <a:spcBef>
+                <a:spcPct val="20000"/>
+              </a:spcBef>
+              <a:spcAft>
+                <a:spcPts val="600"/>
+              </a:spcAft>
+              <a:buClr>
+                <a:schemeClr val="accent2"/>
+              </a:buClr>
+              <a:buSzPct val="92000"/>
+              <a:buFont typeface="Wingdings 2" panose="05020102010507070707" pitchFamily="18" charset="2"/>
+              <a:buChar char=""/>
+              <a:defRPr sz="1800" kern="1200">
+                <a:solidFill>
+                  <a:schemeClr val="tx2"/>
+                </a:solidFill>
+                <a:latin typeface="+mn-lt"/>
+                <a:ea typeface="+mn-ea"/>
+                <a:cs typeface="+mn-cs"/>
+              </a:defRPr>
+            </a:lvl1pPr>
+            <a:lvl2pPr marL="630000" indent="-306000" algn="l" defTabSz="457200" rtl="0" eaLnBrk="1" latinLnBrk="0" hangingPunct="1">
+              <a:spcBef>
+                <a:spcPct val="20000"/>
+              </a:spcBef>
+              <a:spcAft>
+                <a:spcPts val="600"/>
+              </a:spcAft>
+              <a:buClr>
+                <a:schemeClr val="accent2"/>
+              </a:buClr>
+              <a:buSzPct val="92000"/>
+              <a:buFont typeface="Wingdings 2" panose="05020102010507070707" pitchFamily="18" charset="2"/>
+              <a:buChar char=""/>
+              <a:defRPr sz="1600" kern="1200">
+                <a:solidFill>
+                  <a:schemeClr val="tx2"/>
+                </a:solidFill>
+                <a:latin typeface="+mn-lt"/>
+                <a:ea typeface="+mn-ea"/>
+                <a:cs typeface="+mn-cs"/>
+              </a:defRPr>
+            </a:lvl2pPr>
+            <a:lvl3pPr marL="900000" indent="-270000" algn="l" defTabSz="457200" rtl="0" eaLnBrk="1" latinLnBrk="0" hangingPunct="1">
+              <a:spcBef>
+                <a:spcPct val="20000"/>
+              </a:spcBef>
+              <a:spcAft>
+                <a:spcPts val="600"/>
+              </a:spcAft>
+              <a:buClr>
+                <a:schemeClr val="accent2"/>
+              </a:buClr>
+              <a:buSzPct val="92000"/>
+              <a:buFont typeface="Wingdings 2" panose="05020102010507070707" pitchFamily="18" charset="2"/>
+              <a:buChar char=""/>
+              <a:defRPr sz="1400" kern="1200">
+                <a:solidFill>
+                  <a:schemeClr val="tx2"/>
+                </a:solidFill>
+                <a:latin typeface="+mn-lt"/>
+                <a:ea typeface="+mn-ea"/>
+                <a:cs typeface="+mn-cs"/>
+              </a:defRPr>
+            </a:lvl3pPr>
+            <a:lvl4pPr marL="1242000" indent="-234000" algn="l" defTabSz="457200" rtl="0" eaLnBrk="1" latinLnBrk="0" hangingPunct="1">
+              <a:spcBef>
+                <a:spcPct val="20000"/>
+              </a:spcBef>
+              <a:spcAft>
+                <a:spcPts val="600"/>
+              </a:spcAft>
+              <a:buClr>
+                <a:schemeClr val="accent2"/>
+              </a:buClr>
+              <a:buSzPct val="92000"/>
+              <a:buFont typeface="Wingdings 2" panose="05020102010507070707" pitchFamily="18" charset="2"/>
+              <a:buChar char=""/>
+              <a:defRPr sz="1200" kern="1200">
+                <a:solidFill>
+                  <a:schemeClr val="tx2"/>
+                </a:solidFill>
+                <a:latin typeface="+mn-lt"/>
+                <a:ea typeface="+mn-ea"/>
+                <a:cs typeface="+mn-cs"/>
+              </a:defRPr>
+            </a:lvl4pPr>
+            <a:lvl5pPr marL="1602000" indent="-234000" algn="l" defTabSz="457200" rtl="0" eaLnBrk="1" latinLnBrk="0" hangingPunct="1">
+              <a:spcBef>
+                <a:spcPct val="20000"/>
+              </a:spcBef>
+              <a:spcAft>
+                <a:spcPts val="600"/>
+              </a:spcAft>
+              <a:buClr>
+                <a:schemeClr val="accent2"/>
+              </a:buClr>
+              <a:buSzPct val="92000"/>
+              <a:buFont typeface="Wingdings 2" panose="05020102010507070707" pitchFamily="18" charset="2"/>
+              <a:buChar char=""/>
+              <a:defRPr sz="1200" kern="1200">
+                <a:solidFill>
+                  <a:schemeClr val="tx2"/>
+                </a:solidFill>
+                <a:latin typeface="+mn-lt"/>
+                <a:ea typeface="+mn-ea"/>
+                <a:cs typeface="+mn-cs"/>
+              </a:defRPr>
+            </a:lvl5pPr>
+            <a:lvl6pPr marL="1900000" indent="-228600" algn="l" defTabSz="457200" rtl="0" eaLnBrk="1" latinLnBrk="0" hangingPunct="1">
+              <a:spcBef>
+                <a:spcPct val="20000"/>
+              </a:spcBef>
+              <a:spcAft>
+                <a:spcPts val="600"/>
+              </a:spcAft>
+              <a:buClr>
+                <a:schemeClr val="accent2"/>
+              </a:buClr>
+              <a:buSzPct val="92000"/>
+              <a:buFont typeface="Wingdings 2" panose="05020102010507070707" pitchFamily="18" charset="2"/>
+              <a:buChar char=""/>
+              <a:defRPr sz="1200" kern="1200">
+                <a:solidFill>
+                  <a:schemeClr val="tx2"/>
+                </a:solidFill>
+                <a:latin typeface="+mn-lt"/>
+                <a:ea typeface="+mn-ea"/>
+                <a:cs typeface="+mn-cs"/>
+              </a:defRPr>
+            </a:lvl6pPr>
+            <a:lvl7pPr marL="2200000" indent="-228600" algn="l" defTabSz="457200" rtl="0" eaLnBrk="1" latinLnBrk="0" hangingPunct="1">
+              <a:spcBef>
+                <a:spcPct val="20000"/>
+              </a:spcBef>
+              <a:spcAft>
+                <a:spcPts val="600"/>
+              </a:spcAft>
+              <a:buClr>
+                <a:schemeClr val="accent2"/>
+              </a:buClr>
+              <a:buSzPct val="92000"/>
+              <a:buFont typeface="Wingdings 2" panose="05020102010507070707" pitchFamily="18" charset="2"/>
+              <a:buChar char=""/>
+              <a:defRPr sz="1200" kern="1200">
+                <a:solidFill>
+                  <a:schemeClr val="tx2"/>
+                </a:solidFill>
+                <a:latin typeface="+mn-lt"/>
+                <a:ea typeface="+mn-ea"/>
+                <a:cs typeface="+mn-cs"/>
+              </a:defRPr>
+            </a:lvl7pPr>
+            <a:lvl8pPr marL="2500000" indent="-228600" algn="l" defTabSz="457200" rtl="0" eaLnBrk="1" latinLnBrk="0" hangingPunct="1">
+              <a:spcBef>
+                <a:spcPct val="20000"/>
+              </a:spcBef>
+              <a:spcAft>
+                <a:spcPts val="600"/>
+              </a:spcAft>
+              <a:buClr>
+                <a:schemeClr val="accent2"/>
+              </a:buClr>
+              <a:buSzPct val="92000"/>
+              <a:buFont typeface="Wingdings 2" panose="05020102010507070707" pitchFamily="18" charset="2"/>
+              <a:buChar char=""/>
+              <a:defRPr sz="1200" kern="1200">
+                <a:solidFill>
+                  <a:schemeClr val="tx2"/>
+                </a:solidFill>
+                <a:latin typeface="+mn-lt"/>
+                <a:ea typeface="+mn-ea"/>
+                <a:cs typeface="+mn-cs"/>
+              </a:defRPr>
+            </a:lvl8pPr>
+            <a:lvl9pPr marL="2800000" indent="-228600" algn="l" defTabSz="457200" rtl="0" eaLnBrk="1" latinLnBrk="0" hangingPunct="1">
+              <a:spcBef>
+                <a:spcPct val="20000"/>
+              </a:spcBef>
+              <a:spcAft>
+                <a:spcPts val="600"/>
+              </a:spcAft>
+              <a:buClr>
+                <a:schemeClr val="accent2"/>
+              </a:buClr>
+              <a:buSzPct val="92000"/>
+              <a:buFont typeface="Wingdings 2" panose="05020102010507070707" pitchFamily="18" charset="2"/>
+              <a:buChar char=""/>
+              <a:defRPr sz="1200" kern="1200">
+                <a:solidFill>
+                  <a:schemeClr val="tx2"/>
+                </a:solidFill>
+                <a:latin typeface="+mn-lt"/>
+                <a:ea typeface="+mn-ea"/>
+                <a:cs typeface="+mn-cs"/>
+              </a:defRPr>
+            </a:lvl9pPr>
+          </a:lstStyle>
+          <a:p>
+            <a:pPr marL="0" indent="0">
+              <a:buNone/>
+            </a:pPr>
+            <a:r>
+              <a:rPr lang="it-IT" sz="2400" dirty="0">
+                <a:solidFill>
+                  <a:schemeClr val="accent2">
+                    <a:lumMod val="50000"/>
+                  </a:schemeClr>
+                </a:solidFill>
+              </a:rPr>
+              <a:t>La funzione </a:t>
+            </a:r>
+            <a:r>
+              <a:rPr lang="it-IT" sz="2400" dirty="0" err="1">
+                <a:solidFill>
+                  <a:schemeClr val="accent2">
+                    <a:lumMod val="50000"/>
+                  </a:schemeClr>
+                </a:solidFill>
+              </a:rPr>
+              <a:t>realloc</a:t>
+            </a:r>
+            <a:r>
+              <a:rPr lang="it-IT" sz="2400" dirty="0">
+                <a:solidFill>
+                  <a:schemeClr val="accent2">
+                    <a:lumMod val="50000"/>
+                  </a:schemeClr>
+                </a:solidFill>
+              </a:rPr>
+              <a:t> tenta di ridimensionare un blocco a byte </a:t>
+            </a:r>
+            <a:r>
+              <a:rPr lang="it-IT" sz="2400" dirty="0" err="1">
+                <a:solidFill>
+                  <a:schemeClr val="accent2">
+                    <a:lumMod val="50000"/>
+                  </a:schemeClr>
+                </a:solidFill>
+              </a:rPr>
+              <a:t>new_size</a:t>
+            </a:r>
+            <a:r>
+              <a:rPr lang="it-IT" sz="2400" dirty="0">
+                <a:solidFill>
+                  <a:schemeClr val="accent2">
+                    <a:lumMod val="50000"/>
+                  </a:schemeClr>
+                </a:solidFill>
+              </a:rPr>
+              <a:t>, eventualmente spostandolo nel processo. </a:t>
+            </a:r>
+          </a:p>
+          <a:p>
+            <a:pPr>
+              <a:buFont typeface="Wingdings" panose="05000000000000000000" pitchFamily="2" charset="2"/>
+              <a:buChar char="§"/>
+            </a:pPr>
+            <a:r>
+              <a:rPr lang="it-IT" sz="2400" dirty="0">
+                <a:solidFill>
+                  <a:schemeClr val="accent2">
+                    <a:lumMod val="50000"/>
+                  </a:schemeClr>
+                </a:solidFill>
+              </a:rPr>
+              <a:t>In caso di successo, crea e restituisce un nuovo blocco, liberando quello vecchio.</a:t>
+            </a:r>
+          </a:p>
+          <a:p>
+            <a:pPr>
+              <a:buFont typeface="Wingdings" panose="05000000000000000000" pitchFamily="2" charset="2"/>
+              <a:buChar char="§"/>
+            </a:pPr>
+            <a:r>
+              <a:rPr lang="it-IT" sz="2400" dirty="0">
+                <a:solidFill>
+                  <a:schemeClr val="accent2">
+                    <a:lumMod val="50000"/>
+                  </a:schemeClr>
+                </a:solidFill>
+              </a:rPr>
+              <a:t>in caso di fallimento, restituisce un puntatore nullo. Il vecchio blocco rimane valido se la riallocazione fallisce</a:t>
+            </a:r>
+            <a:r>
+              <a:rPr lang="it-IT" sz="2400" i="1" dirty="0">
+                <a:solidFill>
+                  <a:schemeClr val="accent2">
+                    <a:lumMod val="50000"/>
+                  </a:schemeClr>
+                </a:solidFill>
+              </a:rPr>
+              <a:t>.</a:t>
+            </a:r>
+          </a:p>
+        </p:txBody>
+      </p:sp>
+      <p:sp>
+        <p:nvSpPr>
+          <p:cNvPr id="5" name="Segnaposto contenuto 2">
+            <a:extLst>
+              <a:ext uri="{FF2B5EF4-FFF2-40B4-BE49-F238E27FC236}">
+                <a16:creationId xmlns:a16="http://schemas.microsoft.com/office/drawing/2014/main" id="{6C18DDF8-D23C-B03C-1187-2167892791D1}"/>
+              </a:ext>
+            </a:extLst>
+          </p:cNvPr>
+          <p:cNvSpPr txBox="1">
+            <a:spLocks/>
+          </p:cNvSpPr>
+          <p:nvPr/>
+        </p:nvSpPr>
+        <p:spPr>
+          <a:xfrm>
+            <a:off x="105665" y="3046045"/>
+            <a:ext cx="11029615" cy="1784657"/>
+          </a:xfrm>
+          <a:prstGeom prst="rect">
+            <a:avLst/>
+          </a:prstGeom>
+        </p:spPr>
+        <p:txBody>
+          <a:bodyPr vert="horz" lIns="91440" tIns="45720" rIns="91440" bIns="45720" rtlCol="0" anchor="ctr">
+            <a:normAutofit/>
+          </a:bodyPr>
+          <a:lstStyle>
+            <a:lvl1pPr marL="306000" indent="-306000" algn="l" defTabSz="457200" rtl="0" eaLnBrk="1" latinLnBrk="0" hangingPunct="1">
+              <a:spcBef>
+                <a:spcPct val="20000"/>
+              </a:spcBef>
+              <a:spcAft>
+                <a:spcPts val="600"/>
+              </a:spcAft>
+              <a:buClr>
+                <a:schemeClr val="accent2"/>
+              </a:buClr>
+              <a:buSzPct val="92000"/>
+              <a:buFont typeface="Wingdings 2" panose="05020102010507070707" pitchFamily="18" charset="2"/>
+              <a:buChar char=""/>
+              <a:defRPr sz="1800" kern="1200">
+                <a:solidFill>
+                  <a:schemeClr val="tx2"/>
+                </a:solidFill>
+                <a:latin typeface="+mn-lt"/>
+                <a:ea typeface="+mn-ea"/>
+                <a:cs typeface="+mn-cs"/>
+              </a:defRPr>
+            </a:lvl1pPr>
+            <a:lvl2pPr marL="630000" indent="-306000" algn="l" defTabSz="457200" rtl="0" eaLnBrk="1" latinLnBrk="0" hangingPunct="1">
+              <a:spcBef>
+                <a:spcPct val="20000"/>
+              </a:spcBef>
+              <a:spcAft>
+                <a:spcPts val="600"/>
+              </a:spcAft>
+              <a:buClr>
+                <a:schemeClr val="accent2"/>
+              </a:buClr>
+              <a:buSzPct val="92000"/>
+              <a:buFont typeface="Wingdings 2" panose="05020102010507070707" pitchFamily="18" charset="2"/>
+              <a:buChar char=""/>
+              <a:defRPr sz="1600" kern="1200">
+                <a:solidFill>
+                  <a:schemeClr val="tx2"/>
+                </a:solidFill>
+                <a:latin typeface="+mn-lt"/>
+                <a:ea typeface="+mn-ea"/>
+                <a:cs typeface="+mn-cs"/>
+              </a:defRPr>
+            </a:lvl2pPr>
+            <a:lvl3pPr marL="900000" indent="-270000" algn="l" defTabSz="457200" rtl="0" eaLnBrk="1" latinLnBrk="0" hangingPunct="1">
+              <a:spcBef>
+                <a:spcPct val="20000"/>
+              </a:spcBef>
+              <a:spcAft>
+                <a:spcPts val="600"/>
+              </a:spcAft>
+              <a:buClr>
+                <a:schemeClr val="accent2"/>
+              </a:buClr>
+              <a:buSzPct val="92000"/>
+              <a:buFont typeface="Wingdings 2" panose="05020102010507070707" pitchFamily="18" charset="2"/>
+              <a:buChar char=""/>
+              <a:defRPr sz="1400" kern="1200">
+                <a:solidFill>
+                  <a:schemeClr val="tx2"/>
+                </a:solidFill>
+                <a:latin typeface="+mn-lt"/>
+                <a:ea typeface="+mn-ea"/>
+                <a:cs typeface="+mn-cs"/>
+              </a:defRPr>
+            </a:lvl3pPr>
+            <a:lvl4pPr marL="1242000" indent="-234000" algn="l" defTabSz="457200" rtl="0" eaLnBrk="1" latinLnBrk="0" hangingPunct="1">
+              <a:spcBef>
+                <a:spcPct val="20000"/>
+              </a:spcBef>
+              <a:spcAft>
+                <a:spcPts val="600"/>
+              </a:spcAft>
+              <a:buClr>
+                <a:schemeClr val="accent2"/>
+              </a:buClr>
+              <a:buSzPct val="92000"/>
+              <a:buFont typeface="Wingdings 2" panose="05020102010507070707" pitchFamily="18" charset="2"/>
+              <a:buChar char=""/>
+              <a:defRPr sz="1200" kern="1200">
+                <a:solidFill>
+                  <a:schemeClr val="tx2"/>
+                </a:solidFill>
+                <a:latin typeface="+mn-lt"/>
+                <a:ea typeface="+mn-ea"/>
+                <a:cs typeface="+mn-cs"/>
+              </a:defRPr>
+            </a:lvl4pPr>
+            <a:lvl5pPr marL="1602000" indent="-234000" algn="l" defTabSz="457200" rtl="0" eaLnBrk="1" latinLnBrk="0" hangingPunct="1">
+              <a:spcBef>
+                <a:spcPct val="20000"/>
+              </a:spcBef>
+              <a:spcAft>
+                <a:spcPts val="600"/>
+              </a:spcAft>
+              <a:buClr>
+                <a:schemeClr val="accent2"/>
+              </a:buClr>
+              <a:buSzPct val="92000"/>
+              <a:buFont typeface="Wingdings 2" panose="05020102010507070707" pitchFamily="18" charset="2"/>
+              <a:buChar char=""/>
+              <a:defRPr sz="1200" kern="1200">
+                <a:solidFill>
+                  <a:schemeClr val="tx2"/>
+                </a:solidFill>
+                <a:latin typeface="+mn-lt"/>
+                <a:ea typeface="+mn-ea"/>
+                <a:cs typeface="+mn-cs"/>
+              </a:defRPr>
+            </a:lvl5pPr>
+            <a:lvl6pPr marL="1900000" indent="-228600" algn="l" defTabSz="457200" rtl="0" eaLnBrk="1" latinLnBrk="0" hangingPunct="1">
+              <a:spcBef>
+                <a:spcPct val="20000"/>
+              </a:spcBef>
+              <a:spcAft>
+                <a:spcPts val="600"/>
+              </a:spcAft>
+              <a:buClr>
+                <a:schemeClr val="accent2"/>
+              </a:buClr>
+              <a:buSzPct val="92000"/>
+              <a:buFont typeface="Wingdings 2" panose="05020102010507070707" pitchFamily="18" charset="2"/>
+              <a:buChar char=""/>
+              <a:defRPr sz="1200" kern="1200">
+                <a:solidFill>
+                  <a:schemeClr val="tx2"/>
+                </a:solidFill>
+                <a:latin typeface="+mn-lt"/>
+                <a:ea typeface="+mn-ea"/>
+                <a:cs typeface="+mn-cs"/>
+              </a:defRPr>
+            </a:lvl6pPr>
+            <a:lvl7pPr marL="2200000" indent="-228600" algn="l" defTabSz="457200" rtl="0" eaLnBrk="1" latinLnBrk="0" hangingPunct="1">
+              <a:spcBef>
+                <a:spcPct val="20000"/>
+              </a:spcBef>
+              <a:spcAft>
+                <a:spcPts val="600"/>
+              </a:spcAft>
+              <a:buClr>
+                <a:schemeClr val="accent2"/>
+              </a:buClr>
+              <a:buSzPct val="92000"/>
+              <a:buFont typeface="Wingdings 2" panose="05020102010507070707" pitchFamily="18" charset="2"/>
+              <a:buChar char=""/>
+              <a:defRPr sz="1200" kern="1200">
+                <a:solidFill>
+                  <a:schemeClr val="tx2"/>
+                </a:solidFill>
+                <a:latin typeface="+mn-lt"/>
+                <a:ea typeface="+mn-ea"/>
+                <a:cs typeface="+mn-cs"/>
+              </a:defRPr>
+            </a:lvl7pPr>
+            <a:lvl8pPr marL="2500000" indent="-228600" algn="l" defTabSz="457200" rtl="0" eaLnBrk="1" latinLnBrk="0" hangingPunct="1">
+              <a:spcBef>
+                <a:spcPct val="20000"/>
+              </a:spcBef>
+              <a:spcAft>
+                <a:spcPts val="600"/>
+              </a:spcAft>
+              <a:buClr>
+                <a:schemeClr val="accent2"/>
+              </a:buClr>
+              <a:buSzPct val="92000"/>
+              <a:buFont typeface="Wingdings 2" panose="05020102010507070707" pitchFamily="18" charset="2"/>
+              <a:buChar char=""/>
+              <a:defRPr sz="1200" kern="1200">
+                <a:solidFill>
+                  <a:schemeClr val="tx2"/>
+                </a:solidFill>
+                <a:latin typeface="+mn-lt"/>
+                <a:ea typeface="+mn-ea"/>
+                <a:cs typeface="+mn-cs"/>
+              </a:defRPr>
+            </a:lvl8pPr>
+            <a:lvl9pPr marL="2800000" indent="-228600" algn="l" defTabSz="457200" rtl="0" eaLnBrk="1" latinLnBrk="0" hangingPunct="1">
+              <a:spcBef>
+                <a:spcPct val="20000"/>
+              </a:spcBef>
+              <a:spcAft>
+                <a:spcPts val="600"/>
+              </a:spcAft>
+              <a:buClr>
+                <a:schemeClr val="accent2"/>
+              </a:buClr>
+              <a:buSzPct val="92000"/>
+              <a:buFont typeface="Wingdings 2" panose="05020102010507070707" pitchFamily="18" charset="2"/>
+              <a:buChar char=""/>
+              <a:defRPr sz="1200" kern="1200">
+                <a:solidFill>
+                  <a:schemeClr val="tx2"/>
+                </a:solidFill>
+                <a:latin typeface="+mn-lt"/>
+                <a:ea typeface="+mn-ea"/>
+                <a:cs typeface="+mn-cs"/>
+              </a:defRPr>
+            </a:lvl9pPr>
+          </a:lstStyle>
+          <a:p>
+            <a:endParaRPr lang="it-IT" sz="2400" dirty="0">
+              <a:solidFill>
+                <a:schemeClr val="accent6"/>
+              </a:solidFill>
+            </a:endParaRPr>
+          </a:p>
+        </p:txBody>
+      </p:sp>
+    </p:spTree>
+    <p:extLst>
+      <p:ext uri="{BB962C8B-B14F-4D97-AF65-F5344CB8AC3E}">
+        <p14:creationId xmlns:p14="http://schemas.microsoft.com/office/powerpoint/2010/main" val="289046217"/>
+      </p:ext>
+    </p:extLst>
+  </p:cSld>
+  <p:clrMapOvr>
+    <a:masterClrMapping/>
+  </p:clrMapOvr>
+</p:sld>
+</file>
+
+<file path=ppt/slides/slide12.xml><?xml version="1.0" encoding="utf-8"?>
+<p:sld xmlns:a="http://schemas.openxmlformats.org/drawingml/2006/main" xmlns:r="http://schemas.openxmlformats.org/officeDocument/2006/relationships" xmlns:p="http://schemas.openxmlformats.org/presentationml/2006/main">
+  <p:cSld>
+    <p:bg>
+      <p:bgPr>
+        <a:solidFill>
+          <a:schemeClr val="bg2"/>
+        </a:solidFill>
+        <a:effectLst/>
+      </p:bgPr>
+    </p:bg>
+    <p:spTree>
+      <p:nvGrpSpPr>
+        <p:cNvPr id="1" name=""/>
+        <p:cNvGrpSpPr/>
+        <p:nvPr/>
+      </p:nvGrpSpPr>
+      <p:grpSpPr>
+        <a:xfrm>
+          <a:off x="0" y="0"/>
+          <a:ext cx="0" cy="0"/>
+          <a:chOff x="0" y="0"/>
+          <a:chExt cx="0" cy="0"/>
+        </a:xfrm>
+      </p:grpSpPr>
+      <p:sp>
+        <p:nvSpPr>
+          <p:cNvPr id="8" name="Rectangle 7">
+            <a:extLst>
+              <a:ext uri="{FF2B5EF4-FFF2-40B4-BE49-F238E27FC236}">
+                <a16:creationId xmlns:a16="http://schemas.microsoft.com/office/drawing/2014/main" id="{D70130DC-F780-43D2-B26A-92EACD78951B}"/>
+              </a:ext>
+              <a:ext uri="{C183D7F6-B498-43B3-948B-1728B52AA6E4}">
+                <adec:decorative xmlns:adec="http://schemas.microsoft.com/office/drawing/2017/decorative" val="1"/>
+              </a:ext>
+            </a:extLst>
+          </p:cNvPr>
+          <p:cNvSpPr>
+            <a:spLocks noGrp="1" noRot="1" noChangeAspect="1" noMove="1" noResize="1" noEditPoints="1" noAdjustHandles="1" noChangeArrowheads="1" noChangeShapeType="1" noTextEdit="1"/>
+          </p:cNvSpPr>
+          <p:nvPr>
+            <p:extLst>
+              <p:ext uri="{386F3935-93C4-4BCD-93E2-E3B085C9AB24}">
+                <p16:designElem xmlns:p16="http://schemas.microsoft.com/office/powerpoint/2015/main" val="1"/>
+              </p:ext>
+            </p:extLst>
+          </p:nvPr>
+        </p:nvSpPr>
+        <p:spPr>
+          <a:xfrm>
+            <a:off x="0" y="0"/>
+            <a:ext cx="12192000" cy="6858000"/>
+          </a:xfrm>
+          <a:prstGeom prst="rect">
+            <a:avLst/>
+          </a:prstGeom>
+          <a:solidFill>
+            <a:srgbClr val="E4E4E4"/>
+          </a:solidFill>
+          <a:ln>
+            <a:noFill/>
+          </a:ln>
+        </p:spPr>
+        <p:style>
+          <a:lnRef idx="2">
+            <a:schemeClr val="accent1">
+              <a:shade val="50000"/>
+            </a:schemeClr>
+          </a:lnRef>
+          <a:fillRef idx="1">
+            <a:schemeClr val="accent1"/>
+          </a:fillRef>
+          <a:effectRef idx="0">
+            <a:schemeClr val="accent1"/>
+          </a:effectRef>
+          <a:fontRef idx="minor">
+            <a:schemeClr val="lt1"/>
+          </a:fontRef>
+        </p:style>
+        <p:txBody>
+          <a:bodyPr rtlCol="0" anchor="ctr"/>
+          <a:lstStyle/>
+          <a:p>
+            <a:pPr algn="ctr"/>
+            <a:endParaRPr lang="en-US"/>
+          </a:p>
+        </p:txBody>
+      </p:sp>
+      <p:sp>
+        <p:nvSpPr>
+          <p:cNvPr id="2" name="Titolo 1">
+            <a:extLst>
+              <a:ext uri="{FF2B5EF4-FFF2-40B4-BE49-F238E27FC236}">
+                <a16:creationId xmlns:a16="http://schemas.microsoft.com/office/drawing/2014/main" id="{D2D684BA-49BE-8A04-1C57-EDA155EDC4D0}"/>
+              </a:ext>
+            </a:extLst>
+          </p:cNvPr>
+          <p:cNvSpPr>
+            <a:spLocks noGrp="1"/>
+          </p:cNvSpPr>
+          <p:nvPr>
+            <p:ph type="title"/>
+          </p:nvPr>
+        </p:nvSpPr>
+        <p:spPr>
+          <a:xfrm>
+            <a:off x="581192" y="641653"/>
+            <a:ext cx="11029616" cy="1095560"/>
+          </a:xfrm>
+        </p:spPr>
+        <p:txBody>
+          <a:bodyPr anchor="t">
+            <a:normAutofit/>
+          </a:bodyPr>
+          <a:lstStyle/>
+          <a:p>
+            <a:r>
+              <a:rPr lang="it-IT" dirty="0" err="1">
+                <a:solidFill>
+                  <a:schemeClr val="accent2"/>
+                </a:solidFill>
+              </a:rPr>
+              <a:t>Pintos</a:t>
+            </a:r>
+            <a:r>
+              <a:rPr lang="it-IT" dirty="0">
+                <a:solidFill>
+                  <a:schemeClr val="accent2"/>
+                </a:solidFill>
+              </a:rPr>
+              <a:t> - BLOCK </a:t>
+            </a:r>
+            <a:r>
+              <a:rPr lang="it-IT" dirty="0" err="1">
+                <a:solidFill>
+                  <a:schemeClr val="accent2"/>
+                </a:solidFill>
+              </a:rPr>
+              <a:t>Allocator</a:t>
+            </a:r>
+            <a:r>
+              <a:rPr lang="it-IT" dirty="0">
+                <a:solidFill>
+                  <a:schemeClr val="accent2"/>
+                </a:solidFill>
+              </a:rPr>
+              <a:t> – METODI COINVOLTI</a:t>
+            </a:r>
+          </a:p>
+        </p:txBody>
+      </p:sp>
+      <p:sp>
+        <p:nvSpPr>
+          <p:cNvPr id="10" name="Rectangle 9">
+            <a:extLst>
+              <a:ext uri="{FF2B5EF4-FFF2-40B4-BE49-F238E27FC236}">
+                <a16:creationId xmlns:a16="http://schemas.microsoft.com/office/drawing/2014/main" id="{17676E0E-5B44-4166-8EDD-CFDBAC622C26}"/>
+              </a:ext>
+              <a:ext uri="{C183D7F6-B498-43B3-948B-1728B52AA6E4}">
+                <adec:decorative xmlns:adec="http://schemas.microsoft.com/office/drawing/2017/decorative" val="1"/>
+              </a:ext>
+            </a:extLst>
+          </p:cNvPr>
+          <p:cNvSpPr>
+            <a:spLocks noGrp="1" noRot="1" noChangeAspect="1" noMove="1" noResize="1" noEditPoints="1" noAdjustHandles="1" noChangeArrowheads="1" noChangeShapeType="1" noTextEdit="1"/>
+          </p:cNvSpPr>
+          <p:nvPr>
+            <p:extLst>
+              <p:ext uri="{386F3935-93C4-4BCD-93E2-E3B085C9AB24}">
+                <p16:designElem xmlns:p16="http://schemas.microsoft.com/office/powerpoint/2015/main" val="1"/>
+              </p:ext>
+            </p:extLst>
+          </p:nvPr>
+        </p:nvSpPr>
+        <p:spPr>
+          <a:xfrm>
+            <a:off x="446533" y="457201"/>
+            <a:ext cx="11298933" cy="91440"/>
+          </a:xfrm>
+          <a:prstGeom prst="rect">
+            <a:avLst/>
+          </a:prstGeom>
+          <a:solidFill>
+            <a:schemeClr val="accent1"/>
+          </a:solidFill>
+          <a:ln>
+            <a:noFill/>
+          </a:ln>
+          <a:effectLst/>
+        </p:spPr>
+        <p:style>
+          <a:lnRef idx="1">
+            <a:schemeClr val="accent1"/>
+          </a:lnRef>
+          <a:fillRef idx="3">
+            <a:schemeClr val="accent1"/>
+          </a:fillRef>
+          <a:effectRef idx="2">
+            <a:schemeClr val="accent1"/>
+          </a:effectRef>
+          <a:fontRef idx="minor">
+            <a:schemeClr val="lt1"/>
+          </a:fontRef>
+        </p:style>
+        <p:txBody>
+          <a:bodyPr/>
+          <a:lstStyle/>
+          <a:p>
+            <a:endParaRPr lang="it-IT"/>
+          </a:p>
+        </p:txBody>
+      </p:sp>
+      <p:sp>
+        <p:nvSpPr>
+          <p:cNvPr id="3" name="Segnaposto contenuto 2">
+            <a:extLst>
+              <a:ext uri="{FF2B5EF4-FFF2-40B4-BE49-F238E27FC236}">
+                <a16:creationId xmlns:a16="http://schemas.microsoft.com/office/drawing/2014/main" id="{ADB966D1-6934-2445-AEE9-C05CFEB1C416}"/>
+              </a:ext>
+            </a:extLst>
+          </p:cNvPr>
+          <p:cNvSpPr>
+            <a:spLocks noGrp="1"/>
+          </p:cNvSpPr>
+          <p:nvPr>
+            <p:ph idx="1"/>
+          </p:nvPr>
+        </p:nvSpPr>
+        <p:spPr>
+          <a:xfrm>
+            <a:off x="404031" y="1450426"/>
+            <a:ext cx="11029615" cy="1784657"/>
+          </a:xfrm>
+        </p:spPr>
+        <p:txBody>
+          <a:bodyPr>
+            <a:normAutofit/>
+          </a:bodyPr>
+          <a:lstStyle/>
+          <a:p>
+            <a:r>
+              <a:rPr lang="it-IT" sz="2400" b="0" i="0" dirty="0" err="1">
+                <a:solidFill>
+                  <a:schemeClr val="accent6"/>
+                </a:solidFill>
+                <a:effectLst/>
+                <a:latin typeface="Söhne Mono"/>
+              </a:rPr>
+              <a:t>void</a:t>
+            </a:r>
+            <a:r>
+              <a:rPr lang="it-IT" sz="2400" b="0" i="0" dirty="0">
+                <a:solidFill>
+                  <a:schemeClr val="accent6"/>
+                </a:solidFill>
+                <a:effectLst/>
+                <a:latin typeface="Söhne Mono"/>
+              </a:rPr>
+              <a:t> free(</a:t>
+            </a:r>
+            <a:r>
+              <a:rPr lang="it-IT" sz="2400" b="0" i="0" dirty="0" err="1">
+                <a:solidFill>
+                  <a:schemeClr val="accent6"/>
+                </a:solidFill>
+                <a:effectLst/>
+                <a:latin typeface="Söhne Mono"/>
+              </a:rPr>
+              <a:t>void</a:t>
+            </a:r>
+            <a:r>
+              <a:rPr lang="it-IT" sz="2400" b="0" i="0" dirty="0">
+                <a:solidFill>
+                  <a:schemeClr val="accent6"/>
+                </a:solidFill>
+                <a:effectLst/>
+                <a:latin typeface="Söhne Mono"/>
+              </a:rPr>
+              <a:t> *p)</a:t>
+            </a:r>
+            <a:endParaRPr lang="en-US" sz="2400" b="0" i="0" dirty="0">
+              <a:solidFill>
+                <a:schemeClr val="accent6"/>
+              </a:solidFill>
+              <a:effectLst/>
+              <a:latin typeface="Söhne Mono"/>
+            </a:endParaRPr>
+          </a:p>
+        </p:txBody>
+      </p:sp>
+      <p:sp>
+        <p:nvSpPr>
+          <p:cNvPr id="7" name="Segnaposto contenuto 2">
+            <a:extLst>
+              <a:ext uri="{FF2B5EF4-FFF2-40B4-BE49-F238E27FC236}">
+                <a16:creationId xmlns:a16="http://schemas.microsoft.com/office/drawing/2014/main" id="{42DDA212-1C60-EC00-41EE-DB555472B2F3}"/>
+              </a:ext>
+            </a:extLst>
+          </p:cNvPr>
+          <p:cNvSpPr txBox="1">
+            <a:spLocks/>
+          </p:cNvSpPr>
+          <p:nvPr/>
+        </p:nvSpPr>
+        <p:spPr>
+          <a:xfrm>
+            <a:off x="404025" y="2718122"/>
+            <a:ext cx="8046244" cy="1784657"/>
+          </a:xfrm>
+          <a:prstGeom prst="rect">
+            <a:avLst/>
+          </a:prstGeom>
+        </p:spPr>
+        <p:txBody>
+          <a:bodyPr vert="horz" lIns="91440" tIns="45720" rIns="91440" bIns="45720" rtlCol="0" anchor="ctr">
+            <a:normAutofit/>
+          </a:bodyPr>
+          <a:lstStyle>
+            <a:lvl1pPr marL="306000" indent="-306000" algn="l" defTabSz="457200" rtl="0" eaLnBrk="1" latinLnBrk="0" hangingPunct="1">
+              <a:spcBef>
+                <a:spcPct val="20000"/>
+              </a:spcBef>
+              <a:spcAft>
+                <a:spcPts val="600"/>
+              </a:spcAft>
+              <a:buClr>
+                <a:schemeClr val="accent2"/>
+              </a:buClr>
+              <a:buSzPct val="92000"/>
+              <a:buFont typeface="Wingdings 2" panose="05020102010507070707" pitchFamily="18" charset="2"/>
+              <a:buChar char=""/>
+              <a:defRPr sz="1800" kern="1200">
+                <a:solidFill>
+                  <a:schemeClr val="tx2"/>
+                </a:solidFill>
+                <a:latin typeface="+mn-lt"/>
+                <a:ea typeface="+mn-ea"/>
+                <a:cs typeface="+mn-cs"/>
+              </a:defRPr>
+            </a:lvl1pPr>
+            <a:lvl2pPr marL="630000" indent="-306000" algn="l" defTabSz="457200" rtl="0" eaLnBrk="1" latinLnBrk="0" hangingPunct="1">
+              <a:spcBef>
+                <a:spcPct val="20000"/>
+              </a:spcBef>
+              <a:spcAft>
+                <a:spcPts val="600"/>
+              </a:spcAft>
+              <a:buClr>
+                <a:schemeClr val="accent2"/>
+              </a:buClr>
+              <a:buSzPct val="92000"/>
+              <a:buFont typeface="Wingdings 2" panose="05020102010507070707" pitchFamily="18" charset="2"/>
+              <a:buChar char=""/>
+              <a:defRPr sz="1600" kern="1200">
+                <a:solidFill>
+                  <a:schemeClr val="tx2"/>
+                </a:solidFill>
+                <a:latin typeface="+mn-lt"/>
+                <a:ea typeface="+mn-ea"/>
+                <a:cs typeface="+mn-cs"/>
+              </a:defRPr>
+            </a:lvl2pPr>
+            <a:lvl3pPr marL="900000" indent="-270000" algn="l" defTabSz="457200" rtl="0" eaLnBrk="1" latinLnBrk="0" hangingPunct="1">
+              <a:spcBef>
+                <a:spcPct val="20000"/>
+              </a:spcBef>
+              <a:spcAft>
+                <a:spcPts val="600"/>
+              </a:spcAft>
+              <a:buClr>
+                <a:schemeClr val="accent2"/>
+              </a:buClr>
+              <a:buSzPct val="92000"/>
+              <a:buFont typeface="Wingdings 2" panose="05020102010507070707" pitchFamily="18" charset="2"/>
+              <a:buChar char=""/>
+              <a:defRPr sz="1400" kern="1200">
+                <a:solidFill>
+                  <a:schemeClr val="tx2"/>
+                </a:solidFill>
+                <a:latin typeface="+mn-lt"/>
+                <a:ea typeface="+mn-ea"/>
+                <a:cs typeface="+mn-cs"/>
+              </a:defRPr>
+            </a:lvl3pPr>
+            <a:lvl4pPr marL="1242000" indent="-234000" algn="l" defTabSz="457200" rtl="0" eaLnBrk="1" latinLnBrk="0" hangingPunct="1">
+              <a:spcBef>
+                <a:spcPct val="20000"/>
+              </a:spcBef>
+              <a:spcAft>
+                <a:spcPts val="600"/>
+              </a:spcAft>
+              <a:buClr>
+                <a:schemeClr val="accent2"/>
+              </a:buClr>
+              <a:buSzPct val="92000"/>
+              <a:buFont typeface="Wingdings 2" panose="05020102010507070707" pitchFamily="18" charset="2"/>
+              <a:buChar char=""/>
+              <a:defRPr sz="1200" kern="1200">
+                <a:solidFill>
+                  <a:schemeClr val="tx2"/>
+                </a:solidFill>
+                <a:latin typeface="+mn-lt"/>
+                <a:ea typeface="+mn-ea"/>
+                <a:cs typeface="+mn-cs"/>
+              </a:defRPr>
+            </a:lvl4pPr>
+            <a:lvl5pPr marL="1602000" indent="-234000" algn="l" defTabSz="457200" rtl="0" eaLnBrk="1" latinLnBrk="0" hangingPunct="1">
+              <a:spcBef>
+                <a:spcPct val="20000"/>
+              </a:spcBef>
+              <a:spcAft>
+                <a:spcPts val="600"/>
+              </a:spcAft>
+              <a:buClr>
+                <a:schemeClr val="accent2"/>
+              </a:buClr>
+              <a:buSzPct val="92000"/>
+              <a:buFont typeface="Wingdings 2" panose="05020102010507070707" pitchFamily="18" charset="2"/>
+              <a:buChar char=""/>
+              <a:defRPr sz="1200" kern="1200">
+                <a:solidFill>
+                  <a:schemeClr val="tx2"/>
+                </a:solidFill>
+                <a:latin typeface="+mn-lt"/>
+                <a:ea typeface="+mn-ea"/>
+                <a:cs typeface="+mn-cs"/>
+              </a:defRPr>
+            </a:lvl5pPr>
+            <a:lvl6pPr marL="1900000" indent="-228600" algn="l" defTabSz="457200" rtl="0" eaLnBrk="1" latinLnBrk="0" hangingPunct="1">
+              <a:spcBef>
+                <a:spcPct val="20000"/>
+              </a:spcBef>
+              <a:spcAft>
+                <a:spcPts val="600"/>
+              </a:spcAft>
+              <a:buClr>
+                <a:schemeClr val="accent2"/>
+              </a:buClr>
+              <a:buSzPct val="92000"/>
+              <a:buFont typeface="Wingdings 2" panose="05020102010507070707" pitchFamily="18" charset="2"/>
+              <a:buChar char=""/>
+              <a:defRPr sz="1200" kern="1200">
+                <a:solidFill>
+                  <a:schemeClr val="tx2"/>
+                </a:solidFill>
+                <a:latin typeface="+mn-lt"/>
+                <a:ea typeface="+mn-ea"/>
+                <a:cs typeface="+mn-cs"/>
+              </a:defRPr>
+            </a:lvl6pPr>
+            <a:lvl7pPr marL="2200000" indent="-228600" algn="l" defTabSz="457200" rtl="0" eaLnBrk="1" latinLnBrk="0" hangingPunct="1">
+              <a:spcBef>
+                <a:spcPct val="20000"/>
+              </a:spcBef>
+              <a:spcAft>
+                <a:spcPts val="600"/>
+              </a:spcAft>
+              <a:buClr>
+                <a:schemeClr val="accent2"/>
+              </a:buClr>
+              <a:buSzPct val="92000"/>
+              <a:buFont typeface="Wingdings 2" panose="05020102010507070707" pitchFamily="18" charset="2"/>
+              <a:buChar char=""/>
+              <a:defRPr sz="1200" kern="1200">
+                <a:solidFill>
+                  <a:schemeClr val="tx2"/>
+                </a:solidFill>
+                <a:latin typeface="+mn-lt"/>
+                <a:ea typeface="+mn-ea"/>
+                <a:cs typeface="+mn-cs"/>
+              </a:defRPr>
+            </a:lvl7pPr>
+            <a:lvl8pPr marL="2500000" indent="-228600" algn="l" defTabSz="457200" rtl="0" eaLnBrk="1" latinLnBrk="0" hangingPunct="1">
+              <a:spcBef>
+                <a:spcPct val="20000"/>
+              </a:spcBef>
+              <a:spcAft>
+                <a:spcPts val="600"/>
+              </a:spcAft>
+              <a:buClr>
+                <a:schemeClr val="accent2"/>
+              </a:buClr>
+              <a:buSzPct val="92000"/>
+              <a:buFont typeface="Wingdings 2" panose="05020102010507070707" pitchFamily="18" charset="2"/>
+              <a:buChar char=""/>
+              <a:defRPr sz="1200" kern="1200">
+                <a:solidFill>
+                  <a:schemeClr val="tx2"/>
+                </a:solidFill>
+                <a:latin typeface="+mn-lt"/>
+                <a:ea typeface="+mn-ea"/>
+                <a:cs typeface="+mn-cs"/>
+              </a:defRPr>
+            </a:lvl8pPr>
+            <a:lvl9pPr marL="2800000" indent="-228600" algn="l" defTabSz="457200" rtl="0" eaLnBrk="1" latinLnBrk="0" hangingPunct="1">
+              <a:spcBef>
+                <a:spcPct val="20000"/>
+              </a:spcBef>
+              <a:spcAft>
+                <a:spcPts val="600"/>
+              </a:spcAft>
+              <a:buClr>
+                <a:schemeClr val="accent2"/>
+              </a:buClr>
+              <a:buSzPct val="92000"/>
+              <a:buFont typeface="Wingdings 2" panose="05020102010507070707" pitchFamily="18" charset="2"/>
+              <a:buChar char=""/>
+              <a:defRPr sz="1200" kern="1200">
+                <a:solidFill>
+                  <a:schemeClr val="tx2"/>
+                </a:solidFill>
+                <a:latin typeface="+mn-lt"/>
+                <a:ea typeface="+mn-ea"/>
+                <a:cs typeface="+mn-cs"/>
+              </a:defRPr>
+            </a:lvl9pPr>
+          </a:lstStyle>
+          <a:p>
+            <a:endParaRPr lang="it-IT" sz="2400" dirty="0">
+              <a:solidFill>
+                <a:schemeClr val="accent2">
+                  <a:lumMod val="50000"/>
+                </a:schemeClr>
+              </a:solidFill>
+            </a:endParaRPr>
+          </a:p>
+        </p:txBody>
+      </p:sp>
+      <p:sp>
+        <p:nvSpPr>
+          <p:cNvPr id="4" name="Segnaposto contenuto 2">
+            <a:extLst>
+              <a:ext uri="{FF2B5EF4-FFF2-40B4-BE49-F238E27FC236}">
+                <a16:creationId xmlns:a16="http://schemas.microsoft.com/office/drawing/2014/main" id="{483397FA-B9A8-A706-C949-AD730183F1F8}"/>
+              </a:ext>
+            </a:extLst>
+          </p:cNvPr>
+          <p:cNvSpPr txBox="1">
+            <a:spLocks/>
+          </p:cNvSpPr>
+          <p:nvPr/>
+        </p:nvSpPr>
+        <p:spPr>
+          <a:xfrm>
+            <a:off x="404027" y="3563006"/>
+            <a:ext cx="11489611" cy="2494256"/>
+          </a:xfrm>
+          <a:prstGeom prst="rect">
+            <a:avLst/>
+          </a:prstGeom>
+        </p:spPr>
+        <p:txBody>
+          <a:bodyPr vert="horz" lIns="91440" tIns="45720" rIns="91440" bIns="45720" rtlCol="0" anchor="ctr">
+            <a:normAutofit fontScale="85000" lnSpcReduction="10000"/>
+          </a:bodyPr>
+          <a:lstStyle>
+            <a:lvl1pPr marL="306000" indent="-306000" algn="l" defTabSz="457200" rtl="0" eaLnBrk="1" latinLnBrk="0" hangingPunct="1">
+              <a:spcBef>
+                <a:spcPct val="20000"/>
+              </a:spcBef>
+              <a:spcAft>
+                <a:spcPts val="600"/>
+              </a:spcAft>
+              <a:buClr>
+                <a:schemeClr val="accent2"/>
+              </a:buClr>
+              <a:buSzPct val="92000"/>
+              <a:buFont typeface="Wingdings 2" panose="05020102010507070707" pitchFamily="18" charset="2"/>
+              <a:buChar char=""/>
+              <a:defRPr sz="1800" kern="1200">
+                <a:solidFill>
+                  <a:schemeClr val="tx2"/>
+                </a:solidFill>
+                <a:latin typeface="+mn-lt"/>
+                <a:ea typeface="+mn-ea"/>
+                <a:cs typeface="+mn-cs"/>
+              </a:defRPr>
+            </a:lvl1pPr>
+            <a:lvl2pPr marL="630000" indent="-306000" algn="l" defTabSz="457200" rtl="0" eaLnBrk="1" latinLnBrk="0" hangingPunct="1">
+              <a:spcBef>
+                <a:spcPct val="20000"/>
+              </a:spcBef>
+              <a:spcAft>
+                <a:spcPts val="600"/>
+              </a:spcAft>
+              <a:buClr>
+                <a:schemeClr val="accent2"/>
+              </a:buClr>
+              <a:buSzPct val="92000"/>
+              <a:buFont typeface="Wingdings 2" panose="05020102010507070707" pitchFamily="18" charset="2"/>
+              <a:buChar char=""/>
+              <a:defRPr sz="1600" kern="1200">
+                <a:solidFill>
+                  <a:schemeClr val="tx2"/>
+                </a:solidFill>
+                <a:latin typeface="+mn-lt"/>
+                <a:ea typeface="+mn-ea"/>
+                <a:cs typeface="+mn-cs"/>
+              </a:defRPr>
+            </a:lvl2pPr>
+            <a:lvl3pPr marL="900000" indent="-270000" algn="l" defTabSz="457200" rtl="0" eaLnBrk="1" latinLnBrk="0" hangingPunct="1">
+              <a:spcBef>
+                <a:spcPct val="20000"/>
+              </a:spcBef>
+              <a:spcAft>
+                <a:spcPts val="600"/>
+              </a:spcAft>
+              <a:buClr>
+                <a:schemeClr val="accent2"/>
+              </a:buClr>
+              <a:buSzPct val="92000"/>
+              <a:buFont typeface="Wingdings 2" panose="05020102010507070707" pitchFamily="18" charset="2"/>
+              <a:buChar char=""/>
+              <a:defRPr sz="1400" kern="1200">
+                <a:solidFill>
+                  <a:schemeClr val="tx2"/>
+                </a:solidFill>
+                <a:latin typeface="+mn-lt"/>
+                <a:ea typeface="+mn-ea"/>
+                <a:cs typeface="+mn-cs"/>
+              </a:defRPr>
+            </a:lvl3pPr>
+            <a:lvl4pPr marL="1242000" indent="-234000" algn="l" defTabSz="457200" rtl="0" eaLnBrk="1" latinLnBrk="0" hangingPunct="1">
+              <a:spcBef>
+                <a:spcPct val="20000"/>
+              </a:spcBef>
+              <a:spcAft>
+                <a:spcPts val="600"/>
+              </a:spcAft>
+              <a:buClr>
+                <a:schemeClr val="accent2"/>
+              </a:buClr>
+              <a:buSzPct val="92000"/>
+              <a:buFont typeface="Wingdings 2" panose="05020102010507070707" pitchFamily="18" charset="2"/>
+              <a:buChar char=""/>
+              <a:defRPr sz="1200" kern="1200">
+                <a:solidFill>
+                  <a:schemeClr val="tx2"/>
+                </a:solidFill>
+                <a:latin typeface="+mn-lt"/>
+                <a:ea typeface="+mn-ea"/>
+                <a:cs typeface="+mn-cs"/>
+              </a:defRPr>
+            </a:lvl4pPr>
+            <a:lvl5pPr marL="1602000" indent="-234000" algn="l" defTabSz="457200" rtl="0" eaLnBrk="1" latinLnBrk="0" hangingPunct="1">
+              <a:spcBef>
+                <a:spcPct val="20000"/>
+              </a:spcBef>
+              <a:spcAft>
+                <a:spcPts val="600"/>
+              </a:spcAft>
+              <a:buClr>
+                <a:schemeClr val="accent2"/>
+              </a:buClr>
+              <a:buSzPct val="92000"/>
+              <a:buFont typeface="Wingdings 2" panose="05020102010507070707" pitchFamily="18" charset="2"/>
+              <a:buChar char=""/>
+              <a:defRPr sz="1200" kern="1200">
+                <a:solidFill>
+                  <a:schemeClr val="tx2"/>
+                </a:solidFill>
+                <a:latin typeface="+mn-lt"/>
+                <a:ea typeface="+mn-ea"/>
+                <a:cs typeface="+mn-cs"/>
+              </a:defRPr>
+            </a:lvl5pPr>
+            <a:lvl6pPr marL="1900000" indent="-228600" algn="l" defTabSz="457200" rtl="0" eaLnBrk="1" latinLnBrk="0" hangingPunct="1">
+              <a:spcBef>
+                <a:spcPct val="20000"/>
+              </a:spcBef>
+              <a:spcAft>
+                <a:spcPts val="600"/>
+              </a:spcAft>
+              <a:buClr>
+                <a:schemeClr val="accent2"/>
+              </a:buClr>
+              <a:buSzPct val="92000"/>
+              <a:buFont typeface="Wingdings 2" panose="05020102010507070707" pitchFamily="18" charset="2"/>
+              <a:buChar char=""/>
+              <a:defRPr sz="1200" kern="1200">
+                <a:solidFill>
+                  <a:schemeClr val="tx2"/>
+                </a:solidFill>
+                <a:latin typeface="+mn-lt"/>
+                <a:ea typeface="+mn-ea"/>
+                <a:cs typeface="+mn-cs"/>
+              </a:defRPr>
+            </a:lvl6pPr>
+            <a:lvl7pPr marL="2200000" indent="-228600" algn="l" defTabSz="457200" rtl="0" eaLnBrk="1" latinLnBrk="0" hangingPunct="1">
+              <a:spcBef>
+                <a:spcPct val="20000"/>
+              </a:spcBef>
+              <a:spcAft>
+                <a:spcPts val="600"/>
+              </a:spcAft>
+              <a:buClr>
+                <a:schemeClr val="accent2"/>
+              </a:buClr>
+              <a:buSzPct val="92000"/>
+              <a:buFont typeface="Wingdings 2" panose="05020102010507070707" pitchFamily="18" charset="2"/>
+              <a:buChar char=""/>
+              <a:defRPr sz="1200" kern="1200">
+                <a:solidFill>
+                  <a:schemeClr val="tx2"/>
+                </a:solidFill>
+                <a:latin typeface="+mn-lt"/>
+                <a:ea typeface="+mn-ea"/>
+                <a:cs typeface="+mn-cs"/>
+              </a:defRPr>
+            </a:lvl7pPr>
+            <a:lvl8pPr marL="2500000" indent="-228600" algn="l" defTabSz="457200" rtl="0" eaLnBrk="1" latinLnBrk="0" hangingPunct="1">
+              <a:spcBef>
+                <a:spcPct val="20000"/>
+              </a:spcBef>
+              <a:spcAft>
+                <a:spcPts val="600"/>
+              </a:spcAft>
+              <a:buClr>
+                <a:schemeClr val="accent2"/>
+              </a:buClr>
+              <a:buSzPct val="92000"/>
+              <a:buFont typeface="Wingdings 2" panose="05020102010507070707" pitchFamily="18" charset="2"/>
+              <a:buChar char=""/>
+              <a:defRPr sz="1200" kern="1200">
+                <a:solidFill>
+                  <a:schemeClr val="tx2"/>
+                </a:solidFill>
+                <a:latin typeface="+mn-lt"/>
+                <a:ea typeface="+mn-ea"/>
+                <a:cs typeface="+mn-cs"/>
+              </a:defRPr>
+            </a:lvl8pPr>
+            <a:lvl9pPr marL="2800000" indent="-228600" algn="l" defTabSz="457200" rtl="0" eaLnBrk="1" latinLnBrk="0" hangingPunct="1">
+              <a:spcBef>
+                <a:spcPct val="20000"/>
+              </a:spcBef>
+              <a:spcAft>
+                <a:spcPts val="600"/>
+              </a:spcAft>
+              <a:buClr>
+                <a:schemeClr val="accent2"/>
+              </a:buClr>
+              <a:buSzPct val="92000"/>
+              <a:buFont typeface="Wingdings 2" panose="05020102010507070707" pitchFamily="18" charset="2"/>
+              <a:buChar char=""/>
+              <a:defRPr sz="1200" kern="1200">
+                <a:solidFill>
+                  <a:schemeClr val="tx2"/>
+                </a:solidFill>
+                <a:latin typeface="+mn-lt"/>
+                <a:ea typeface="+mn-ea"/>
+                <a:cs typeface="+mn-cs"/>
+              </a:defRPr>
+            </a:lvl9pPr>
+          </a:lstStyle>
+          <a:p>
+            <a:pPr marL="0" indent="0">
+              <a:buNone/>
+            </a:pPr>
+            <a:r>
+              <a:rPr lang="it-IT" sz="2400" dirty="0">
+                <a:solidFill>
+                  <a:schemeClr val="accent2">
+                    <a:lumMod val="50000"/>
+                  </a:schemeClr>
+                </a:solidFill>
+              </a:rPr>
+              <a:t>Si occupa di liberare le porzioni di memoria precedentemente allocate dai metodi </a:t>
+            </a:r>
+            <a:r>
+              <a:rPr lang="it-IT" sz="2400" i="1" dirty="0" err="1">
+                <a:solidFill>
+                  <a:schemeClr val="accent2">
+                    <a:lumMod val="50000"/>
+                  </a:schemeClr>
+                </a:solidFill>
+              </a:rPr>
+              <a:t>malloc</a:t>
+            </a:r>
+            <a:r>
+              <a:rPr lang="it-IT" sz="2400" i="1" dirty="0">
+                <a:solidFill>
+                  <a:schemeClr val="accent2">
+                    <a:lumMod val="50000"/>
+                  </a:schemeClr>
+                </a:solidFill>
+              </a:rPr>
+              <a:t>() </a:t>
+            </a:r>
+            <a:r>
+              <a:rPr lang="it-IT" sz="2400" i="1" dirty="0" err="1">
+                <a:solidFill>
+                  <a:schemeClr val="accent2">
+                    <a:lumMod val="50000"/>
+                  </a:schemeClr>
+                </a:solidFill>
+              </a:rPr>
+              <a:t>calloc</a:t>
+            </a:r>
+            <a:r>
+              <a:rPr lang="it-IT" sz="2400" i="1" dirty="0">
+                <a:solidFill>
+                  <a:schemeClr val="accent2">
+                    <a:lumMod val="50000"/>
+                  </a:schemeClr>
+                </a:solidFill>
+              </a:rPr>
+              <a:t>() o </a:t>
+            </a:r>
+            <a:r>
+              <a:rPr lang="it-IT" sz="2400" i="1" dirty="0" err="1">
+                <a:solidFill>
+                  <a:schemeClr val="accent2">
+                    <a:lumMod val="50000"/>
+                  </a:schemeClr>
+                </a:solidFill>
+              </a:rPr>
+              <a:t>realloc</a:t>
+            </a:r>
+            <a:r>
+              <a:rPr lang="it-IT" sz="2400" i="1" dirty="0">
+                <a:solidFill>
+                  <a:schemeClr val="accent2">
+                    <a:lumMod val="50000"/>
+                  </a:schemeClr>
+                </a:solidFill>
+              </a:rPr>
+              <a:t>(), </a:t>
+            </a:r>
+            <a:r>
+              <a:rPr lang="it-IT" sz="2400" dirty="0">
+                <a:solidFill>
+                  <a:schemeClr val="accent2">
+                    <a:lumMod val="50000"/>
+                  </a:schemeClr>
+                </a:solidFill>
+              </a:rPr>
+              <a:t>i blocchi vengono gestiti in maniera differente a seconda della loro dimensione:</a:t>
+            </a:r>
+          </a:p>
+          <a:p>
+            <a:pPr>
+              <a:buFont typeface="Wingdings" panose="05000000000000000000" pitchFamily="2" charset="2"/>
+              <a:buChar char="§"/>
+            </a:pPr>
+            <a:r>
+              <a:rPr lang="it-IT" sz="2400" dirty="0">
+                <a:solidFill>
+                  <a:schemeClr val="accent2">
+                    <a:lumMod val="50000"/>
+                  </a:schemeClr>
+                </a:solidFill>
+              </a:rPr>
+              <a:t>Per i blocchi normali, (d-&gt;lock) viene acquisito per garantire la corretta sincronizzazione con altri </a:t>
+            </a:r>
+            <a:r>
+              <a:rPr lang="it-IT" sz="2400" dirty="0" err="1">
+                <a:solidFill>
+                  <a:schemeClr val="accent2">
+                    <a:lumMod val="50000"/>
+                  </a:schemeClr>
+                </a:solidFill>
+              </a:rPr>
+              <a:t>thread</a:t>
+            </a:r>
+            <a:r>
+              <a:rPr lang="it-IT" sz="2400" dirty="0">
+                <a:solidFill>
+                  <a:schemeClr val="accent2">
+                    <a:lumMod val="50000"/>
+                  </a:schemeClr>
+                </a:solidFill>
+              </a:rPr>
+              <a:t> che accedono allo stesso descrittore. Il blocco viene aggiunto alla lista libera associata al </a:t>
+            </a:r>
+            <a:r>
+              <a:rPr lang="it-IT" sz="2400" dirty="0" err="1">
+                <a:solidFill>
+                  <a:schemeClr val="accent2">
+                    <a:lumMod val="50000"/>
+                  </a:schemeClr>
+                </a:solidFill>
+              </a:rPr>
+              <a:t>descrittore.Se</a:t>
+            </a:r>
+            <a:r>
+              <a:rPr lang="it-IT" sz="2400" dirty="0">
+                <a:solidFill>
+                  <a:schemeClr val="accent2">
+                    <a:lumMod val="50000"/>
+                  </a:schemeClr>
+                </a:solidFill>
+              </a:rPr>
+              <a:t> l'intera arena è inutilizzata (tutti i blocchi sono liberi), l'arena viene liberata.</a:t>
+            </a:r>
+          </a:p>
+          <a:p>
+            <a:pPr>
+              <a:buFont typeface="Wingdings" panose="05000000000000000000" pitchFamily="2" charset="2"/>
+              <a:buChar char="§"/>
+            </a:pPr>
+            <a:r>
+              <a:rPr lang="it-IT" sz="2400" dirty="0">
+                <a:solidFill>
+                  <a:schemeClr val="accent2">
+                    <a:lumMod val="50000"/>
+                  </a:schemeClr>
+                </a:solidFill>
+              </a:rPr>
+              <a:t>Per i blocchi grandi, dal momento che essi corrispondono esattamente  a multipli di pagina (compreso overhead) viene direttamente chiamata la funzione del PAGE ALLOCATOR </a:t>
+            </a:r>
+            <a:r>
+              <a:rPr lang="it-IT" sz="2400" dirty="0" err="1">
+                <a:solidFill>
+                  <a:schemeClr val="accent2">
+                    <a:lumMod val="50000"/>
+                  </a:schemeClr>
+                </a:solidFill>
+              </a:rPr>
+              <a:t>palloc_free_multiple</a:t>
+            </a:r>
+            <a:r>
+              <a:rPr lang="it-IT" sz="2400" dirty="0">
+                <a:solidFill>
+                  <a:schemeClr val="accent2">
+                    <a:lumMod val="50000"/>
+                  </a:schemeClr>
+                </a:solidFill>
+              </a:rPr>
+              <a:t>()</a:t>
+            </a:r>
+          </a:p>
+          <a:p>
+            <a:pPr marL="0" indent="0">
+              <a:buNone/>
+            </a:pPr>
+            <a:endParaRPr lang="it-IT" sz="2400" dirty="0">
+              <a:solidFill>
+                <a:schemeClr val="accent2">
+                  <a:lumMod val="50000"/>
+                </a:schemeClr>
+              </a:solidFill>
+            </a:endParaRPr>
+          </a:p>
+          <a:p>
+            <a:pPr marL="0" indent="0">
+              <a:buNone/>
+            </a:pPr>
+            <a:endParaRPr lang="it-IT" sz="2400" dirty="0">
+              <a:solidFill>
+                <a:schemeClr val="accent2">
+                  <a:lumMod val="50000"/>
+                </a:schemeClr>
+              </a:solidFill>
+            </a:endParaRPr>
+          </a:p>
+          <a:p>
+            <a:pPr marL="0" indent="0">
+              <a:buNone/>
+            </a:pPr>
+            <a:endParaRPr lang="it-IT" sz="2400" i="1" dirty="0">
+              <a:solidFill>
+                <a:schemeClr val="accent2">
+                  <a:lumMod val="50000"/>
+                </a:schemeClr>
+              </a:solidFill>
+            </a:endParaRPr>
+          </a:p>
+          <a:p>
+            <a:pPr marL="0" indent="0">
+              <a:buNone/>
+            </a:pPr>
+            <a:endParaRPr lang="it-IT" sz="2400" i="1" dirty="0">
+              <a:solidFill>
+                <a:schemeClr val="accent2">
+                  <a:lumMod val="50000"/>
+                </a:schemeClr>
+              </a:solidFill>
+            </a:endParaRPr>
+          </a:p>
+        </p:txBody>
+      </p:sp>
+      <p:sp>
+        <p:nvSpPr>
+          <p:cNvPr id="5" name="Segnaposto contenuto 2">
+            <a:extLst>
+              <a:ext uri="{FF2B5EF4-FFF2-40B4-BE49-F238E27FC236}">
+                <a16:creationId xmlns:a16="http://schemas.microsoft.com/office/drawing/2014/main" id="{6C18DDF8-D23C-B03C-1187-2167892791D1}"/>
+              </a:ext>
+            </a:extLst>
+          </p:cNvPr>
+          <p:cNvSpPr txBox="1">
+            <a:spLocks/>
+          </p:cNvSpPr>
+          <p:nvPr/>
+        </p:nvSpPr>
+        <p:spPr>
+          <a:xfrm>
+            <a:off x="404028" y="3004909"/>
+            <a:ext cx="11029615" cy="1784657"/>
+          </a:xfrm>
+          <a:prstGeom prst="rect">
+            <a:avLst/>
+          </a:prstGeom>
+        </p:spPr>
+        <p:txBody>
+          <a:bodyPr vert="horz" lIns="91440" tIns="45720" rIns="91440" bIns="45720" rtlCol="0" anchor="ctr">
+            <a:normAutofit/>
+          </a:bodyPr>
+          <a:lstStyle>
+            <a:lvl1pPr marL="306000" indent="-306000" algn="l" defTabSz="457200" rtl="0" eaLnBrk="1" latinLnBrk="0" hangingPunct="1">
+              <a:spcBef>
+                <a:spcPct val="20000"/>
+              </a:spcBef>
+              <a:spcAft>
+                <a:spcPts val="600"/>
+              </a:spcAft>
+              <a:buClr>
+                <a:schemeClr val="accent2"/>
+              </a:buClr>
+              <a:buSzPct val="92000"/>
+              <a:buFont typeface="Wingdings 2" panose="05020102010507070707" pitchFamily="18" charset="2"/>
+              <a:buChar char=""/>
+              <a:defRPr sz="1800" kern="1200">
+                <a:solidFill>
+                  <a:schemeClr val="tx2"/>
+                </a:solidFill>
+                <a:latin typeface="+mn-lt"/>
+                <a:ea typeface="+mn-ea"/>
+                <a:cs typeface="+mn-cs"/>
+              </a:defRPr>
+            </a:lvl1pPr>
+            <a:lvl2pPr marL="630000" indent="-306000" algn="l" defTabSz="457200" rtl="0" eaLnBrk="1" latinLnBrk="0" hangingPunct="1">
+              <a:spcBef>
+                <a:spcPct val="20000"/>
+              </a:spcBef>
+              <a:spcAft>
+                <a:spcPts val="600"/>
+              </a:spcAft>
+              <a:buClr>
+                <a:schemeClr val="accent2"/>
+              </a:buClr>
+              <a:buSzPct val="92000"/>
+              <a:buFont typeface="Wingdings 2" panose="05020102010507070707" pitchFamily="18" charset="2"/>
+              <a:buChar char=""/>
+              <a:defRPr sz="1600" kern="1200">
+                <a:solidFill>
+                  <a:schemeClr val="tx2"/>
+                </a:solidFill>
+                <a:latin typeface="+mn-lt"/>
+                <a:ea typeface="+mn-ea"/>
+                <a:cs typeface="+mn-cs"/>
+              </a:defRPr>
+            </a:lvl2pPr>
+            <a:lvl3pPr marL="900000" indent="-270000" algn="l" defTabSz="457200" rtl="0" eaLnBrk="1" latinLnBrk="0" hangingPunct="1">
+              <a:spcBef>
+                <a:spcPct val="20000"/>
+              </a:spcBef>
+              <a:spcAft>
+                <a:spcPts val="600"/>
+              </a:spcAft>
+              <a:buClr>
+                <a:schemeClr val="accent2"/>
+              </a:buClr>
+              <a:buSzPct val="92000"/>
+              <a:buFont typeface="Wingdings 2" panose="05020102010507070707" pitchFamily="18" charset="2"/>
+              <a:buChar char=""/>
+              <a:defRPr sz="1400" kern="1200">
+                <a:solidFill>
+                  <a:schemeClr val="tx2"/>
+                </a:solidFill>
+                <a:latin typeface="+mn-lt"/>
+                <a:ea typeface="+mn-ea"/>
+                <a:cs typeface="+mn-cs"/>
+              </a:defRPr>
+            </a:lvl3pPr>
+            <a:lvl4pPr marL="1242000" indent="-234000" algn="l" defTabSz="457200" rtl="0" eaLnBrk="1" latinLnBrk="0" hangingPunct="1">
+              <a:spcBef>
+                <a:spcPct val="20000"/>
+              </a:spcBef>
+              <a:spcAft>
+                <a:spcPts val="600"/>
+              </a:spcAft>
+              <a:buClr>
+                <a:schemeClr val="accent2"/>
+              </a:buClr>
+              <a:buSzPct val="92000"/>
+              <a:buFont typeface="Wingdings 2" panose="05020102010507070707" pitchFamily="18" charset="2"/>
+              <a:buChar char=""/>
+              <a:defRPr sz="1200" kern="1200">
+                <a:solidFill>
+                  <a:schemeClr val="tx2"/>
+                </a:solidFill>
+                <a:latin typeface="+mn-lt"/>
+                <a:ea typeface="+mn-ea"/>
+                <a:cs typeface="+mn-cs"/>
+              </a:defRPr>
+            </a:lvl4pPr>
+            <a:lvl5pPr marL="1602000" indent="-234000" algn="l" defTabSz="457200" rtl="0" eaLnBrk="1" latinLnBrk="0" hangingPunct="1">
+              <a:spcBef>
+                <a:spcPct val="20000"/>
+              </a:spcBef>
+              <a:spcAft>
+                <a:spcPts val="600"/>
+              </a:spcAft>
+              <a:buClr>
+                <a:schemeClr val="accent2"/>
+              </a:buClr>
+              <a:buSzPct val="92000"/>
+              <a:buFont typeface="Wingdings 2" panose="05020102010507070707" pitchFamily="18" charset="2"/>
+              <a:buChar char=""/>
+              <a:defRPr sz="1200" kern="1200">
+                <a:solidFill>
+                  <a:schemeClr val="tx2"/>
+                </a:solidFill>
+                <a:latin typeface="+mn-lt"/>
+                <a:ea typeface="+mn-ea"/>
+                <a:cs typeface="+mn-cs"/>
+              </a:defRPr>
+            </a:lvl5pPr>
+            <a:lvl6pPr marL="1900000" indent="-228600" algn="l" defTabSz="457200" rtl="0" eaLnBrk="1" latinLnBrk="0" hangingPunct="1">
+              <a:spcBef>
+                <a:spcPct val="20000"/>
+              </a:spcBef>
+              <a:spcAft>
+                <a:spcPts val="600"/>
+              </a:spcAft>
+              <a:buClr>
+                <a:schemeClr val="accent2"/>
+              </a:buClr>
+              <a:buSzPct val="92000"/>
+              <a:buFont typeface="Wingdings 2" panose="05020102010507070707" pitchFamily="18" charset="2"/>
+              <a:buChar char=""/>
+              <a:defRPr sz="1200" kern="1200">
+                <a:solidFill>
+                  <a:schemeClr val="tx2"/>
+                </a:solidFill>
+                <a:latin typeface="+mn-lt"/>
+                <a:ea typeface="+mn-ea"/>
+                <a:cs typeface="+mn-cs"/>
+              </a:defRPr>
+            </a:lvl6pPr>
+            <a:lvl7pPr marL="2200000" indent="-228600" algn="l" defTabSz="457200" rtl="0" eaLnBrk="1" latinLnBrk="0" hangingPunct="1">
+              <a:spcBef>
+                <a:spcPct val="20000"/>
+              </a:spcBef>
+              <a:spcAft>
+                <a:spcPts val="600"/>
+              </a:spcAft>
+              <a:buClr>
+                <a:schemeClr val="accent2"/>
+              </a:buClr>
+              <a:buSzPct val="92000"/>
+              <a:buFont typeface="Wingdings 2" panose="05020102010507070707" pitchFamily="18" charset="2"/>
+              <a:buChar char=""/>
+              <a:defRPr sz="1200" kern="1200">
+                <a:solidFill>
+                  <a:schemeClr val="tx2"/>
+                </a:solidFill>
+                <a:latin typeface="+mn-lt"/>
+                <a:ea typeface="+mn-ea"/>
+                <a:cs typeface="+mn-cs"/>
+              </a:defRPr>
+            </a:lvl7pPr>
+            <a:lvl8pPr marL="2500000" indent="-228600" algn="l" defTabSz="457200" rtl="0" eaLnBrk="1" latinLnBrk="0" hangingPunct="1">
+              <a:spcBef>
+                <a:spcPct val="20000"/>
+              </a:spcBef>
+              <a:spcAft>
+                <a:spcPts val="600"/>
+              </a:spcAft>
+              <a:buClr>
+                <a:schemeClr val="accent2"/>
+              </a:buClr>
+              <a:buSzPct val="92000"/>
+              <a:buFont typeface="Wingdings 2" panose="05020102010507070707" pitchFamily="18" charset="2"/>
+              <a:buChar char=""/>
+              <a:defRPr sz="1200" kern="1200">
+                <a:solidFill>
+                  <a:schemeClr val="tx2"/>
+                </a:solidFill>
+                <a:latin typeface="+mn-lt"/>
+                <a:ea typeface="+mn-ea"/>
+                <a:cs typeface="+mn-cs"/>
+              </a:defRPr>
+            </a:lvl8pPr>
+            <a:lvl9pPr marL="2800000" indent="-228600" algn="l" defTabSz="457200" rtl="0" eaLnBrk="1" latinLnBrk="0" hangingPunct="1">
+              <a:spcBef>
+                <a:spcPct val="20000"/>
+              </a:spcBef>
+              <a:spcAft>
+                <a:spcPts val="600"/>
+              </a:spcAft>
+              <a:buClr>
+                <a:schemeClr val="accent2"/>
+              </a:buClr>
+              <a:buSzPct val="92000"/>
+              <a:buFont typeface="Wingdings 2" panose="05020102010507070707" pitchFamily="18" charset="2"/>
+              <a:buChar char=""/>
+              <a:defRPr sz="1200" kern="1200">
+                <a:solidFill>
+                  <a:schemeClr val="tx2"/>
+                </a:solidFill>
+                <a:latin typeface="+mn-lt"/>
+                <a:ea typeface="+mn-ea"/>
+                <a:cs typeface="+mn-cs"/>
+              </a:defRPr>
+            </a:lvl9pPr>
+          </a:lstStyle>
+          <a:p>
+            <a:endParaRPr lang="it-IT" sz="2400" dirty="0">
+              <a:solidFill>
+                <a:schemeClr val="accent6"/>
+              </a:solidFill>
+            </a:endParaRPr>
+          </a:p>
+        </p:txBody>
+      </p:sp>
+    </p:spTree>
+    <p:extLst>
+      <p:ext uri="{BB962C8B-B14F-4D97-AF65-F5344CB8AC3E}">
+        <p14:creationId xmlns:p14="http://schemas.microsoft.com/office/powerpoint/2010/main" val="1038268293"/>
+      </p:ext>
+    </p:extLst>
+  </p:cSld>
+  <p:clrMapOvr>
+    <a:masterClrMapping/>
+  </p:clrMapOvr>
+</p:sld>
+</file>
+
 <file path=ppt/slides/slide2.xml><?xml version="1.0" encoding="utf-8"?>
 <p:sld xmlns:a="http://schemas.openxmlformats.org/drawingml/2006/main" xmlns:r="http://schemas.openxmlformats.org/officeDocument/2006/relationships" xmlns:p="http://schemas.openxmlformats.org/presentationml/2006/main">
   <p:cSld>
@@ -7394,6 +11012,2572 @@
     <p:extLst>
       <p:ext uri="{BB962C8B-B14F-4D97-AF65-F5344CB8AC3E}">
         <p14:creationId xmlns:p14="http://schemas.microsoft.com/office/powerpoint/2010/main" val="2758099947"/>
+      </p:ext>
+    </p:extLst>
+  </p:cSld>
+  <p:clrMapOvr>
+    <a:masterClrMapping/>
+  </p:clrMapOvr>
+</p:sld>
+</file>
+
+<file path=ppt/slides/slide6.xml><?xml version="1.0" encoding="utf-8"?>
+<p:sld xmlns:a="http://schemas.openxmlformats.org/drawingml/2006/main" xmlns:r="http://schemas.openxmlformats.org/officeDocument/2006/relationships" xmlns:p="http://schemas.openxmlformats.org/presentationml/2006/main">
+  <p:cSld>
+    <p:bg>
+      <p:bgPr>
+        <a:solidFill>
+          <a:schemeClr val="bg2"/>
+        </a:solidFill>
+        <a:effectLst/>
+      </p:bgPr>
+    </p:bg>
+    <p:spTree>
+      <p:nvGrpSpPr>
+        <p:cNvPr id="1" name=""/>
+        <p:cNvGrpSpPr/>
+        <p:nvPr/>
+      </p:nvGrpSpPr>
+      <p:grpSpPr>
+        <a:xfrm>
+          <a:off x="0" y="0"/>
+          <a:ext cx="0" cy="0"/>
+          <a:chOff x="0" y="0"/>
+          <a:chExt cx="0" cy="0"/>
+        </a:xfrm>
+      </p:grpSpPr>
+      <p:sp>
+        <p:nvSpPr>
+          <p:cNvPr id="8" name="Rectangle 7">
+            <a:extLst>
+              <a:ext uri="{FF2B5EF4-FFF2-40B4-BE49-F238E27FC236}">
+                <a16:creationId xmlns:a16="http://schemas.microsoft.com/office/drawing/2014/main" id="{D70130DC-F780-43D2-B26A-92EACD78951B}"/>
+              </a:ext>
+              <a:ext uri="{C183D7F6-B498-43B3-948B-1728B52AA6E4}">
+                <adec:decorative xmlns:adec="http://schemas.microsoft.com/office/drawing/2017/decorative" val="1"/>
+              </a:ext>
+            </a:extLst>
+          </p:cNvPr>
+          <p:cNvSpPr>
+            <a:spLocks noGrp="1" noRot="1" noChangeAspect="1" noMove="1" noResize="1" noEditPoints="1" noAdjustHandles="1" noChangeArrowheads="1" noChangeShapeType="1" noTextEdit="1"/>
+          </p:cNvSpPr>
+          <p:nvPr>
+            <p:extLst>
+              <p:ext uri="{386F3935-93C4-4BCD-93E2-E3B085C9AB24}">
+                <p16:designElem xmlns:p16="http://schemas.microsoft.com/office/powerpoint/2015/main" val="1"/>
+              </p:ext>
+            </p:extLst>
+          </p:nvPr>
+        </p:nvSpPr>
+        <p:spPr>
+          <a:xfrm>
+            <a:off x="0" y="0"/>
+            <a:ext cx="12192000" cy="6858000"/>
+          </a:xfrm>
+          <a:prstGeom prst="rect">
+            <a:avLst/>
+          </a:prstGeom>
+          <a:solidFill>
+            <a:srgbClr val="E4E4E4"/>
+          </a:solidFill>
+          <a:ln>
+            <a:noFill/>
+          </a:ln>
+        </p:spPr>
+        <p:style>
+          <a:lnRef idx="2">
+            <a:schemeClr val="accent1">
+              <a:shade val="50000"/>
+            </a:schemeClr>
+          </a:lnRef>
+          <a:fillRef idx="1">
+            <a:schemeClr val="accent1"/>
+          </a:fillRef>
+          <a:effectRef idx="0">
+            <a:schemeClr val="accent1"/>
+          </a:effectRef>
+          <a:fontRef idx="minor">
+            <a:schemeClr val="lt1"/>
+          </a:fontRef>
+        </p:style>
+        <p:txBody>
+          <a:bodyPr rtlCol="0" anchor="ctr"/>
+          <a:lstStyle/>
+          <a:p>
+            <a:pPr algn="ctr"/>
+            <a:endParaRPr lang="en-US"/>
+          </a:p>
+        </p:txBody>
+      </p:sp>
+      <p:sp>
+        <p:nvSpPr>
+          <p:cNvPr id="2" name="Titolo 1">
+            <a:extLst>
+              <a:ext uri="{FF2B5EF4-FFF2-40B4-BE49-F238E27FC236}">
+                <a16:creationId xmlns:a16="http://schemas.microsoft.com/office/drawing/2014/main" id="{D2D684BA-49BE-8A04-1C57-EDA155EDC4D0}"/>
+              </a:ext>
+            </a:extLst>
+          </p:cNvPr>
+          <p:cNvSpPr>
+            <a:spLocks noGrp="1"/>
+          </p:cNvSpPr>
+          <p:nvPr>
+            <p:ph type="title"/>
+          </p:nvPr>
+        </p:nvSpPr>
+        <p:spPr>
+          <a:xfrm>
+            <a:off x="581192" y="641653"/>
+            <a:ext cx="11029616" cy="1095560"/>
+          </a:xfrm>
+        </p:spPr>
+        <p:txBody>
+          <a:bodyPr anchor="t">
+            <a:normAutofit/>
+          </a:bodyPr>
+          <a:lstStyle/>
+          <a:p>
+            <a:r>
+              <a:rPr lang="it-IT">
+                <a:solidFill>
+                  <a:schemeClr val="accent2"/>
+                </a:solidFill>
+              </a:rPr>
+              <a:t>PINTOS – page allocator – metodi coinvolti</a:t>
+            </a:r>
+            <a:endParaRPr lang="it-IT" dirty="0">
+              <a:solidFill>
+                <a:schemeClr val="accent2"/>
+              </a:solidFill>
+            </a:endParaRPr>
+          </a:p>
+        </p:txBody>
+      </p:sp>
+      <p:sp>
+        <p:nvSpPr>
+          <p:cNvPr id="10" name="Rectangle 9">
+            <a:extLst>
+              <a:ext uri="{FF2B5EF4-FFF2-40B4-BE49-F238E27FC236}">
+                <a16:creationId xmlns:a16="http://schemas.microsoft.com/office/drawing/2014/main" id="{17676E0E-5B44-4166-8EDD-CFDBAC622C26}"/>
+              </a:ext>
+              <a:ext uri="{C183D7F6-B498-43B3-948B-1728B52AA6E4}">
+                <adec:decorative xmlns:adec="http://schemas.microsoft.com/office/drawing/2017/decorative" val="1"/>
+              </a:ext>
+            </a:extLst>
+          </p:cNvPr>
+          <p:cNvSpPr>
+            <a:spLocks noGrp="1" noRot="1" noChangeAspect="1" noMove="1" noResize="1" noEditPoints="1" noAdjustHandles="1" noChangeArrowheads="1" noChangeShapeType="1" noTextEdit="1"/>
+          </p:cNvSpPr>
+          <p:nvPr>
+            <p:extLst>
+              <p:ext uri="{386F3935-93C4-4BCD-93E2-E3B085C9AB24}">
+                <p16:designElem xmlns:p16="http://schemas.microsoft.com/office/powerpoint/2015/main" val="1"/>
+              </p:ext>
+            </p:extLst>
+          </p:nvPr>
+        </p:nvSpPr>
+        <p:spPr>
+          <a:xfrm>
+            <a:off x="446533" y="457201"/>
+            <a:ext cx="11298933" cy="91440"/>
+          </a:xfrm>
+          <a:prstGeom prst="rect">
+            <a:avLst/>
+          </a:prstGeom>
+          <a:solidFill>
+            <a:schemeClr val="accent1"/>
+          </a:solidFill>
+          <a:ln>
+            <a:noFill/>
+          </a:ln>
+          <a:effectLst/>
+        </p:spPr>
+        <p:style>
+          <a:lnRef idx="1">
+            <a:schemeClr val="accent1"/>
+          </a:lnRef>
+          <a:fillRef idx="3">
+            <a:schemeClr val="accent1"/>
+          </a:fillRef>
+          <a:effectRef idx="2">
+            <a:schemeClr val="accent1"/>
+          </a:effectRef>
+          <a:fontRef idx="minor">
+            <a:schemeClr val="lt1"/>
+          </a:fontRef>
+        </p:style>
+        <p:txBody>
+          <a:bodyPr/>
+          <a:lstStyle/>
+          <a:p>
+            <a:endParaRPr lang="it-IT"/>
+          </a:p>
+        </p:txBody>
+      </p:sp>
+      <p:sp>
+        <p:nvSpPr>
+          <p:cNvPr id="3" name="Segnaposto contenuto 2">
+            <a:extLst>
+              <a:ext uri="{FF2B5EF4-FFF2-40B4-BE49-F238E27FC236}">
+                <a16:creationId xmlns:a16="http://schemas.microsoft.com/office/drawing/2014/main" id="{ADB966D1-6934-2445-AEE9-C05CFEB1C416}"/>
+              </a:ext>
+            </a:extLst>
+          </p:cNvPr>
+          <p:cNvSpPr>
+            <a:spLocks noGrp="1"/>
+          </p:cNvSpPr>
+          <p:nvPr>
+            <p:ph idx="1"/>
+          </p:nvPr>
+        </p:nvSpPr>
+        <p:spPr>
+          <a:xfrm>
+            <a:off x="446533" y="1126815"/>
+            <a:ext cx="11029615" cy="1784657"/>
+          </a:xfrm>
+        </p:spPr>
+        <p:txBody>
+          <a:bodyPr>
+            <a:normAutofit/>
+          </a:bodyPr>
+          <a:lstStyle/>
+          <a:p>
+            <a:pPr algn="just"/>
+            <a:r>
+              <a:rPr lang="en-US" sz="1800" dirty="0">
+                <a:solidFill>
+                  <a:schemeClr val="accent6">
+                    <a:lumMod val="75000"/>
+                  </a:schemeClr>
+                </a:solidFill>
+                <a:effectLst/>
+                <a:latin typeface="Times New Roman" panose="02020603050405020304" pitchFamily="18" charset="0"/>
+                <a:ea typeface="Calibri" panose="020F0502020204030204" pitchFamily="34" charset="0"/>
+                <a:cs typeface="Times New Roman" panose="02020603050405020304" pitchFamily="18" charset="0"/>
+              </a:rPr>
+              <a:t>File: </a:t>
+            </a:r>
+            <a:r>
+              <a:rPr lang="en-US" sz="1800" dirty="0" err="1">
+                <a:solidFill>
+                  <a:schemeClr val="accent6">
+                    <a:lumMod val="75000"/>
+                  </a:schemeClr>
+                </a:solidFill>
+                <a:effectLst/>
+                <a:latin typeface="Times New Roman" panose="02020603050405020304" pitchFamily="18" charset="0"/>
+                <a:ea typeface="Calibri" panose="020F0502020204030204" pitchFamily="34" charset="0"/>
+                <a:cs typeface="Times New Roman" panose="02020603050405020304" pitchFamily="18" charset="0"/>
+              </a:rPr>
+              <a:t>bitmap.c</a:t>
+            </a:r>
+            <a:endParaRPr lang="en-US" sz="1800" dirty="0">
+              <a:solidFill>
+                <a:schemeClr val="accent6">
+                  <a:lumMod val="75000"/>
+                </a:schemeClr>
+              </a:solidFill>
+              <a:effectLst/>
+              <a:latin typeface="Times New Roman" panose="02020603050405020304" pitchFamily="18" charset="0"/>
+              <a:ea typeface="Calibri" panose="020F0502020204030204" pitchFamily="34" charset="0"/>
+              <a:cs typeface="Times New Roman" panose="02020603050405020304" pitchFamily="18" charset="0"/>
+            </a:endParaRPr>
+          </a:p>
+          <a:p>
+            <a:pPr algn="just"/>
+            <a:r>
+              <a:rPr lang="en-US" dirty="0" err="1">
+                <a:solidFill>
+                  <a:schemeClr val="accent6">
+                    <a:lumMod val="75000"/>
+                  </a:schemeClr>
+                </a:solidFill>
+                <a:latin typeface="Times New Roman" panose="02020603050405020304" pitchFamily="18" charset="0"/>
+                <a:ea typeface="Calibri" panose="020F0502020204030204" pitchFamily="34" charset="0"/>
+                <a:cs typeface="Times New Roman" panose="02020603050405020304" pitchFamily="18" charset="0"/>
+              </a:rPr>
+              <a:t>s</a:t>
+            </a:r>
+            <a:r>
+              <a:rPr lang="en-US" sz="1800" dirty="0" err="1">
+                <a:solidFill>
+                  <a:schemeClr val="accent6">
+                    <a:lumMod val="75000"/>
+                  </a:schemeClr>
+                </a:solidFill>
+                <a:effectLst/>
+                <a:latin typeface="Times New Roman" panose="02020603050405020304" pitchFamily="18" charset="0"/>
+                <a:ea typeface="Calibri" panose="020F0502020204030204" pitchFamily="34" charset="0"/>
+                <a:cs typeface="Times New Roman" panose="02020603050405020304" pitchFamily="18" charset="0"/>
+              </a:rPr>
+              <a:t>ize_t</a:t>
+            </a:r>
+            <a:r>
+              <a:rPr lang="en-US" sz="1800" dirty="0">
+                <a:solidFill>
+                  <a:schemeClr val="accent6">
+                    <a:lumMod val="75000"/>
+                  </a:schemeClr>
+                </a:solidFill>
+                <a:effectLst/>
+                <a:latin typeface="Times New Roman" panose="02020603050405020304" pitchFamily="18" charset="0"/>
+                <a:ea typeface="Calibri" panose="020F0502020204030204" pitchFamily="34" charset="0"/>
+                <a:cs typeface="Times New Roman" panose="02020603050405020304" pitchFamily="18" charset="0"/>
+              </a:rPr>
+              <a:t> </a:t>
+            </a:r>
+            <a:r>
+              <a:rPr lang="en-US" sz="1800" dirty="0" err="1">
+                <a:solidFill>
+                  <a:schemeClr val="accent6">
+                    <a:lumMod val="75000"/>
+                  </a:schemeClr>
+                </a:solidFill>
+                <a:effectLst/>
+                <a:latin typeface="Times New Roman" panose="02020603050405020304" pitchFamily="18" charset="0"/>
+                <a:ea typeface="Calibri" panose="020F0502020204030204" pitchFamily="34" charset="0"/>
+                <a:cs typeface="Times New Roman" panose="02020603050405020304" pitchFamily="18" charset="0"/>
+              </a:rPr>
+              <a:t>bitmap_scan</a:t>
+            </a:r>
+            <a:r>
+              <a:rPr lang="en-US" sz="1800" dirty="0">
+                <a:solidFill>
+                  <a:schemeClr val="accent6">
+                    <a:lumMod val="75000"/>
+                  </a:schemeClr>
+                </a:solidFill>
+                <a:effectLst/>
+                <a:latin typeface="Times New Roman" panose="02020603050405020304" pitchFamily="18" charset="0"/>
+                <a:ea typeface="Calibri" panose="020F0502020204030204" pitchFamily="34" charset="0"/>
+                <a:cs typeface="Times New Roman" panose="02020603050405020304" pitchFamily="18" charset="0"/>
+              </a:rPr>
+              <a:t> (const struct bitmap *, </a:t>
+            </a:r>
+            <a:r>
+              <a:rPr lang="en-US" sz="1800" dirty="0" err="1">
+                <a:solidFill>
+                  <a:schemeClr val="accent6">
+                    <a:lumMod val="75000"/>
+                  </a:schemeClr>
+                </a:solidFill>
+                <a:effectLst/>
+                <a:latin typeface="Times New Roman" panose="02020603050405020304" pitchFamily="18" charset="0"/>
+                <a:ea typeface="Calibri" panose="020F0502020204030204" pitchFamily="34" charset="0"/>
+                <a:cs typeface="Times New Roman" panose="02020603050405020304" pitchFamily="18" charset="0"/>
+              </a:rPr>
+              <a:t>size_t</a:t>
+            </a:r>
+            <a:r>
+              <a:rPr lang="en-US" sz="1800" dirty="0">
+                <a:solidFill>
+                  <a:schemeClr val="accent6">
+                    <a:lumMod val="75000"/>
+                  </a:schemeClr>
+                </a:solidFill>
+                <a:effectLst/>
+                <a:latin typeface="Times New Roman" panose="02020603050405020304" pitchFamily="18" charset="0"/>
+                <a:ea typeface="Calibri" panose="020F0502020204030204" pitchFamily="34" charset="0"/>
+                <a:cs typeface="Times New Roman" panose="02020603050405020304" pitchFamily="18" charset="0"/>
+              </a:rPr>
+              <a:t> start, </a:t>
+            </a:r>
+            <a:r>
+              <a:rPr lang="en-US" sz="1800" dirty="0" err="1">
+                <a:solidFill>
+                  <a:schemeClr val="accent6">
+                    <a:lumMod val="75000"/>
+                  </a:schemeClr>
+                </a:solidFill>
+                <a:effectLst/>
+                <a:latin typeface="Times New Roman" panose="02020603050405020304" pitchFamily="18" charset="0"/>
+                <a:ea typeface="Calibri" panose="020F0502020204030204" pitchFamily="34" charset="0"/>
+                <a:cs typeface="Times New Roman" panose="02020603050405020304" pitchFamily="18" charset="0"/>
+              </a:rPr>
+              <a:t>size_t</a:t>
+            </a:r>
+            <a:r>
+              <a:rPr lang="en-US" sz="1800" dirty="0">
+                <a:solidFill>
+                  <a:schemeClr val="accent6">
+                    <a:lumMod val="75000"/>
+                  </a:schemeClr>
+                </a:solidFill>
+                <a:effectLst/>
+                <a:latin typeface="Times New Roman" panose="02020603050405020304" pitchFamily="18" charset="0"/>
+                <a:ea typeface="Calibri" panose="020F0502020204030204" pitchFamily="34" charset="0"/>
+                <a:cs typeface="Times New Roman" panose="02020603050405020304" pitchFamily="18" charset="0"/>
+              </a:rPr>
+              <a:t> </a:t>
+            </a:r>
+            <a:r>
+              <a:rPr lang="en-US" sz="1800" dirty="0" err="1">
+                <a:solidFill>
+                  <a:schemeClr val="accent6">
+                    <a:lumMod val="75000"/>
+                  </a:schemeClr>
+                </a:solidFill>
+                <a:effectLst/>
+                <a:latin typeface="Times New Roman" panose="02020603050405020304" pitchFamily="18" charset="0"/>
+                <a:ea typeface="Calibri" panose="020F0502020204030204" pitchFamily="34" charset="0"/>
+                <a:cs typeface="Times New Roman" panose="02020603050405020304" pitchFamily="18" charset="0"/>
+              </a:rPr>
+              <a:t>cnt</a:t>
+            </a:r>
+            <a:r>
+              <a:rPr lang="en-US" sz="1800" dirty="0">
+                <a:solidFill>
+                  <a:schemeClr val="accent6">
+                    <a:lumMod val="75000"/>
+                  </a:schemeClr>
+                </a:solidFill>
+                <a:effectLst/>
+                <a:latin typeface="Times New Roman" panose="02020603050405020304" pitchFamily="18" charset="0"/>
+                <a:ea typeface="Calibri" panose="020F0502020204030204" pitchFamily="34" charset="0"/>
+                <a:cs typeface="Times New Roman" panose="02020603050405020304" pitchFamily="18" charset="0"/>
+              </a:rPr>
+              <a:t>, bool);</a:t>
+            </a:r>
+          </a:p>
+          <a:p>
+            <a:pPr algn="just"/>
+            <a:r>
+              <a:rPr lang="en-US" sz="1800" dirty="0">
+                <a:solidFill>
+                  <a:schemeClr val="accent6">
+                    <a:lumMod val="75000"/>
+                  </a:schemeClr>
+                </a:solidFill>
+                <a:effectLst/>
+                <a:latin typeface="Times New Roman" panose="02020603050405020304" pitchFamily="18" charset="0"/>
+                <a:ea typeface="Calibri" panose="020F0502020204030204" pitchFamily="34" charset="0"/>
+                <a:cs typeface="Times New Roman" panose="02020603050405020304" pitchFamily="18" charset="0"/>
+              </a:rPr>
+              <a:t>Poli</a:t>
+            </a:r>
+            <a:r>
+              <a:rPr lang="en-US" dirty="0">
+                <a:solidFill>
+                  <a:schemeClr val="accent6">
+                    <a:lumMod val="75000"/>
+                  </a:schemeClr>
+                </a:solidFill>
+                <a:latin typeface="Times New Roman" panose="02020603050405020304" pitchFamily="18" charset="0"/>
+                <a:ea typeface="Calibri" panose="020F0502020204030204" pitchFamily="34" charset="0"/>
+                <a:cs typeface="Times New Roman" panose="02020603050405020304" pitchFamily="18" charset="0"/>
+              </a:rPr>
+              <a:t>cy: first fit</a:t>
+            </a:r>
+            <a:endParaRPr lang="en-US" sz="1800" dirty="0">
+              <a:solidFill>
+                <a:schemeClr val="accent6">
+                  <a:lumMod val="75000"/>
+                </a:schemeClr>
+              </a:solidFill>
+              <a:effectLst/>
+              <a:latin typeface="Times New Roman" panose="02020603050405020304" pitchFamily="18" charset="0"/>
+              <a:ea typeface="Calibri" panose="020F0502020204030204" pitchFamily="34" charset="0"/>
+              <a:cs typeface="Times New Roman" panose="02020603050405020304" pitchFamily="18" charset="0"/>
+            </a:endParaRPr>
+          </a:p>
+          <a:p>
+            <a:pPr algn="just"/>
+            <a:endParaRPr lang="en-US" sz="2400" dirty="0">
+              <a:solidFill>
+                <a:schemeClr val="accent2">
+                  <a:lumMod val="50000"/>
+                </a:schemeClr>
+              </a:solidFill>
+            </a:endParaRPr>
+          </a:p>
+        </p:txBody>
+      </p:sp>
+      <p:pic>
+        <p:nvPicPr>
+          <p:cNvPr id="18" name="Immagine 17">
+            <a:extLst>
+              <a:ext uri="{FF2B5EF4-FFF2-40B4-BE49-F238E27FC236}">
+                <a16:creationId xmlns:a16="http://schemas.microsoft.com/office/drawing/2014/main" id="{CDA3DD04-FE09-85D2-6528-29E79ED5D94D}"/>
+              </a:ext>
+            </a:extLst>
+          </p:cNvPr>
+          <p:cNvPicPr>
+            <a:picLocks noChangeAspect="1"/>
+          </p:cNvPicPr>
+          <p:nvPr/>
+        </p:nvPicPr>
+        <p:blipFill rotWithShape="1">
+          <a:blip r:embed="rId2"/>
+          <a:srcRect l="21240" t="44128" r="49420" b="25819"/>
+          <a:stretch/>
+        </p:blipFill>
+        <p:spPr>
+          <a:xfrm>
+            <a:off x="3214417" y="3041550"/>
+            <a:ext cx="5763163" cy="3174797"/>
+          </a:xfrm>
+          <a:prstGeom prst="rect">
+            <a:avLst/>
+          </a:prstGeom>
+        </p:spPr>
+      </p:pic>
+    </p:spTree>
+    <p:extLst>
+      <p:ext uri="{BB962C8B-B14F-4D97-AF65-F5344CB8AC3E}">
+        <p14:creationId xmlns:p14="http://schemas.microsoft.com/office/powerpoint/2010/main" val="3800828228"/>
+      </p:ext>
+    </p:extLst>
+  </p:cSld>
+  <p:clrMapOvr>
+    <a:masterClrMapping/>
+  </p:clrMapOvr>
+</p:sld>
+</file>
+
+<file path=ppt/slides/slide7.xml><?xml version="1.0" encoding="utf-8"?>
+<p:sld xmlns:a="http://schemas.openxmlformats.org/drawingml/2006/main" xmlns:r="http://schemas.openxmlformats.org/officeDocument/2006/relationships" xmlns:p="http://schemas.openxmlformats.org/presentationml/2006/main">
+  <p:cSld>
+    <p:bg>
+      <p:bgPr>
+        <a:solidFill>
+          <a:schemeClr val="bg2"/>
+        </a:solidFill>
+        <a:effectLst/>
+      </p:bgPr>
+    </p:bg>
+    <p:spTree>
+      <p:nvGrpSpPr>
+        <p:cNvPr id="1" name=""/>
+        <p:cNvGrpSpPr/>
+        <p:nvPr/>
+      </p:nvGrpSpPr>
+      <p:grpSpPr>
+        <a:xfrm>
+          <a:off x="0" y="0"/>
+          <a:ext cx="0" cy="0"/>
+          <a:chOff x="0" y="0"/>
+          <a:chExt cx="0" cy="0"/>
+        </a:xfrm>
+      </p:grpSpPr>
+      <p:sp>
+        <p:nvSpPr>
+          <p:cNvPr id="8" name="Rectangle 7">
+            <a:extLst>
+              <a:ext uri="{FF2B5EF4-FFF2-40B4-BE49-F238E27FC236}">
+                <a16:creationId xmlns:a16="http://schemas.microsoft.com/office/drawing/2014/main" id="{D70130DC-F780-43D2-B26A-92EACD78951B}"/>
+              </a:ext>
+              <a:ext uri="{C183D7F6-B498-43B3-948B-1728B52AA6E4}">
+                <adec:decorative xmlns:adec="http://schemas.microsoft.com/office/drawing/2017/decorative" val="1"/>
+              </a:ext>
+            </a:extLst>
+          </p:cNvPr>
+          <p:cNvSpPr>
+            <a:spLocks noGrp="1" noRot="1" noChangeAspect="1" noMove="1" noResize="1" noEditPoints="1" noAdjustHandles="1" noChangeArrowheads="1" noChangeShapeType="1" noTextEdit="1"/>
+          </p:cNvSpPr>
+          <p:nvPr>
+            <p:extLst>
+              <p:ext uri="{386F3935-93C4-4BCD-93E2-E3B085C9AB24}">
+                <p16:designElem xmlns:p16="http://schemas.microsoft.com/office/powerpoint/2015/main" val="1"/>
+              </p:ext>
+            </p:extLst>
+          </p:nvPr>
+        </p:nvSpPr>
+        <p:spPr>
+          <a:xfrm>
+            <a:off x="0" y="0"/>
+            <a:ext cx="12192000" cy="6858000"/>
+          </a:xfrm>
+          <a:prstGeom prst="rect">
+            <a:avLst/>
+          </a:prstGeom>
+          <a:solidFill>
+            <a:srgbClr val="E4E4E4"/>
+          </a:solidFill>
+          <a:ln>
+            <a:noFill/>
+          </a:ln>
+        </p:spPr>
+        <p:style>
+          <a:lnRef idx="2">
+            <a:schemeClr val="accent1">
+              <a:shade val="50000"/>
+            </a:schemeClr>
+          </a:lnRef>
+          <a:fillRef idx="1">
+            <a:schemeClr val="accent1"/>
+          </a:fillRef>
+          <a:effectRef idx="0">
+            <a:schemeClr val="accent1"/>
+          </a:effectRef>
+          <a:fontRef idx="minor">
+            <a:schemeClr val="lt1"/>
+          </a:fontRef>
+        </p:style>
+        <p:txBody>
+          <a:bodyPr rtlCol="0" anchor="ctr"/>
+          <a:lstStyle/>
+          <a:p>
+            <a:pPr algn="ctr"/>
+            <a:endParaRPr lang="en-US"/>
+          </a:p>
+        </p:txBody>
+      </p:sp>
+      <p:sp>
+        <p:nvSpPr>
+          <p:cNvPr id="2" name="Titolo 1">
+            <a:extLst>
+              <a:ext uri="{FF2B5EF4-FFF2-40B4-BE49-F238E27FC236}">
+                <a16:creationId xmlns:a16="http://schemas.microsoft.com/office/drawing/2014/main" id="{D2D684BA-49BE-8A04-1C57-EDA155EDC4D0}"/>
+              </a:ext>
+            </a:extLst>
+          </p:cNvPr>
+          <p:cNvSpPr>
+            <a:spLocks noGrp="1"/>
+          </p:cNvSpPr>
+          <p:nvPr>
+            <p:ph type="title"/>
+          </p:nvPr>
+        </p:nvSpPr>
+        <p:spPr>
+          <a:xfrm>
+            <a:off x="581192" y="641653"/>
+            <a:ext cx="11029616" cy="1095560"/>
+          </a:xfrm>
+        </p:spPr>
+        <p:txBody>
+          <a:bodyPr anchor="t">
+            <a:normAutofit/>
+          </a:bodyPr>
+          <a:lstStyle/>
+          <a:p>
+            <a:r>
+              <a:rPr lang="it-IT" dirty="0" err="1">
+                <a:solidFill>
+                  <a:schemeClr val="accent2"/>
+                </a:solidFill>
+              </a:rPr>
+              <a:t>Pintos</a:t>
+            </a:r>
+            <a:r>
+              <a:rPr lang="it-IT" dirty="0">
+                <a:solidFill>
+                  <a:schemeClr val="accent2"/>
+                </a:solidFill>
+              </a:rPr>
+              <a:t> - BLOCK </a:t>
+            </a:r>
+            <a:r>
+              <a:rPr lang="it-IT" dirty="0" err="1">
+                <a:solidFill>
+                  <a:schemeClr val="accent2"/>
+                </a:solidFill>
+              </a:rPr>
+              <a:t>Allocator</a:t>
+            </a:r>
+            <a:endParaRPr lang="it-IT" dirty="0">
+              <a:solidFill>
+                <a:schemeClr val="accent2"/>
+              </a:solidFill>
+            </a:endParaRPr>
+          </a:p>
+        </p:txBody>
+      </p:sp>
+      <p:sp>
+        <p:nvSpPr>
+          <p:cNvPr id="10" name="Rectangle 9">
+            <a:extLst>
+              <a:ext uri="{FF2B5EF4-FFF2-40B4-BE49-F238E27FC236}">
+                <a16:creationId xmlns:a16="http://schemas.microsoft.com/office/drawing/2014/main" id="{17676E0E-5B44-4166-8EDD-CFDBAC622C26}"/>
+              </a:ext>
+              <a:ext uri="{C183D7F6-B498-43B3-948B-1728B52AA6E4}">
+                <adec:decorative xmlns:adec="http://schemas.microsoft.com/office/drawing/2017/decorative" val="1"/>
+              </a:ext>
+            </a:extLst>
+          </p:cNvPr>
+          <p:cNvSpPr>
+            <a:spLocks noGrp="1" noRot="1" noChangeAspect="1" noMove="1" noResize="1" noEditPoints="1" noAdjustHandles="1" noChangeArrowheads="1" noChangeShapeType="1" noTextEdit="1"/>
+          </p:cNvSpPr>
+          <p:nvPr>
+            <p:extLst>
+              <p:ext uri="{386F3935-93C4-4BCD-93E2-E3B085C9AB24}">
+                <p16:designElem xmlns:p16="http://schemas.microsoft.com/office/powerpoint/2015/main" val="1"/>
+              </p:ext>
+            </p:extLst>
+          </p:nvPr>
+        </p:nvSpPr>
+        <p:spPr>
+          <a:xfrm>
+            <a:off x="446533" y="457201"/>
+            <a:ext cx="11298933" cy="91440"/>
+          </a:xfrm>
+          <a:prstGeom prst="rect">
+            <a:avLst/>
+          </a:prstGeom>
+          <a:solidFill>
+            <a:schemeClr val="accent1"/>
+          </a:solidFill>
+          <a:ln>
+            <a:noFill/>
+          </a:ln>
+          <a:effectLst/>
+        </p:spPr>
+        <p:style>
+          <a:lnRef idx="1">
+            <a:schemeClr val="accent1"/>
+          </a:lnRef>
+          <a:fillRef idx="3">
+            <a:schemeClr val="accent1"/>
+          </a:fillRef>
+          <a:effectRef idx="2">
+            <a:schemeClr val="accent1"/>
+          </a:effectRef>
+          <a:fontRef idx="minor">
+            <a:schemeClr val="lt1"/>
+          </a:fontRef>
+        </p:style>
+        <p:txBody>
+          <a:bodyPr/>
+          <a:lstStyle/>
+          <a:p>
+            <a:endParaRPr lang="it-IT"/>
+          </a:p>
+        </p:txBody>
+      </p:sp>
+      <p:sp>
+        <p:nvSpPr>
+          <p:cNvPr id="3" name="Segnaposto contenuto 2">
+            <a:extLst>
+              <a:ext uri="{FF2B5EF4-FFF2-40B4-BE49-F238E27FC236}">
+                <a16:creationId xmlns:a16="http://schemas.microsoft.com/office/drawing/2014/main" id="{ADB966D1-6934-2445-AEE9-C05CFEB1C416}"/>
+              </a:ext>
+            </a:extLst>
+          </p:cNvPr>
+          <p:cNvSpPr>
+            <a:spLocks noGrp="1"/>
+          </p:cNvSpPr>
+          <p:nvPr>
+            <p:ph idx="1"/>
+          </p:nvPr>
+        </p:nvSpPr>
+        <p:spPr>
+          <a:xfrm>
+            <a:off x="404031" y="1450426"/>
+            <a:ext cx="11029615" cy="1784657"/>
+          </a:xfrm>
+        </p:spPr>
+        <p:txBody>
+          <a:bodyPr>
+            <a:normAutofit fontScale="70000" lnSpcReduction="20000"/>
+          </a:bodyPr>
+          <a:lstStyle/>
+          <a:p>
+            <a:r>
+              <a:rPr lang="en-US" sz="2400" dirty="0">
+                <a:solidFill>
+                  <a:schemeClr val="accent2">
+                    <a:lumMod val="50000"/>
+                  </a:schemeClr>
+                </a:solidFill>
+              </a:rPr>
+              <a:t>File: threads/</a:t>
+            </a:r>
+            <a:r>
+              <a:rPr lang="en-US" sz="2400" dirty="0" err="1">
+                <a:solidFill>
+                  <a:schemeClr val="accent2">
+                    <a:lumMod val="50000"/>
+                  </a:schemeClr>
+                </a:solidFill>
+              </a:rPr>
+              <a:t>malloc.c</a:t>
+            </a:r>
+            <a:endParaRPr lang="en-US" sz="2400" dirty="0">
+              <a:solidFill>
+                <a:schemeClr val="accent2">
+                  <a:lumMod val="50000"/>
+                </a:schemeClr>
+              </a:solidFill>
+            </a:endParaRPr>
+          </a:p>
+          <a:p>
+            <a:r>
+              <a:rPr lang="it-IT" sz="2400" dirty="0">
+                <a:solidFill>
+                  <a:schemeClr val="accent2">
+                    <a:lumMod val="50000"/>
+                  </a:schemeClr>
+                </a:solidFill>
+              </a:rPr>
+              <a:t>Si sovrappone all'</a:t>
+            </a:r>
+            <a:r>
+              <a:rPr lang="it-IT" sz="2400" dirty="0" err="1">
+                <a:solidFill>
+                  <a:schemeClr val="accent2">
+                    <a:lumMod val="50000"/>
+                  </a:schemeClr>
+                </a:solidFill>
+              </a:rPr>
+              <a:t>allocatore</a:t>
+            </a:r>
+            <a:r>
+              <a:rPr lang="it-IT" sz="2400" dirty="0">
+                <a:solidFill>
+                  <a:schemeClr val="accent2">
+                    <a:lumMod val="50000"/>
+                  </a:schemeClr>
+                </a:solidFill>
+              </a:rPr>
+              <a:t> di pagine descritto nella sezione precedente. </a:t>
+            </a:r>
+          </a:p>
+          <a:p>
+            <a:r>
+              <a:rPr lang="en-US" sz="2400" dirty="0" err="1">
+                <a:solidFill>
+                  <a:schemeClr val="accent2">
+                    <a:lumMod val="50000"/>
+                  </a:schemeClr>
+                </a:solidFill>
+              </a:rPr>
+              <a:t>Può</a:t>
+            </a:r>
+            <a:r>
+              <a:rPr lang="en-US" sz="2400" dirty="0">
+                <a:solidFill>
+                  <a:schemeClr val="accent2">
+                    <a:lumMod val="50000"/>
+                  </a:schemeClr>
+                </a:solidFill>
+              </a:rPr>
+              <a:t> </a:t>
+            </a:r>
+            <a:r>
+              <a:rPr lang="en-US" sz="2400" dirty="0" err="1">
+                <a:solidFill>
+                  <a:schemeClr val="accent2">
+                    <a:lumMod val="50000"/>
+                  </a:schemeClr>
+                </a:solidFill>
+              </a:rPr>
+              <a:t>essere</a:t>
+            </a:r>
+            <a:r>
+              <a:rPr lang="en-US" sz="2400" dirty="0">
+                <a:solidFill>
+                  <a:schemeClr val="accent2">
+                    <a:lumMod val="50000"/>
+                  </a:schemeClr>
+                </a:solidFill>
+              </a:rPr>
+              <a:t> </a:t>
+            </a:r>
+            <a:r>
+              <a:rPr lang="en-US" sz="2400" dirty="0" err="1">
+                <a:solidFill>
+                  <a:schemeClr val="accent2">
+                    <a:lumMod val="50000"/>
+                  </a:schemeClr>
+                </a:solidFill>
+              </a:rPr>
+              <a:t>utilizzato</a:t>
+            </a:r>
+            <a:r>
+              <a:rPr lang="en-US" sz="2400" dirty="0">
+                <a:solidFill>
+                  <a:schemeClr val="accent2">
+                    <a:lumMod val="50000"/>
+                  </a:schemeClr>
+                </a:solidFill>
+              </a:rPr>
+              <a:t> solo per </a:t>
+            </a:r>
+            <a:r>
+              <a:rPr lang="en-US" sz="2400" dirty="0" err="1">
+                <a:solidFill>
+                  <a:schemeClr val="accent2">
+                    <a:lumMod val="50000"/>
+                  </a:schemeClr>
+                </a:solidFill>
+              </a:rPr>
+              <a:t>allocazioni</a:t>
+            </a:r>
+            <a:r>
+              <a:rPr lang="en-US" sz="2400" dirty="0">
+                <a:solidFill>
+                  <a:schemeClr val="accent2">
+                    <a:lumMod val="50000"/>
+                  </a:schemeClr>
+                </a:solidFill>
+              </a:rPr>
+              <a:t> del kernel</a:t>
+            </a:r>
+          </a:p>
+          <a:p>
+            <a:r>
+              <a:rPr lang="en-US" sz="2400" dirty="0" err="1">
+                <a:solidFill>
+                  <a:schemeClr val="accent2">
+                    <a:lumMod val="50000"/>
+                  </a:schemeClr>
+                </a:solidFill>
+              </a:rPr>
+              <a:t>Prevede</a:t>
+            </a:r>
+            <a:r>
+              <a:rPr lang="en-US" sz="2400" dirty="0">
+                <a:solidFill>
+                  <a:schemeClr val="accent2">
+                    <a:lumMod val="50000"/>
+                  </a:schemeClr>
+                </a:solidFill>
+              </a:rPr>
+              <a:t> due diverse </a:t>
+            </a:r>
+            <a:r>
+              <a:rPr lang="en-US" sz="2400" dirty="0" err="1">
+                <a:solidFill>
+                  <a:schemeClr val="accent2">
+                    <a:lumMod val="50000"/>
+                  </a:schemeClr>
+                </a:solidFill>
+              </a:rPr>
+              <a:t>strategie</a:t>
+            </a:r>
+            <a:r>
+              <a:rPr lang="en-US" sz="2400" dirty="0">
+                <a:solidFill>
+                  <a:schemeClr val="accent2">
+                    <a:lumMod val="50000"/>
+                  </a:schemeClr>
+                </a:solidFill>
+              </a:rPr>
+              <a:t> di </a:t>
+            </a:r>
+            <a:r>
+              <a:rPr lang="en-US" sz="2400" dirty="0" err="1">
+                <a:solidFill>
+                  <a:schemeClr val="accent2">
+                    <a:lumMod val="50000"/>
+                  </a:schemeClr>
+                </a:solidFill>
+              </a:rPr>
+              <a:t>allocazione</a:t>
+            </a:r>
+            <a:r>
+              <a:rPr lang="en-US" sz="2400" dirty="0">
+                <a:solidFill>
+                  <a:schemeClr val="accent2">
+                    <a:lumMod val="50000"/>
+                  </a:schemeClr>
+                </a:solidFill>
+              </a:rPr>
+              <a:t> a </a:t>
+            </a:r>
+            <a:r>
+              <a:rPr lang="en-US" sz="2400" dirty="0" err="1">
+                <a:solidFill>
+                  <a:schemeClr val="accent2">
+                    <a:lumMod val="50000"/>
+                  </a:schemeClr>
+                </a:solidFill>
+              </a:rPr>
+              <a:t>seconda</a:t>
+            </a:r>
+            <a:r>
+              <a:rPr lang="en-US" sz="2400" dirty="0">
+                <a:solidFill>
+                  <a:schemeClr val="accent2">
+                    <a:lumMod val="50000"/>
+                  </a:schemeClr>
+                </a:solidFill>
+              </a:rPr>
+              <a:t> </a:t>
+            </a:r>
+            <a:r>
+              <a:rPr lang="en-US" sz="2400" dirty="0" err="1">
+                <a:solidFill>
+                  <a:schemeClr val="accent2">
+                    <a:lumMod val="50000"/>
+                  </a:schemeClr>
+                </a:solidFill>
+              </a:rPr>
+              <a:t>della</a:t>
+            </a:r>
+            <a:r>
+              <a:rPr lang="en-US" sz="2400" dirty="0">
+                <a:solidFill>
+                  <a:schemeClr val="accent2">
+                    <a:lumMod val="50000"/>
+                  </a:schemeClr>
+                </a:solidFill>
+              </a:rPr>
+              <a:t> </a:t>
+            </a:r>
+            <a:r>
+              <a:rPr lang="en-US" sz="2400" dirty="0" err="1">
+                <a:solidFill>
+                  <a:schemeClr val="accent2">
+                    <a:lumMod val="50000"/>
+                  </a:schemeClr>
+                </a:solidFill>
+              </a:rPr>
+              <a:t>dimensione</a:t>
+            </a:r>
+            <a:r>
+              <a:rPr lang="en-US" sz="2400" dirty="0">
+                <a:solidFill>
+                  <a:schemeClr val="accent2">
+                    <a:lumMod val="50000"/>
+                  </a:schemeClr>
+                </a:solidFill>
+              </a:rPr>
+              <a:t> del </a:t>
+            </a:r>
+            <a:r>
+              <a:rPr lang="en-US" sz="2400" dirty="0" err="1">
+                <a:solidFill>
+                  <a:schemeClr val="accent2">
+                    <a:lumMod val="50000"/>
+                  </a:schemeClr>
+                </a:solidFill>
+              </a:rPr>
+              <a:t>blocco</a:t>
+            </a:r>
+            <a:r>
+              <a:rPr lang="en-US" sz="2400" dirty="0">
+                <a:solidFill>
+                  <a:schemeClr val="accent2">
+                    <a:lumMod val="50000"/>
+                  </a:schemeClr>
+                </a:solidFill>
+              </a:rPr>
+              <a:t> ( &lt; o &gt; di 1 KB)</a:t>
+            </a:r>
+          </a:p>
+          <a:p>
+            <a:r>
+              <a:rPr lang="en-US" sz="2400" dirty="0">
+                <a:solidFill>
+                  <a:schemeClr val="accent2">
+                    <a:lumMod val="50000"/>
+                  </a:schemeClr>
+                </a:solidFill>
+              </a:rPr>
+              <a:t>La </a:t>
+            </a:r>
+            <a:r>
+              <a:rPr lang="en-US" sz="2400" dirty="0" err="1">
+                <a:solidFill>
+                  <a:schemeClr val="accent2">
+                    <a:lumMod val="50000"/>
+                  </a:schemeClr>
+                </a:solidFill>
+              </a:rPr>
+              <a:t>sintassi</a:t>
+            </a:r>
+            <a:r>
+              <a:rPr lang="en-US" sz="2400" dirty="0">
+                <a:solidFill>
+                  <a:schemeClr val="accent2">
+                    <a:lumMod val="50000"/>
+                  </a:schemeClr>
+                </a:solidFill>
+              </a:rPr>
+              <a:t> di quest</a:t>
+            </a:r>
+          </a:p>
+        </p:txBody>
+      </p:sp>
+    </p:spTree>
+    <p:extLst>
+      <p:ext uri="{BB962C8B-B14F-4D97-AF65-F5344CB8AC3E}">
+        <p14:creationId xmlns:p14="http://schemas.microsoft.com/office/powerpoint/2010/main" val="3788750861"/>
+      </p:ext>
+    </p:extLst>
+  </p:cSld>
+  <p:clrMapOvr>
+    <a:masterClrMapping/>
+  </p:clrMapOvr>
+</p:sld>
+</file>
+
+<file path=ppt/slides/slide8.xml><?xml version="1.0" encoding="utf-8"?>
+<p:sld xmlns:a="http://schemas.openxmlformats.org/drawingml/2006/main" xmlns:r="http://schemas.openxmlformats.org/officeDocument/2006/relationships" xmlns:p="http://schemas.openxmlformats.org/presentationml/2006/main">
+  <p:cSld>
+    <p:bg>
+      <p:bgPr>
+        <a:solidFill>
+          <a:schemeClr val="bg2"/>
+        </a:solidFill>
+        <a:effectLst/>
+      </p:bgPr>
+    </p:bg>
+    <p:spTree>
+      <p:nvGrpSpPr>
+        <p:cNvPr id="1" name=""/>
+        <p:cNvGrpSpPr/>
+        <p:nvPr/>
+      </p:nvGrpSpPr>
+      <p:grpSpPr>
+        <a:xfrm>
+          <a:off x="0" y="0"/>
+          <a:ext cx="0" cy="0"/>
+          <a:chOff x="0" y="0"/>
+          <a:chExt cx="0" cy="0"/>
+        </a:xfrm>
+      </p:grpSpPr>
+      <p:sp>
+        <p:nvSpPr>
+          <p:cNvPr id="8" name="Rectangle 7">
+            <a:extLst>
+              <a:ext uri="{FF2B5EF4-FFF2-40B4-BE49-F238E27FC236}">
+                <a16:creationId xmlns:a16="http://schemas.microsoft.com/office/drawing/2014/main" id="{D70130DC-F780-43D2-B26A-92EACD78951B}"/>
+              </a:ext>
+              <a:ext uri="{C183D7F6-B498-43B3-948B-1728B52AA6E4}">
+                <adec:decorative xmlns:adec="http://schemas.microsoft.com/office/drawing/2017/decorative" val="1"/>
+              </a:ext>
+            </a:extLst>
+          </p:cNvPr>
+          <p:cNvSpPr>
+            <a:spLocks noGrp="1" noRot="1" noChangeAspect="1" noMove="1" noResize="1" noEditPoints="1" noAdjustHandles="1" noChangeArrowheads="1" noChangeShapeType="1" noTextEdit="1"/>
+          </p:cNvSpPr>
+          <p:nvPr>
+            <p:extLst>
+              <p:ext uri="{386F3935-93C4-4BCD-93E2-E3B085C9AB24}">
+                <p16:designElem xmlns:p16="http://schemas.microsoft.com/office/powerpoint/2015/main" val="1"/>
+              </p:ext>
+            </p:extLst>
+          </p:nvPr>
+        </p:nvSpPr>
+        <p:spPr>
+          <a:xfrm>
+            <a:off x="0" y="0"/>
+            <a:ext cx="12192000" cy="6858000"/>
+          </a:xfrm>
+          <a:prstGeom prst="rect">
+            <a:avLst/>
+          </a:prstGeom>
+          <a:solidFill>
+            <a:srgbClr val="E4E4E4"/>
+          </a:solidFill>
+          <a:ln>
+            <a:noFill/>
+          </a:ln>
+        </p:spPr>
+        <p:style>
+          <a:lnRef idx="2">
+            <a:schemeClr val="accent1">
+              <a:shade val="50000"/>
+            </a:schemeClr>
+          </a:lnRef>
+          <a:fillRef idx="1">
+            <a:schemeClr val="accent1"/>
+          </a:fillRef>
+          <a:effectRef idx="0">
+            <a:schemeClr val="accent1"/>
+          </a:effectRef>
+          <a:fontRef idx="minor">
+            <a:schemeClr val="lt1"/>
+          </a:fontRef>
+        </p:style>
+        <p:txBody>
+          <a:bodyPr rtlCol="0" anchor="ctr"/>
+          <a:lstStyle/>
+          <a:p>
+            <a:pPr algn="ctr"/>
+            <a:endParaRPr lang="en-US"/>
+          </a:p>
+        </p:txBody>
+      </p:sp>
+      <p:sp>
+        <p:nvSpPr>
+          <p:cNvPr id="2" name="Titolo 1">
+            <a:extLst>
+              <a:ext uri="{FF2B5EF4-FFF2-40B4-BE49-F238E27FC236}">
+                <a16:creationId xmlns:a16="http://schemas.microsoft.com/office/drawing/2014/main" id="{D2D684BA-49BE-8A04-1C57-EDA155EDC4D0}"/>
+              </a:ext>
+            </a:extLst>
+          </p:cNvPr>
+          <p:cNvSpPr>
+            <a:spLocks noGrp="1"/>
+          </p:cNvSpPr>
+          <p:nvPr>
+            <p:ph type="title"/>
+          </p:nvPr>
+        </p:nvSpPr>
+        <p:spPr>
+          <a:xfrm>
+            <a:off x="581192" y="641653"/>
+            <a:ext cx="11029616" cy="1095560"/>
+          </a:xfrm>
+        </p:spPr>
+        <p:txBody>
+          <a:bodyPr anchor="t">
+            <a:normAutofit/>
+          </a:bodyPr>
+          <a:lstStyle/>
+          <a:p>
+            <a:r>
+              <a:rPr lang="it-IT" dirty="0" err="1">
+                <a:solidFill>
+                  <a:schemeClr val="accent2"/>
+                </a:solidFill>
+              </a:rPr>
+              <a:t>Pintos</a:t>
+            </a:r>
+            <a:r>
+              <a:rPr lang="it-IT" dirty="0">
+                <a:solidFill>
+                  <a:schemeClr val="accent2"/>
+                </a:solidFill>
+              </a:rPr>
+              <a:t> - BLOCK </a:t>
+            </a:r>
+            <a:r>
+              <a:rPr lang="it-IT" dirty="0" err="1">
+                <a:solidFill>
+                  <a:schemeClr val="accent2"/>
+                </a:solidFill>
+              </a:rPr>
+              <a:t>Allocator</a:t>
+            </a:r>
+            <a:r>
+              <a:rPr lang="it-IT" dirty="0">
+                <a:solidFill>
+                  <a:schemeClr val="accent2"/>
+                </a:solidFill>
+              </a:rPr>
+              <a:t> - strutture</a:t>
+            </a:r>
+          </a:p>
+        </p:txBody>
+      </p:sp>
+      <p:sp>
+        <p:nvSpPr>
+          <p:cNvPr id="10" name="Rectangle 9">
+            <a:extLst>
+              <a:ext uri="{FF2B5EF4-FFF2-40B4-BE49-F238E27FC236}">
+                <a16:creationId xmlns:a16="http://schemas.microsoft.com/office/drawing/2014/main" id="{17676E0E-5B44-4166-8EDD-CFDBAC622C26}"/>
+              </a:ext>
+              <a:ext uri="{C183D7F6-B498-43B3-948B-1728B52AA6E4}">
+                <adec:decorative xmlns:adec="http://schemas.microsoft.com/office/drawing/2017/decorative" val="1"/>
+              </a:ext>
+            </a:extLst>
+          </p:cNvPr>
+          <p:cNvSpPr>
+            <a:spLocks noGrp="1" noRot="1" noChangeAspect="1" noMove="1" noResize="1" noEditPoints="1" noAdjustHandles="1" noChangeArrowheads="1" noChangeShapeType="1" noTextEdit="1"/>
+          </p:cNvSpPr>
+          <p:nvPr>
+            <p:extLst>
+              <p:ext uri="{386F3935-93C4-4BCD-93E2-E3B085C9AB24}">
+                <p16:designElem xmlns:p16="http://schemas.microsoft.com/office/powerpoint/2015/main" val="1"/>
+              </p:ext>
+            </p:extLst>
+          </p:nvPr>
+        </p:nvSpPr>
+        <p:spPr>
+          <a:xfrm>
+            <a:off x="446533" y="457201"/>
+            <a:ext cx="11298933" cy="91440"/>
+          </a:xfrm>
+          <a:prstGeom prst="rect">
+            <a:avLst/>
+          </a:prstGeom>
+          <a:solidFill>
+            <a:schemeClr val="accent1"/>
+          </a:solidFill>
+          <a:ln>
+            <a:noFill/>
+          </a:ln>
+          <a:effectLst/>
+        </p:spPr>
+        <p:style>
+          <a:lnRef idx="1">
+            <a:schemeClr val="accent1"/>
+          </a:lnRef>
+          <a:fillRef idx="3">
+            <a:schemeClr val="accent1"/>
+          </a:fillRef>
+          <a:effectRef idx="2">
+            <a:schemeClr val="accent1"/>
+          </a:effectRef>
+          <a:fontRef idx="minor">
+            <a:schemeClr val="lt1"/>
+          </a:fontRef>
+        </p:style>
+        <p:txBody>
+          <a:bodyPr/>
+          <a:lstStyle/>
+          <a:p>
+            <a:endParaRPr lang="it-IT"/>
+          </a:p>
+        </p:txBody>
+      </p:sp>
+      <p:sp>
+        <p:nvSpPr>
+          <p:cNvPr id="3" name="Segnaposto contenuto 2">
+            <a:extLst>
+              <a:ext uri="{FF2B5EF4-FFF2-40B4-BE49-F238E27FC236}">
+                <a16:creationId xmlns:a16="http://schemas.microsoft.com/office/drawing/2014/main" id="{ADB966D1-6934-2445-AEE9-C05CFEB1C416}"/>
+              </a:ext>
+            </a:extLst>
+          </p:cNvPr>
+          <p:cNvSpPr>
+            <a:spLocks noGrp="1"/>
+          </p:cNvSpPr>
+          <p:nvPr>
+            <p:ph idx="1"/>
+          </p:nvPr>
+        </p:nvSpPr>
+        <p:spPr>
+          <a:xfrm>
+            <a:off x="404031" y="1450426"/>
+            <a:ext cx="11029615" cy="1784657"/>
+          </a:xfrm>
+        </p:spPr>
+        <p:txBody>
+          <a:bodyPr>
+            <a:normAutofit/>
+          </a:bodyPr>
+          <a:lstStyle/>
+          <a:p>
+            <a:r>
+              <a:rPr lang="it-IT" sz="2400" dirty="0">
+                <a:solidFill>
+                  <a:schemeClr val="accent2">
+                    <a:lumMod val="50000"/>
+                  </a:schemeClr>
+                </a:solidFill>
+              </a:rPr>
+              <a:t>Il </a:t>
+            </a:r>
+            <a:r>
+              <a:rPr lang="it-IT" sz="2400" dirty="0" err="1">
+                <a:solidFill>
+                  <a:schemeClr val="accent2">
+                    <a:lumMod val="50000"/>
+                  </a:schemeClr>
+                </a:solidFill>
+              </a:rPr>
+              <a:t>block</a:t>
+            </a:r>
+            <a:r>
+              <a:rPr lang="it-IT" sz="2400" dirty="0">
+                <a:solidFill>
+                  <a:schemeClr val="accent2">
+                    <a:lumMod val="50000"/>
+                  </a:schemeClr>
+                </a:solidFill>
+              </a:rPr>
+              <a:t> </a:t>
+            </a:r>
+            <a:r>
+              <a:rPr lang="it-IT" sz="2400" dirty="0" err="1">
+                <a:solidFill>
+                  <a:schemeClr val="accent2">
+                    <a:lumMod val="50000"/>
+                  </a:schemeClr>
+                </a:solidFill>
+              </a:rPr>
+              <a:t>allocator</a:t>
+            </a:r>
+            <a:r>
+              <a:rPr lang="it-IT" sz="2400" dirty="0">
+                <a:solidFill>
+                  <a:schemeClr val="accent2">
+                    <a:lumMod val="50000"/>
+                  </a:schemeClr>
+                </a:solidFill>
+              </a:rPr>
+              <a:t> </a:t>
+            </a:r>
+            <a:r>
+              <a:rPr lang="it-IT" sz="2400" dirty="0" err="1">
+                <a:solidFill>
+                  <a:schemeClr val="accent2">
+                    <a:lumMod val="50000"/>
+                  </a:schemeClr>
+                </a:solidFill>
+              </a:rPr>
+              <a:t>define</a:t>
+            </a:r>
+            <a:r>
+              <a:rPr lang="it-IT" sz="2400" dirty="0">
+                <a:solidFill>
+                  <a:schemeClr val="accent2">
+                    <a:lumMod val="50000"/>
+                  </a:schemeClr>
+                </a:solidFill>
+              </a:rPr>
+              <a:t> 2 particolari strutture per gestire i blocchi di varia dimensione:</a:t>
+            </a:r>
+          </a:p>
+        </p:txBody>
+      </p:sp>
+      <p:pic>
+        <p:nvPicPr>
+          <p:cNvPr id="6" name="Immagine 5">
+            <a:extLst>
+              <a:ext uri="{FF2B5EF4-FFF2-40B4-BE49-F238E27FC236}">
+                <a16:creationId xmlns:a16="http://schemas.microsoft.com/office/drawing/2014/main" id="{AC1F0AB7-CA68-799F-FDEF-9BF881CC0404}"/>
+              </a:ext>
+            </a:extLst>
+          </p:cNvPr>
+          <p:cNvPicPr>
+            <a:picLocks noChangeAspect="1"/>
+          </p:cNvPicPr>
+          <p:nvPr/>
+        </p:nvPicPr>
+        <p:blipFill rotWithShape="1">
+          <a:blip r:embed="rId2"/>
+          <a:srcRect l="22200" t="72400" r="68920" b="14410"/>
+          <a:stretch/>
+        </p:blipFill>
+        <p:spPr>
+          <a:xfrm>
+            <a:off x="8685162" y="2730589"/>
+            <a:ext cx="2396946" cy="1919176"/>
+          </a:xfrm>
+          <a:prstGeom prst="rect">
+            <a:avLst/>
+          </a:prstGeom>
+        </p:spPr>
+      </p:pic>
+      <p:pic>
+        <p:nvPicPr>
+          <p:cNvPr id="11" name="Immagine 10">
+            <a:extLst>
+              <a:ext uri="{FF2B5EF4-FFF2-40B4-BE49-F238E27FC236}">
+                <a16:creationId xmlns:a16="http://schemas.microsoft.com/office/drawing/2014/main" id="{3CEC541B-1DD6-28C9-123C-D61744C37FA0}"/>
+              </a:ext>
+            </a:extLst>
+          </p:cNvPr>
+          <p:cNvPicPr>
+            <a:picLocks noChangeAspect="1"/>
+          </p:cNvPicPr>
+          <p:nvPr/>
+        </p:nvPicPr>
+        <p:blipFill rotWithShape="1">
+          <a:blip r:embed="rId2"/>
+          <a:srcRect l="21899" t="48804" r="67601" b="37172"/>
+          <a:stretch/>
+        </p:blipFill>
+        <p:spPr>
+          <a:xfrm>
+            <a:off x="8685161" y="4544672"/>
+            <a:ext cx="2396947" cy="1725803"/>
+          </a:xfrm>
+          <a:prstGeom prst="rect">
+            <a:avLst/>
+          </a:prstGeom>
+        </p:spPr>
+      </p:pic>
+      <p:sp>
+        <p:nvSpPr>
+          <p:cNvPr id="7" name="Segnaposto contenuto 2">
+            <a:extLst>
+              <a:ext uri="{FF2B5EF4-FFF2-40B4-BE49-F238E27FC236}">
+                <a16:creationId xmlns:a16="http://schemas.microsoft.com/office/drawing/2014/main" id="{42DDA212-1C60-EC00-41EE-DB555472B2F3}"/>
+              </a:ext>
+            </a:extLst>
+          </p:cNvPr>
+          <p:cNvSpPr txBox="1">
+            <a:spLocks/>
+          </p:cNvSpPr>
+          <p:nvPr/>
+        </p:nvSpPr>
+        <p:spPr>
+          <a:xfrm>
+            <a:off x="404030" y="2730589"/>
+            <a:ext cx="8046244" cy="1784657"/>
+          </a:xfrm>
+          <a:prstGeom prst="rect">
+            <a:avLst/>
+          </a:prstGeom>
+        </p:spPr>
+        <p:txBody>
+          <a:bodyPr vert="horz" lIns="91440" tIns="45720" rIns="91440" bIns="45720" rtlCol="0" anchor="ctr">
+            <a:normAutofit fontScale="92500" lnSpcReduction="10000"/>
+          </a:bodyPr>
+          <a:lstStyle>
+            <a:lvl1pPr marL="306000" indent="-306000" algn="l" defTabSz="457200" rtl="0" eaLnBrk="1" latinLnBrk="0" hangingPunct="1">
+              <a:spcBef>
+                <a:spcPct val="20000"/>
+              </a:spcBef>
+              <a:spcAft>
+                <a:spcPts val="600"/>
+              </a:spcAft>
+              <a:buClr>
+                <a:schemeClr val="accent2"/>
+              </a:buClr>
+              <a:buSzPct val="92000"/>
+              <a:buFont typeface="Wingdings 2" panose="05020102010507070707" pitchFamily="18" charset="2"/>
+              <a:buChar char=""/>
+              <a:defRPr sz="1800" kern="1200">
+                <a:solidFill>
+                  <a:schemeClr val="tx2"/>
+                </a:solidFill>
+                <a:latin typeface="+mn-lt"/>
+                <a:ea typeface="+mn-ea"/>
+                <a:cs typeface="+mn-cs"/>
+              </a:defRPr>
+            </a:lvl1pPr>
+            <a:lvl2pPr marL="630000" indent="-306000" algn="l" defTabSz="457200" rtl="0" eaLnBrk="1" latinLnBrk="0" hangingPunct="1">
+              <a:spcBef>
+                <a:spcPct val="20000"/>
+              </a:spcBef>
+              <a:spcAft>
+                <a:spcPts val="600"/>
+              </a:spcAft>
+              <a:buClr>
+                <a:schemeClr val="accent2"/>
+              </a:buClr>
+              <a:buSzPct val="92000"/>
+              <a:buFont typeface="Wingdings 2" panose="05020102010507070707" pitchFamily="18" charset="2"/>
+              <a:buChar char=""/>
+              <a:defRPr sz="1600" kern="1200">
+                <a:solidFill>
+                  <a:schemeClr val="tx2"/>
+                </a:solidFill>
+                <a:latin typeface="+mn-lt"/>
+                <a:ea typeface="+mn-ea"/>
+                <a:cs typeface="+mn-cs"/>
+              </a:defRPr>
+            </a:lvl2pPr>
+            <a:lvl3pPr marL="900000" indent="-270000" algn="l" defTabSz="457200" rtl="0" eaLnBrk="1" latinLnBrk="0" hangingPunct="1">
+              <a:spcBef>
+                <a:spcPct val="20000"/>
+              </a:spcBef>
+              <a:spcAft>
+                <a:spcPts val="600"/>
+              </a:spcAft>
+              <a:buClr>
+                <a:schemeClr val="accent2"/>
+              </a:buClr>
+              <a:buSzPct val="92000"/>
+              <a:buFont typeface="Wingdings 2" panose="05020102010507070707" pitchFamily="18" charset="2"/>
+              <a:buChar char=""/>
+              <a:defRPr sz="1400" kern="1200">
+                <a:solidFill>
+                  <a:schemeClr val="tx2"/>
+                </a:solidFill>
+                <a:latin typeface="+mn-lt"/>
+                <a:ea typeface="+mn-ea"/>
+                <a:cs typeface="+mn-cs"/>
+              </a:defRPr>
+            </a:lvl3pPr>
+            <a:lvl4pPr marL="1242000" indent="-234000" algn="l" defTabSz="457200" rtl="0" eaLnBrk="1" latinLnBrk="0" hangingPunct="1">
+              <a:spcBef>
+                <a:spcPct val="20000"/>
+              </a:spcBef>
+              <a:spcAft>
+                <a:spcPts val="600"/>
+              </a:spcAft>
+              <a:buClr>
+                <a:schemeClr val="accent2"/>
+              </a:buClr>
+              <a:buSzPct val="92000"/>
+              <a:buFont typeface="Wingdings 2" panose="05020102010507070707" pitchFamily="18" charset="2"/>
+              <a:buChar char=""/>
+              <a:defRPr sz="1200" kern="1200">
+                <a:solidFill>
+                  <a:schemeClr val="tx2"/>
+                </a:solidFill>
+                <a:latin typeface="+mn-lt"/>
+                <a:ea typeface="+mn-ea"/>
+                <a:cs typeface="+mn-cs"/>
+              </a:defRPr>
+            </a:lvl4pPr>
+            <a:lvl5pPr marL="1602000" indent="-234000" algn="l" defTabSz="457200" rtl="0" eaLnBrk="1" latinLnBrk="0" hangingPunct="1">
+              <a:spcBef>
+                <a:spcPct val="20000"/>
+              </a:spcBef>
+              <a:spcAft>
+                <a:spcPts val="600"/>
+              </a:spcAft>
+              <a:buClr>
+                <a:schemeClr val="accent2"/>
+              </a:buClr>
+              <a:buSzPct val="92000"/>
+              <a:buFont typeface="Wingdings 2" panose="05020102010507070707" pitchFamily="18" charset="2"/>
+              <a:buChar char=""/>
+              <a:defRPr sz="1200" kern="1200">
+                <a:solidFill>
+                  <a:schemeClr val="tx2"/>
+                </a:solidFill>
+                <a:latin typeface="+mn-lt"/>
+                <a:ea typeface="+mn-ea"/>
+                <a:cs typeface="+mn-cs"/>
+              </a:defRPr>
+            </a:lvl5pPr>
+            <a:lvl6pPr marL="1900000" indent="-228600" algn="l" defTabSz="457200" rtl="0" eaLnBrk="1" latinLnBrk="0" hangingPunct="1">
+              <a:spcBef>
+                <a:spcPct val="20000"/>
+              </a:spcBef>
+              <a:spcAft>
+                <a:spcPts val="600"/>
+              </a:spcAft>
+              <a:buClr>
+                <a:schemeClr val="accent2"/>
+              </a:buClr>
+              <a:buSzPct val="92000"/>
+              <a:buFont typeface="Wingdings 2" panose="05020102010507070707" pitchFamily="18" charset="2"/>
+              <a:buChar char=""/>
+              <a:defRPr sz="1200" kern="1200">
+                <a:solidFill>
+                  <a:schemeClr val="tx2"/>
+                </a:solidFill>
+                <a:latin typeface="+mn-lt"/>
+                <a:ea typeface="+mn-ea"/>
+                <a:cs typeface="+mn-cs"/>
+              </a:defRPr>
+            </a:lvl6pPr>
+            <a:lvl7pPr marL="2200000" indent="-228600" algn="l" defTabSz="457200" rtl="0" eaLnBrk="1" latinLnBrk="0" hangingPunct="1">
+              <a:spcBef>
+                <a:spcPct val="20000"/>
+              </a:spcBef>
+              <a:spcAft>
+                <a:spcPts val="600"/>
+              </a:spcAft>
+              <a:buClr>
+                <a:schemeClr val="accent2"/>
+              </a:buClr>
+              <a:buSzPct val="92000"/>
+              <a:buFont typeface="Wingdings 2" panose="05020102010507070707" pitchFamily="18" charset="2"/>
+              <a:buChar char=""/>
+              <a:defRPr sz="1200" kern="1200">
+                <a:solidFill>
+                  <a:schemeClr val="tx2"/>
+                </a:solidFill>
+                <a:latin typeface="+mn-lt"/>
+                <a:ea typeface="+mn-ea"/>
+                <a:cs typeface="+mn-cs"/>
+              </a:defRPr>
+            </a:lvl7pPr>
+            <a:lvl8pPr marL="2500000" indent="-228600" algn="l" defTabSz="457200" rtl="0" eaLnBrk="1" latinLnBrk="0" hangingPunct="1">
+              <a:spcBef>
+                <a:spcPct val="20000"/>
+              </a:spcBef>
+              <a:spcAft>
+                <a:spcPts val="600"/>
+              </a:spcAft>
+              <a:buClr>
+                <a:schemeClr val="accent2"/>
+              </a:buClr>
+              <a:buSzPct val="92000"/>
+              <a:buFont typeface="Wingdings 2" panose="05020102010507070707" pitchFamily="18" charset="2"/>
+              <a:buChar char=""/>
+              <a:defRPr sz="1200" kern="1200">
+                <a:solidFill>
+                  <a:schemeClr val="tx2"/>
+                </a:solidFill>
+                <a:latin typeface="+mn-lt"/>
+                <a:ea typeface="+mn-ea"/>
+                <a:cs typeface="+mn-cs"/>
+              </a:defRPr>
+            </a:lvl8pPr>
+            <a:lvl9pPr marL="2800000" indent="-228600" algn="l" defTabSz="457200" rtl="0" eaLnBrk="1" latinLnBrk="0" hangingPunct="1">
+              <a:spcBef>
+                <a:spcPct val="20000"/>
+              </a:spcBef>
+              <a:spcAft>
+                <a:spcPts val="600"/>
+              </a:spcAft>
+              <a:buClr>
+                <a:schemeClr val="accent2"/>
+              </a:buClr>
+              <a:buSzPct val="92000"/>
+              <a:buFont typeface="Wingdings 2" panose="05020102010507070707" pitchFamily="18" charset="2"/>
+              <a:buChar char=""/>
+              <a:defRPr sz="1200" kern="1200">
+                <a:solidFill>
+                  <a:schemeClr val="tx2"/>
+                </a:solidFill>
+                <a:latin typeface="+mn-lt"/>
+                <a:ea typeface="+mn-ea"/>
+                <a:cs typeface="+mn-cs"/>
+              </a:defRPr>
+            </a:lvl9pPr>
+          </a:lstStyle>
+          <a:p>
+            <a:r>
+              <a:rPr lang="it-IT" sz="2400" dirty="0">
+                <a:solidFill>
+                  <a:schemeClr val="accent2">
+                    <a:lumMod val="50000"/>
+                  </a:schemeClr>
+                </a:solidFill>
+              </a:rPr>
+              <a:t>Arena: rappresenta una zona di memoria contigua in cui vengono allocati i blocchi di una dimensione data dal corrispondente </a:t>
+            </a:r>
+            <a:r>
+              <a:rPr lang="it-IT" sz="2400" dirty="0" err="1">
+                <a:solidFill>
+                  <a:schemeClr val="accent2">
+                    <a:lumMod val="50000"/>
+                  </a:schemeClr>
+                </a:solidFill>
+              </a:rPr>
+              <a:t>descriptor</a:t>
+            </a:r>
+            <a:r>
+              <a:rPr lang="it-IT" sz="2400" dirty="0">
+                <a:solidFill>
+                  <a:schemeClr val="accent2">
+                    <a:lumMod val="50000"/>
+                  </a:schemeClr>
+                </a:solidFill>
+              </a:rPr>
+              <a:t>.</a:t>
+            </a:r>
+          </a:p>
+          <a:p>
+            <a:r>
+              <a:rPr lang="it-IT" sz="2400" dirty="0" err="1">
+                <a:solidFill>
+                  <a:schemeClr val="accent2">
+                    <a:lumMod val="50000"/>
+                  </a:schemeClr>
+                </a:solidFill>
+              </a:rPr>
+              <a:t>Descriptor</a:t>
+            </a:r>
+            <a:r>
+              <a:rPr lang="it-IT" sz="2400" dirty="0">
+                <a:solidFill>
+                  <a:schemeClr val="accent2">
+                    <a:lumMod val="50000"/>
+                  </a:schemeClr>
+                </a:solidFill>
+              </a:rPr>
+              <a:t>: mantiene le informazioni essenziali sulla natura dei blocchi e sull’arena</a:t>
+            </a:r>
+          </a:p>
+        </p:txBody>
+      </p:sp>
+    </p:spTree>
+    <p:extLst>
+      <p:ext uri="{BB962C8B-B14F-4D97-AF65-F5344CB8AC3E}">
+        <p14:creationId xmlns:p14="http://schemas.microsoft.com/office/powerpoint/2010/main" val="2278359688"/>
+      </p:ext>
+    </p:extLst>
+  </p:cSld>
+  <p:clrMapOvr>
+    <a:masterClrMapping/>
+  </p:clrMapOvr>
+</p:sld>
+</file>
+
+<file path=ppt/slides/slide9.xml><?xml version="1.0" encoding="utf-8"?>
+<p:sld xmlns:a="http://schemas.openxmlformats.org/drawingml/2006/main" xmlns:r="http://schemas.openxmlformats.org/officeDocument/2006/relationships" xmlns:p="http://schemas.openxmlformats.org/presentationml/2006/main">
+  <p:cSld>
+    <p:bg>
+      <p:bgPr>
+        <a:solidFill>
+          <a:schemeClr val="bg2"/>
+        </a:solidFill>
+        <a:effectLst/>
+      </p:bgPr>
+    </p:bg>
+    <p:spTree>
+      <p:nvGrpSpPr>
+        <p:cNvPr id="1" name=""/>
+        <p:cNvGrpSpPr/>
+        <p:nvPr/>
+      </p:nvGrpSpPr>
+      <p:grpSpPr>
+        <a:xfrm>
+          <a:off x="0" y="0"/>
+          <a:ext cx="0" cy="0"/>
+          <a:chOff x="0" y="0"/>
+          <a:chExt cx="0" cy="0"/>
+        </a:xfrm>
+      </p:grpSpPr>
+      <p:sp>
+        <p:nvSpPr>
+          <p:cNvPr id="8" name="Rectangle 7">
+            <a:extLst>
+              <a:ext uri="{FF2B5EF4-FFF2-40B4-BE49-F238E27FC236}">
+                <a16:creationId xmlns:a16="http://schemas.microsoft.com/office/drawing/2014/main" id="{D70130DC-F780-43D2-B26A-92EACD78951B}"/>
+              </a:ext>
+              <a:ext uri="{C183D7F6-B498-43B3-948B-1728B52AA6E4}">
+                <adec:decorative xmlns:adec="http://schemas.microsoft.com/office/drawing/2017/decorative" val="1"/>
+              </a:ext>
+            </a:extLst>
+          </p:cNvPr>
+          <p:cNvSpPr>
+            <a:spLocks noGrp="1" noRot="1" noChangeAspect="1" noMove="1" noResize="1" noEditPoints="1" noAdjustHandles="1" noChangeArrowheads="1" noChangeShapeType="1" noTextEdit="1"/>
+          </p:cNvSpPr>
+          <p:nvPr>
+            <p:extLst>
+              <p:ext uri="{386F3935-93C4-4BCD-93E2-E3B085C9AB24}">
+                <p16:designElem xmlns:p16="http://schemas.microsoft.com/office/powerpoint/2015/main" val="1"/>
+              </p:ext>
+            </p:extLst>
+          </p:nvPr>
+        </p:nvSpPr>
+        <p:spPr>
+          <a:xfrm>
+            <a:off x="0" y="0"/>
+            <a:ext cx="12192000" cy="6858000"/>
+          </a:xfrm>
+          <a:prstGeom prst="rect">
+            <a:avLst/>
+          </a:prstGeom>
+          <a:solidFill>
+            <a:srgbClr val="E4E4E4"/>
+          </a:solidFill>
+          <a:ln>
+            <a:noFill/>
+          </a:ln>
+        </p:spPr>
+        <p:style>
+          <a:lnRef idx="2">
+            <a:schemeClr val="accent1">
+              <a:shade val="50000"/>
+            </a:schemeClr>
+          </a:lnRef>
+          <a:fillRef idx="1">
+            <a:schemeClr val="accent1"/>
+          </a:fillRef>
+          <a:effectRef idx="0">
+            <a:schemeClr val="accent1"/>
+          </a:effectRef>
+          <a:fontRef idx="minor">
+            <a:schemeClr val="lt1"/>
+          </a:fontRef>
+        </p:style>
+        <p:txBody>
+          <a:bodyPr rtlCol="0" anchor="ctr"/>
+          <a:lstStyle/>
+          <a:p>
+            <a:pPr algn="ctr"/>
+            <a:endParaRPr lang="en-US"/>
+          </a:p>
+        </p:txBody>
+      </p:sp>
+      <p:sp>
+        <p:nvSpPr>
+          <p:cNvPr id="2" name="Titolo 1">
+            <a:extLst>
+              <a:ext uri="{FF2B5EF4-FFF2-40B4-BE49-F238E27FC236}">
+                <a16:creationId xmlns:a16="http://schemas.microsoft.com/office/drawing/2014/main" id="{D2D684BA-49BE-8A04-1C57-EDA155EDC4D0}"/>
+              </a:ext>
+            </a:extLst>
+          </p:cNvPr>
+          <p:cNvSpPr>
+            <a:spLocks noGrp="1"/>
+          </p:cNvSpPr>
+          <p:nvPr>
+            <p:ph type="title"/>
+          </p:nvPr>
+        </p:nvSpPr>
+        <p:spPr>
+          <a:xfrm>
+            <a:off x="581192" y="641653"/>
+            <a:ext cx="11029616" cy="1095560"/>
+          </a:xfrm>
+        </p:spPr>
+        <p:txBody>
+          <a:bodyPr anchor="t">
+            <a:normAutofit/>
+          </a:bodyPr>
+          <a:lstStyle/>
+          <a:p>
+            <a:r>
+              <a:rPr lang="it-IT" dirty="0" err="1">
+                <a:solidFill>
+                  <a:schemeClr val="accent2"/>
+                </a:solidFill>
+              </a:rPr>
+              <a:t>Pintos</a:t>
+            </a:r>
+            <a:r>
+              <a:rPr lang="it-IT" dirty="0">
+                <a:solidFill>
+                  <a:schemeClr val="accent2"/>
+                </a:solidFill>
+              </a:rPr>
+              <a:t> - BLOCK </a:t>
+            </a:r>
+            <a:r>
+              <a:rPr lang="it-IT" dirty="0" err="1">
+                <a:solidFill>
+                  <a:schemeClr val="accent2"/>
+                </a:solidFill>
+              </a:rPr>
+              <a:t>Allocator</a:t>
+            </a:r>
+            <a:r>
+              <a:rPr lang="it-IT" dirty="0">
+                <a:solidFill>
+                  <a:schemeClr val="accent2"/>
+                </a:solidFill>
+              </a:rPr>
+              <a:t> - </a:t>
+            </a:r>
+            <a:r>
+              <a:rPr lang="it-IT" dirty="0" err="1">
+                <a:solidFill>
+                  <a:schemeClr val="accent2"/>
+                </a:solidFill>
+              </a:rPr>
+              <a:t>STrategie</a:t>
+            </a:r>
+            <a:endParaRPr lang="it-IT" dirty="0">
+              <a:solidFill>
+                <a:schemeClr val="accent2"/>
+              </a:solidFill>
+            </a:endParaRPr>
+          </a:p>
+        </p:txBody>
+      </p:sp>
+      <p:sp>
+        <p:nvSpPr>
+          <p:cNvPr id="10" name="Rectangle 9">
+            <a:extLst>
+              <a:ext uri="{FF2B5EF4-FFF2-40B4-BE49-F238E27FC236}">
+                <a16:creationId xmlns:a16="http://schemas.microsoft.com/office/drawing/2014/main" id="{17676E0E-5B44-4166-8EDD-CFDBAC622C26}"/>
+              </a:ext>
+              <a:ext uri="{C183D7F6-B498-43B3-948B-1728B52AA6E4}">
+                <adec:decorative xmlns:adec="http://schemas.microsoft.com/office/drawing/2017/decorative" val="1"/>
+              </a:ext>
+            </a:extLst>
+          </p:cNvPr>
+          <p:cNvSpPr>
+            <a:spLocks noGrp="1" noRot="1" noChangeAspect="1" noMove="1" noResize="1" noEditPoints="1" noAdjustHandles="1" noChangeArrowheads="1" noChangeShapeType="1" noTextEdit="1"/>
+          </p:cNvSpPr>
+          <p:nvPr>
+            <p:extLst>
+              <p:ext uri="{386F3935-93C4-4BCD-93E2-E3B085C9AB24}">
+                <p16:designElem xmlns:p16="http://schemas.microsoft.com/office/powerpoint/2015/main" val="1"/>
+              </p:ext>
+            </p:extLst>
+          </p:nvPr>
+        </p:nvSpPr>
+        <p:spPr>
+          <a:xfrm>
+            <a:off x="446533" y="457201"/>
+            <a:ext cx="11298933" cy="91440"/>
+          </a:xfrm>
+          <a:prstGeom prst="rect">
+            <a:avLst/>
+          </a:prstGeom>
+          <a:solidFill>
+            <a:schemeClr val="accent1"/>
+          </a:solidFill>
+          <a:ln>
+            <a:noFill/>
+          </a:ln>
+          <a:effectLst/>
+        </p:spPr>
+        <p:style>
+          <a:lnRef idx="1">
+            <a:schemeClr val="accent1"/>
+          </a:lnRef>
+          <a:fillRef idx="3">
+            <a:schemeClr val="accent1"/>
+          </a:fillRef>
+          <a:effectRef idx="2">
+            <a:schemeClr val="accent1"/>
+          </a:effectRef>
+          <a:fontRef idx="minor">
+            <a:schemeClr val="lt1"/>
+          </a:fontRef>
+        </p:style>
+        <p:txBody>
+          <a:bodyPr/>
+          <a:lstStyle/>
+          <a:p>
+            <a:endParaRPr lang="it-IT"/>
+          </a:p>
+        </p:txBody>
+      </p:sp>
+      <p:sp>
+        <p:nvSpPr>
+          <p:cNvPr id="3" name="Segnaposto contenuto 2">
+            <a:extLst>
+              <a:ext uri="{FF2B5EF4-FFF2-40B4-BE49-F238E27FC236}">
+                <a16:creationId xmlns:a16="http://schemas.microsoft.com/office/drawing/2014/main" id="{ADB966D1-6934-2445-AEE9-C05CFEB1C416}"/>
+              </a:ext>
+            </a:extLst>
+          </p:cNvPr>
+          <p:cNvSpPr>
+            <a:spLocks noGrp="1"/>
+          </p:cNvSpPr>
+          <p:nvPr>
+            <p:ph idx="1"/>
+          </p:nvPr>
+        </p:nvSpPr>
+        <p:spPr>
+          <a:xfrm>
+            <a:off x="404031" y="1450426"/>
+            <a:ext cx="11029615" cy="1784657"/>
+          </a:xfrm>
+        </p:spPr>
+        <p:txBody>
+          <a:bodyPr>
+            <a:normAutofit/>
+          </a:bodyPr>
+          <a:lstStyle/>
+          <a:p>
+            <a:r>
+              <a:rPr lang="it-IT" sz="2400" dirty="0">
+                <a:solidFill>
+                  <a:schemeClr val="accent2">
+                    <a:lumMod val="50000"/>
+                  </a:schemeClr>
+                </a:solidFill>
+              </a:rPr>
+              <a:t>Strategia 1 (&lt;1kB): Le allocazioni vengono arrotondate alla potenza di 2 più vicina o a 16 byte, a seconda di quale sia il valore più grande. Quindi vengono raggruppate in una pagina utilizzata </a:t>
+            </a:r>
+            <a:r>
+              <a:rPr lang="it-IT" sz="2400" u="sng" dirty="0">
+                <a:solidFill>
+                  <a:schemeClr val="accent2">
+                    <a:lumMod val="50000"/>
+                  </a:schemeClr>
+                </a:solidFill>
+              </a:rPr>
+              <a:t>solo per allocazioni di quella dimensione</a:t>
+            </a:r>
+            <a:r>
+              <a:rPr lang="it-IT" sz="2400" dirty="0">
+                <a:solidFill>
+                  <a:schemeClr val="accent2">
+                    <a:lumMod val="50000"/>
+                  </a:schemeClr>
+                </a:solidFill>
+              </a:rPr>
+              <a:t>.</a:t>
+            </a:r>
+          </a:p>
+        </p:txBody>
+      </p:sp>
+      <p:sp>
+        <p:nvSpPr>
+          <p:cNvPr id="7" name="Segnaposto contenuto 2">
+            <a:extLst>
+              <a:ext uri="{FF2B5EF4-FFF2-40B4-BE49-F238E27FC236}">
+                <a16:creationId xmlns:a16="http://schemas.microsoft.com/office/drawing/2014/main" id="{42DDA212-1C60-EC00-41EE-DB555472B2F3}"/>
+              </a:ext>
+            </a:extLst>
+          </p:cNvPr>
+          <p:cNvSpPr txBox="1">
+            <a:spLocks/>
+          </p:cNvSpPr>
+          <p:nvPr/>
+        </p:nvSpPr>
+        <p:spPr>
+          <a:xfrm>
+            <a:off x="404030" y="2730589"/>
+            <a:ext cx="8046244" cy="1784657"/>
+          </a:xfrm>
+          <a:prstGeom prst="rect">
+            <a:avLst/>
+          </a:prstGeom>
+        </p:spPr>
+        <p:txBody>
+          <a:bodyPr vert="horz" lIns="91440" tIns="45720" rIns="91440" bIns="45720" rtlCol="0" anchor="ctr">
+            <a:normAutofit/>
+          </a:bodyPr>
+          <a:lstStyle>
+            <a:lvl1pPr marL="306000" indent="-306000" algn="l" defTabSz="457200" rtl="0" eaLnBrk="1" latinLnBrk="0" hangingPunct="1">
+              <a:spcBef>
+                <a:spcPct val="20000"/>
+              </a:spcBef>
+              <a:spcAft>
+                <a:spcPts val="600"/>
+              </a:spcAft>
+              <a:buClr>
+                <a:schemeClr val="accent2"/>
+              </a:buClr>
+              <a:buSzPct val="92000"/>
+              <a:buFont typeface="Wingdings 2" panose="05020102010507070707" pitchFamily="18" charset="2"/>
+              <a:buChar char=""/>
+              <a:defRPr sz="1800" kern="1200">
+                <a:solidFill>
+                  <a:schemeClr val="tx2"/>
+                </a:solidFill>
+                <a:latin typeface="+mn-lt"/>
+                <a:ea typeface="+mn-ea"/>
+                <a:cs typeface="+mn-cs"/>
+              </a:defRPr>
+            </a:lvl1pPr>
+            <a:lvl2pPr marL="630000" indent="-306000" algn="l" defTabSz="457200" rtl="0" eaLnBrk="1" latinLnBrk="0" hangingPunct="1">
+              <a:spcBef>
+                <a:spcPct val="20000"/>
+              </a:spcBef>
+              <a:spcAft>
+                <a:spcPts val="600"/>
+              </a:spcAft>
+              <a:buClr>
+                <a:schemeClr val="accent2"/>
+              </a:buClr>
+              <a:buSzPct val="92000"/>
+              <a:buFont typeface="Wingdings 2" panose="05020102010507070707" pitchFamily="18" charset="2"/>
+              <a:buChar char=""/>
+              <a:defRPr sz="1600" kern="1200">
+                <a:solidFill>
+                  <a:schemeClr val="tx2"/>
+                </a:solidFill>
+                <a:latin typeface="+mn-lt"/>
+                <a:ea typeface="+mn-ea"/>
+                <a:cs typeface="+mn-cs"/>
+              </a:defRPr>
+            </a:lvl2pPr>
+            <a:lvl3pPr marL="900000" indent="-270000" algn="l" defTabSz="457200" rtl="0" eaLnBrk="1" latinLnBrk="0" hangingPunct="1">
+              <a:spcBef>
+                <a:spcPct val="20000"/>
+              </a:spcBef>
+              <a:spcAft>
+                <a:spcPts val="600"/>
+              </a:spcAft>
+              <a:buClr>
+                <a:schemeClr val="accent2"/>
+              </a:buClr>
+              <a:buSzPct val="92000"/>
+              <a:buFont typeface="Wingdings 2" panose="05020102010507070707" pitchFamily="18" charset="2"/>
+              <a:buChar char=""/>
+              <a:defRPr sz="1400" kern="1200">
+                <a:solidFill>
+                  <a:schemeClr val="tx2"/>
+                </a:solidFill>
+                <a:latin typeface="+mn-lt"/>
+                <a:ea typeface="+mn-ea"/>
+                <a:cs typeface="+mn-cs"/>
+              </a:defRPr>
+            </a:lvl3pPr>
+            <a:lvl4pPr marL="1242000" indent="-234000" algn="l" defTabSz="457200" rtl="0" eaLnBrk="1" latinLnBrk="0" hangingPunct="1">
+              <a:spcBef>
+                <a:spcPct val="20000"/>
+              </a:spcBef>
+              <a:spcAft>
+                <a:spcPts val="600"/>
+              </a:spcAft>
+              <a:buClr>
+                <a:schemeClr val="accent2"/>
+              </a:buClr>
+              <a:buSzPct val="92000"/>
+              <a:buFont typeface="Wingdings 2" panose="05020102010507070707" pitchFamily="18" charset="2"/>
+              <a:buChar char=""/>
+              <a:defRPr sz="1200" kern="1200">
+                <a:solidFill>
+                  <a:schemeClr val="tx2"/>
+                </a:solidFill>
+                <a:latin typeface="+mn-lt"/>
+                <a:ea typeface="+mn-ea"/>
+                <a:cs typeface="+mn-cs"/>
+              </a:defRPr>
+            </a:lvl4pPr>
+            <a:lvl5pPr marL="1602000" indent="-234000" algn="l" defTabSz="457200" rtl="0" eaLnBrk="1" latinLnBrk="0" hangingPunct="1">
+              <a:spcBef>
+                <a:spcPct val="20000"/>
+              </a:spcBef>
+              <a:spcAft>
+                <a:spcPts val="600"/>
+              </a:spcAft>
+              <a:buClr>
+                <a:schemeClr val="accent2"/>
+              </a:buClr>
+              <a:buSzPct val="92000"/>
+              <a:buFont typeface="Wingdings 2" panose="05020102010507070707" pitchFamily="18" charset="2"/>
+              <a:buChar char=""/>
+              <a:defRPr sz="1200" kern="1200">
+                <a:solidFill>
+                  <a:schemeClr val="tx2"/>
+                </a:solidFill>
+                <a:latin typeface="+mn-lt"/>
+                <a:ea typeface="+mn-ea"/>
+                <a:cs typeface="+mn-cs"/>
+              </a:defRPr>
+            </a:lvl5pPr>
+            <a:lvl6pPr marL="1900000" indent="-228600" algn="l" defTabSz="457200" rtl="0" eaLnBrk="1" latinLnBrk="0" hangingPunct="1">
+              <a:spcBef>
+                <a:spcPct val="20000"/>
+              </a:spcBef>
+              <a:spcAft>
+                <a:spcPts val="600"/>
+              </a:spcAft>
+              <a:buClr>
+                <a:schemeClr val="accent2"/>
+              </a:buClr>
+              <a:buSzPct val="92000"/>
+              <a:buFont typeface="Wingdings 2" panose="05020102010507070707" pitchFamily="18" charset="2"/>
+              <a:buChar char=""/>
+              <a:defRPr sz="1200" kern="1200">
+                <a:solidFill>
+                  <a:schemeClr val="tx2"/>
+                </a:solidFill>
+                <a:latin typeface="+mn-lt"/>
+                <a:ea typeface="+mn-ea"/>
+                <a:cs typeface="+mn-cs"/>
+              </a:defRPr>
+            </a:lvl6pPr>
+            <a:lvl7pPr marL="2200000" indent="-228600" algn="l" defTabSz="457200" rtl="0" eaLnBrk="1" latinLnBrk="0" hangingPunct="1">
+              <a:spcBef>
+                <a:spcPct val="20000"/>
+              </a:spcBef>
+              <a:spcAft>
+                <a:spcPts val="600"/>
+              </a:spcAft>
+              <a:buClr>
+                <a:schemeClr val="accent2"/>
+              </a:buClr>
+              <a:buSzPct val="92000"/>
+              <a:buFont typeface="Wingdings 2" panose="05020102010507070707" pitchFamily="18" charset="2"/>
+              <a:buChar char=""/>
+              <a:defRPr sz="1200" kern="1200">
+                <a:solidFill>
+                  <a:schemeClr val="tx2"/>
+                </a:solidFill>
+                <a:latin typeface="+mn-lt"/>
+                <a:ea typeface="+mn-ea"/>
+                <a:cs typeface="+mn-cs"/>
+              </a:defRPr>
+            </a:lvl7pPr>
+            <a:lvl8pPr marL="2500000" indent="-228600" algn="l" defTabSz="457200" rtl="0" eaLnBrk="1" latinLnBrk="0" hangingPunct="1">
+              <a:spcBef>
+                <a:spcPct val="20000"/>
+              </a:spcBef>
+              <a:spcAft>
+                <a:spcPts val="600"/>
+              </a:spcAft>
+              <a:buClr>
+                <a:schemeClr val="accent2"/>
+              </a:buClr>
+              <a:buSzPct val="92000"/>
+              <a:buFont typeface="Wingdings 2" panose="05020102010507070707" pitchFamily="18" charset="2"/>
+              <a:buChar char=""/>
+              <a:defRPr sz="1200" kern="1200">
+                <a:solidFill>
+                  <a:schemeClr val="tx2"/>
+                </a:solidFill>
+                <a:latin typeface="+mn-lt"/>
+                <a:ea typeface="+mn-ea"/>
+                <a:cs typeface="+mn-cs"/>
+              </a:defRPr>
+            </a:lvl8pPr>
+            <a:lvl9pPr marL="2800000" indent="-228600" algn="l" defTabSz="457200" rtl="0" eaLnBrk="1" latinLnBrk="0" hangingPunct="1">
+              <a:spcBef>
+                <a:spcPct val="20000"/>
+              </a:spcBef>
+              <a:spcAft>
+                <a:spcPts val="600"/>
+              </a:spcAft>
+              <a:buClr>
+                <a:schemeClr val="accent2"/>
+              </a:buClr>
+              <a:buSzPct val="92000"/>
+              <a:buFont typeface="Wingdings 2" panose="05020102010507070707" pitchFamily="18" charset="2"/>
+              <a:buChar char=""/>
+              <a:defRPr sz="1200" kern="1200">
+                <a:solidFill>
+                  <a:schemeClr val="tx2"/>
+                </a:solidFill>
+                <a:latin typeface="+mn-lt"/>
+                <a:ea typeface="+mn-ea"/>
+                <a:cs typeface="+mn-cs"/>
+              </a:defRPr>
+            </a:lvl9pPr>
+          </a:lstStyle>
+          <a:p>
+            <a:endParaRPr lang="it-IT" sz="2400" dirty="0">
+              <a:solidFill>
+                <a:schemeClr val="accent2">
+                  <a:lumMod val="50000"/>
+                </a:schemeClr>
+              </a:solidFill>
+            </a:endParaRPr>
+          </a:p>
+        </p:txBody>
+      </p:sp>
+      <p:sp>
+        <p:nvSpPr>
+          <p:cNvPr id="4" name="Segnaposto contenuto 2">
+            <a:extLst>
+              <a:ext uri="{FF2B5EF4-FFF2-40B4-BE49-F238E27FC236}">
+                <a16:creationId xmlns:a16="http://schemas.microsoft.com/office/drawing/2014/main" id="{483397FA-B9A8-A706-C949-AD730183F1F8}"/>
+              </a:ext>
+            </a:extLst>
+          </p:cNvPr>
+          <p:cNvSpPr txBox="1">
+            <a:spLocks/>
+          </p:cNvSpPr>
+          <p:nvPr/>
+        </p:nvSpPr>
+        <p:spPr>
+          <a:xfrm>
+            <a:off x="404029" y="3279230"/>
+            <a:ext cx="11029615" cy="1784657"/>
+          </a:xfrm>
+          <a:prstGeom prst="rect">
+            <a:avLst/>
+          </a:prstGeom>
+        </p:spPr>
+        <p:txBody>
+          <a:bodyPr vert="horz" lIns="91440" tIns="45720" rIns="91440" bIns="45720" rtlCol="0" anchor="ctr">
+            <a:normAutofit/>
+          </a:bodyPr>
+          <a:lstStyle>
+            <a:lvl1pPr marL="306000" indent="-306000" algn="l" defTabSz="457200" rtl="0" eaLnBrk="1" latinLnBrk="0" hangingPunct="1">
+              <a:spcBef>
+                <a:spcPct val="20000"/>
+              </a:spcBef>
+              <a:spcAft>
+                <a:spcPts val="600"/>
+              </a:spcAft>
+              <a:buClr>
+                <a:schemeClr val="accent2"/>
+              </a:buClr>
+              <a:buSzPct val="92000"/>
+              <a:buFont typeface="Wingdings 2" panose="05020102010507070707" pitchFamily="18" charset="2"/>
+              <a:buChar char=""/>
+              <a:defRPr sz="1800" kern="1200">
+                <a:solidFill>
+                  <a:schemeClr val="tx2"/>
+                </a:solidFill>
+                <a:latin typeface="+mn-lt"/>
+                <a:ea typeface="+mn-ea"/>
+                <a:cs typeface="+mn-cs"/>
+              </a:defRPr>
+            </a:lvl1pPr>
+            <a:lvl2pPr marL="630000" indent="-306000" algn="l" defTabSz="457200" rtl="0" eaLnBrk="1" latinLnBrk="0" hangingPunct="1">
+              <a:spcBef>
+                <a:spcPct val="20000"/>
+              </a:spcBef>
+              <a:spcAft>
+                <a:spcPts val="600"/>
+              </a:spcAft>
+              <a:buClr>
+                <a:schemeClr val="accent2"/>
+              </a:buClr>
+              <a:buSzPct val="92000"/>
+              <a:buFont typeface="Wingdings 2" panose="05020102010507070707" pitchFamily="18" charset="2"/>
+              <a:buChar char=""/>
+              <a:defRPr sz="1600" kern="1200">
+                <a:solidFill>
+                  <a:schemeClr val="tx2"/>
+                </a:solidFill>
+                <a:latin typeface="+mn-lt"/>
+                <a:ea typeface="+mn-ea"/>
+                <a:cs typeface="+mn-cs"/>
+              </a:defRPr>
+            </a:lvl2pPr>
+            <a:lvl3pPr marL="900000" indent="-270000" algn="l" defTabSz="457200" rtl="0" eaLnBrk="1" latinLnBrk="0" hangingPunct="1">
+              <a:spcBef>
+                <a:spcPct val="20000"/>
+              </a:spcBef>
+              <a:spcAft>
+                <a:spcPts val="600"/>
+              </a:spcAft>
+              <a:buClr>
+                <a:schemeClr val="accent2"/>
+              </a:buClr>
+              <a:buSzPct val="92000"/>
+              <a:buFont typeface="Wingdings 2" panose="05020102010507070707" pitchFamily="18" charset="2"/>
+              <a:buChar char=""/>
+              <a:defRPr sz="1400" kern="1200">
+                <a:solidFill>
+                  <a:schemeClr val="tx2"/>
+                </a:solidFill>
+                <a:latin typeface="+mn-lt"/>
+                <a:ea typeface="+mn-ea"/>
+                <a:cs typeface="+mn-cs"/>
+              </a:defRPr>
+            </a:lvl3pPr>
+            <a:lvl4pPr marL="1242000" indent="-234000" algn="l" defTabSz="457200" rtl="0" eaLnBrk="1" latinLnBrk="0" hangingPunct="1">
+              <a:spcBef>
+                <a:spcPct val="20000"/>
+              </a:spcBef>
+              <a:spcAft>
+                <a:spcPts val="600"/>
+              </a:spcAft>
+              <a:buClr>
+                <a:schemeClr val="accent2"/>
+              </a:buClr>
+              <a:buSzPct val="92000"/>
+              <a:buFont typeface="Wingdings 2" panose="05020102010507070707" pitchFamily="18" charset="2"/>
+              <a:buChar char=""/>
+              <a:defRPr sz="1200" kern="1200">
+                <a:solidFill>
+                  <a:schemeClr val="tx2"/>
+                </a:solidFill>
+                <a:latin typeface="+mn-lt"/>
+                <a:ea typeface="+mn-ea"/>
+                <a:cs typeface="+mn-cs"/>
+              </a:defRPr>
+            </a:lvl4pPr>
+            <a:lvl5pPr marL="1602000" indent="-234000" algn="l" defTabSz="457200" rtl="0" eaLnBrk="1" latinLnBrk="0" hangingPunct="1">
+              <a:spcBef>
+                <a:spcPct val="20000"/>
+              </a:spcBef>
+              <a:spcAft>
+                <a:spcPts val="600"/>
+              </a:spcAft>
+              <a:buClr>
+                <a:schemeClr val="accent2"/>
+              </a:buClr>
+              <a:buSzPct val="92000"/>
+              <a:buFont typeface="Wingdings 2" panose="05020102010507070707" pitchFamily="18" charset="2"/>
+              <a:buChar char=""/>
+              <a:defRPr sz="1200" kern="1200">
+                <a:solidFill>
+                  <a:schemeClr val="tx2"/>
+                </a:solidFill>
+                <a:latin typeface="+mn-lt"/>
+                <a:ea typeface="+mn-ea"/>
+                <a:cs typeface="+mn-cs"/>
+              </a:defRPr>
+            </a:lvl5pPr>
+            <a:lvl6pPr marL="1900000" indent="-228600" algn="l" defTabSz="457200" rtl="0" eaLnBrk="1" latinLnBrk="0" hangingPunct="1">
+              <a:spcBef>
+                <a:spcPct val="20000"/>
+              </a:spcBef>
+              <a:spcAft>
+                <a:spcPts val="600"/>
+              </a:spcAft>
+              <a:buClr>
+                <a:schemeClr val="accent2"/>
+              </a:buClr>
+              <a:buSzPct val="92000"/>
+              <a:buFont typeface="Wingdings 2" panose="05020102010507070707" pitchFamily="18" charset="2"/>
+              <a:buChar char=""/>
+              <a:defRPr sz="1200" kern="1200">
+                <a:solidFill>
+                  <a:schemeClr val="tx2"/>
+                </a:solidFill>
+                <a:latin typeface="+mn-lt"/>
+                <a:ea typeface="+mn-ea"/>
+                <a:cs typeface="+mn-cs"/>
+              </a:defRPr>
+            </a:lvl6pPr>
+            <a:lvl7pPr marL="2200000" indent="-228600" algn="l" defTabSz="457200" rtl="0" eaLnBrk="1" latinLnBrk="0" hangingPunct="1">
+              <a:spcBef>
+                <a:spcPct val="20000"/>
+              </a:spcBef>
+              <a:spcAft>
+                <a:spcPts val="600"/>
+              </a:spcAft>
+              <a:buClr>
+                <a:schemeClr val="accent2"/>
+              </a:buClr>
+              <a:buSzPct val="92000"/>
+              <a:buFont typeface="Wingdings 2" panose="05020102010507070707" pitchFamily="18" charset="2"/>
+              <a:buChar char=""/>
+              <a:defRPr sz="1200" kern="1200">
+                <a:solidFill>
+                  <a:schemeClr val="tx2"/>
+                </a:solidFill>
+                <a:latin typeface="+mn-lt"/>
+                <a:ea typeface="+mn-ea"/>
+                <a:cs typeface="+mn-cs"/>
+              </a:defRPr>
+            </a:lvl7pPr>
+            <a:lvl8pPr marL="2500000" indent="-228600" algn="l" defTabSz="457200" rtl="0" eaLnBrk="1" latinLnBrk="0" hangingPunct="1">
+              <a:spcBef>
+                <a:spcPct val="20000"/>
+              </a:spcBef>
+              <a:spcAft>
+                <a:spcPts val="600"/>
+              </a:spcAft>
+              <a:buClr>
+                <a:schemeClr val="accent2"/>
+              </a:buClr>
+              <a:buSzPct val="92000"/>
+              <a:buFont typeface="Wingdings 2" panose="05020102010507070707" pitchFamily="18" charset="2"/>
+              <a:buChar char=""/>
+              <a:defRPr sz="1200" kern="1200">
+                <a:solidFill>
+                  <a:schemeClr val="tx2"/>
+                </a:solidFill>
+                <a:latin typeface="+mn-lt"/>
+                <a:ea typeface="+mn-ea"/>
+                <a:cs typeface="+mn-cs"/>
+              </a:defRPr>
+            </a:lvl8pPr>
+            <a:lvl9pPr marL="2800000" indent="-228600" algn="l" defTabSz="457200" rtl="0" eaLnBrk="1" latinLnBrk="0" hangingPunct="1">
+              <a:spcBef>
+                <a:spcPct val="20000"/>
+              </a:spcBef>
+              <a:spcAft>
+                <a:spcPts val="600"/>
+              </a:spcAft>
+              <a:buClr>
+                <a:schemeClr val="accent2"/>
+              </a:buClr>
+              <a:buSzPct val="92000"/>
+              <a:buFont typeface="Wingdings 2" panose="05020102010507070707" pitchFamily="18" charset="2"/>
+              <a:buChar char=""/>
+              <a:defRPr sz="1200" kern="1200">
+                <a:solidFill>
+                  <a:schemeClr val="tx2"/>
+                </a:solidFill>
+                <a:latin typeface="+mn-lt"/>
+                <a:ea typeface="+mn-ea"/>
+                <a:cs typeface="+mn-cs"/>
+              </a:defRPr>
+            </a:lvl9pPr>
+          </a:lstStyle>
+          <a:p>
+            <a:r>
+              <a:rPr lang="it-IT" sz="2400" dirty="0">
+                <a:solidFill>
+                  <a:schemeClr val="accent2">
+                    <a:lumMod val="50000"/>
+                  </a:schemeClr>
+                </a:solidFill>
+              </a:rPr>
+              <a:t>Strategia 2 (&lt;1kB): Le allocazioni (più una piccola quantità di overhead) vengono arrotondate per eccesso a un multiplo della dimensione di pagina più vicino (minimo 4kB), l'</a:t>
+            </a:r>
+            <a:r>
+              <a:rPr lang="it-IT" sz="2400" dirty="0" err="1">
+                <a:solidFill>
+                  <a:schemeClr val="accent2">
+                    <a:lumMod val="50000"/>
+                  </a:schemeClr>
+                </a:solidFill>
+              </a:rPr>
+              <a:t>allocatore</a:t>
+            </a:r>
+            <a:r>
+              <a:rPr lang="it-IT" sz="2400" dirty="0">
+                <a:solidFill>
+                  <a:schemeClr val="accent2">
+                    <a:lumMod val="50000"/>
+                  </a:schemeClr>
+                </a:solidFill>
+              </a:rPr>
+              <a:t> di blocchi richiede quel numero di pagine contigue all’</a:t>
+            </a:r>
+            <a:r>
+              <a:rPr lang="it-IT" sz="2400" dirty="0" err="1">
+                <a:solidFill>
+                  <a:schemeClr val="accent2">
+                    <a:lumMod val="50000"/>
+                  </a:schemeClr>
+                </a:solidFill>
+              </a:rPr>
+              <a:t>allocatore</a:t>
+            </a:r>
+            <a:r>
+              <a:rPr lang="it-IT" sz="2400" dirty="0">
+                <a:solidFill>
+                  <a:schemeClr val="accent2">
+                    <a:lumMod val="50000"/>
+                  </a:schemeClr>
+                </a:solidFill>
+              </a:rPr>
+              <a:t> di pagine descritto precedentemente.</a:t>
+            </a:r>
+          </a:p>
+        </p:txBody>
+      </p:sp>
+    </p:spTree>
+    <p:extLst>
+      <p:ext uri="{BB962C8B-B14F-4D97-AF65-F5344CB8AC3E}">
+        <p14:creationId xmlns:p14="http://schemas.microsoft.com/office/powerpoint/2010/main" val="4012903013"/>
       </p:ext>
     </p:extLst>
   </p:cSld>

--- a/PintOS - Gestione Memoria.pptx
+++ b/PintOS - Gestione Memoria.pptx
@@ -19495,65 +19495,6 @@
       </p:graphicFrame>
       <p:sp>
         <p:nvSpPr>
-          <p:cNvPr id="14" name="Segnaposto piè di pagina 13">
-            <a:extLst>
-              <a:ext uri="{FF2B5EF4-FFF2-40B4-BE49-F238E27FC236}">
-                <a16:creationId xmlns:a16="http://schemas.microsoft.com/office/drawing/2014/main" id="{5B006B42-FF08-F95A-EC73-880692CB799A}"/>
-              </a:ext>
-            </a:extLst>
-          </p:cNvPr>
-          <p:cNvSpPr>
-            <a:spLocks noGrp="1"/>
-          </p:cNvSpPr>
-          <p:nvPr>
-            <p:ph type="ftr" sz="quarter" idx="11"/>
-          </p:nvPr>
-        </p:nvSpPr>
-        <p:spPr>
-          <a:xfrm>
-            <a:off x="554947" y="6492875"/>
-            <a:ext cx="11174598" cy="365125"/>
-          </a:xfrm>
-        </p:spPr>
-        <p:txBody>
-          <a:bodyPr/>
-          <a:lstStyle/>
-          <a:p>
-            <a:r>
-              <a:rPr lang="en-US" dirty="0">
-                <a:solidFill>
-                  <a:schemeClr val="accent1"/>
-                </a:solidFill>
-                <a:hlinkClick r:id="rId17">
-                  <a:extLst>
-                    <a:ext uri="{A12FA001-AC4F-418D-AE19-62706E023703}">
-                      <ahyp:hlinkClr xmlns:ahyp="http://schemas.microsoft.com/office/drawing/2018/hyperlinkcolor" val="tx"/>
-                    </a:ext>
-                  </a:extLst>
-                </a:hlinkClick>
-              </a:rPr>
-              <a:t>http://os161.org/resources/sfs.html</a:t>
-            </a:r>
-            <a:br>
-              <a:rPr lang="en-US" dirty="0">
-                <a:solidFill>
-                  <a:schemeClr val="accent1"/>
-                </a:solidFill>
-              </a:rPr>
-            </a:br>
-            <a:r>
-              <a:rPr lang="en-US" dirty="0">
-                <a:solidFill>
-                  <a:schemeClr val="accent1"/>
-                </a:solidFill>
-              </a:rPr>
-              <a:t>https://web.stanford.edu/class/cs140/projects/pintos/pintos_3.html#SEC35</a:t>
-            </a:r>
-          </a:p>
-        </p:txBody>
-      </p:sp>
-      <p:sp>
-        <p:nvSpPr>
           <p:cNvPr id="10" name="CasellaDiTesto 9">
             <a:extLst>
               <a:ext uri="{FF2B5EF4-FFF2-40B4-BE49-F238E27FC236}">
